--- a/presentation/Jan Egil Ring & Øyvind Kallstad - Containers - Where is my PowerShell.pptx
+++ b/presentation/Jan Egil Ring & Øyvind Kallstad - Containers - Where is my PowerShell.pptx
@@ -5,24 +5,22 @@
     <p:sldMasterId id="2147483649" r:id="rId1"/>
     <p:sldMasterId id="2147483809" r:id="rId2"/>
     <p:sldMasterId id="2147483812" r:id="rId3"/>
+    <p:sldMasterId id="2147483814" r:id="rId4"/>
   </p:sldMasterIdLst>
   <p:notesMasterIdLst>
-    <p:notesMasterId r:id="rId14"/>
+    <p:notesMasterId r:id="rId12"/>
   </p:notesMasterIdLst>
   <p:handoutMasterIdLst>
-    <p:handoutMasterId r:id="rId15"/>
+    <p:handoutMasterId r:id="rId13"/>
   </p:handoutMasterIdLst>
   <p:sldIdLst>
-    <p:sldId id="319" r:id="rId4"/>
     <p:sldId id="320" r:id="rId5"/>
     <p:sldId id="305" r:id="rId6"/>
-    <p:sldId id="281" r:id="rId7"/>
-    <p:sldId id="310" r:id="rId8"/>
-    <p:sldId id="317" r:id="rId9"/>
-    <p:sldId id="302" r:id="rId10"/>
-    <p:sldId id="313" r:id="rId11"/>
-    <p:sldId id="314" r:id="rId12"/>
-    <p:sldId id="312" r:id="rId13"/>
+    <p:sldId id="310" r:id="rId7"/>
+    <p:sldId id="302" r:id="rId8"/>
+    <p:sldId id="321" r:id="rId9"/>
+    <p:sldId id="313" r:id="rId10"/>
+    <p:sldId id="314" r:id="rId11"/>
   </p:sldIdLst>
   <p:sldSz cx="9144000" cy="6858000" type="screen4x3"/>
   <p:notesSz cx="7099300" cy="10234613"/>
@@ -1115,6 +1113,366 @@
 </p:notesMaster>
 </file>
 
+<file path=ppt/notesSlides/notesSlide1.xml><?xml version="1.0" encoding="utf-8"?>
+<p:notes xmlns:a="http://schemas.openxmlformats.org/drawingml/2006/main" xmlns:r="http://schemas.openxmlformats.org/officeDocument/2006/relationships" xmlns:p="http://schemas.openxmlformats.org/presentationml/2006/main">
+  <p:cSld>
+    <p:spTree>
+      <p:nvGrpSpPr>
+        <p:cNvPr id="1" name=""/>
+        <p:cNvGrpSpPr/>
+        <p:nvPr/>
+      </p:nvGrpSpPr>
+      <p:grpSpPr>
+        <a:xfrm>
+          <a:off x="0" y="0"/>
+          <a:ext cx="0" cy="0"/>
+          <a:chOff x="0" y="0"/>
+          <a:chExt cx="0" cy="0"/>
+        </a:xfrm>
+      </p:grpSpPr>
+      <p:sp>
+        <p:nvSpPr>
+          <p:cNvPr id="2" name="Slide Image Placeholder 1"/>
+          <p:cNvSpPr>
+            <a:spLocks noGrp="1" noRot="1" noChangeAspect="1"/>
+          </p:cNvSpPr>
+          <p:nvPr>
+            <p:ph type="sldImg"/>
+          </p:nvPr>
+        </p:nvSpPr>
+        <p:spPr/>
+      </p:sp>
+      <p:sp>
+        <p:nvSpPr>
+          <p:cNvPr id="3" name="Notes Placeholder 2"/>
+          <p:cNvSpPr>
+            <a:spLocks noGrp="1"/>
+          </p:cNvSpPr>
+          <p:nvPr>
+            <p:ph type="body" idx="1"/>
+          </p:nvPr>
+        </p:nvSpPr>
+        <p:spPr/>
+        <p:txBody>
+          <a:bodyPr/>
+          <a:lstStyle/>
+          <a:p>
+            <a:r>
+              <a:rPr lang="nb-NO" dirty="0"/>
+              <a:t>Gothas</a:t>
+            </a:r>
+          </a:p>
+          <a:p>
+            <a:r>
+              <a:rPr lang="nb-NO" dirty="0"/>
+              <a:t>New PowerShell module for Docker</a:t>
+            </a:r>
+          </a:p>
+          <a:p>
+            <a:r>
+              <a:rPr lang="nb-NO" dirty="0"/>
+              <a:t>Docker build</a:t>
+            </a:r>
+          </a:p>
+          <a:p>
+            <a:endParaRPr lang="nb-NO" dirty="0"/>
+          </a:p>
+          <a:p>
+            <a:r>
+              <a:rPr lang="nb-NO" dirty="0"/>
+              <a:t>Windows containers running Nano</a:t>
+            </a:r>
+          </a:p>
+          <a:p>
+            <a:r>
+              <a:rPr lang="nb-NO" dirty="0"/>
+              <a:t>Linux containers</a:t>
+            </a:r>
+          </a:p>
+          <a:p>
+            <a:r>
+              <a:rPr lang="nb-NO" dirty="0"/>
+              <a:t>Image2Docker</a:t>
+            </a:r>
+          </a:p>
+          <a:p>
+            <a:endParaRPr lang="nb-NO" dirty="0"/>
+          </a:p>
+          <a:p>
+            <a:r>
+              <a:rPr lang="nb-NO" dirty="0"/>
+              <a:t>PowerShell Universal Dashboard running on both Linux and Windows</a:t>
+            </a:r>
+          </a:p>
+        </p:txBody>
+      </p:sp>
+      <p:sp>
+        <p:nvSpPr>
+          <p:cNvPr id="4" name="Slide Number Placeholder 3"/>
+          <p:cNvSpPr>
+            <a:spLocks noGrp="1"/>
+          </p:cNvSpPr>
+          <p:nvPr>
+            <p:ph type="sldNum" sz="quarter" idx="10"/>
+          </p:nvPr>
+        </p:nvSpPr>
+        <p:spPr/>
+        <p:txBody>
+          <a:bodyPr/>
+          <a:lstStyle/>
+          <a:p>
+            <a:pPr>
+              <a:defRPr/>
+            </a:pPr>
+            <a:fld id="{0C6D6275-D5B4-459A-B2A3-212CA60D2300}" type="slidenum">
+              <a:rPr lang="de-DE" smtClean="0"/>
+              <a:pPr>
+                <a:defRPr/>
+              </a:pPr>
+              <a:t>2</a:t>
+            </a:fld>
+            <a:endParaRPr lang="de-DE"/>
+          </a:p>
+        </p:txBody>
+      </p:sp>
+    </p:spTree>
+    <p:extLst>
+      <p:ext uri="{BB962C8B-B14F-4D97-AF65-F5344CB8AC3E}">
+        <p14:creationId xmlns:p14="http://schemas.microsoft.com/office/powerpoint/2010/main" val="1445858129"/>
+      </p:ext>
+    </p:extLst>
+  </p:cSld>
+  <p:clrMapOvr>
+    <a:masterClrMapping/>
+  </p:clrMapOvr>
+</p:notes>
+</file>
+
+<file path=ppt/notesSlides/notesSlide2.xml><?xml version="1.0" encoding="utf-8"?>
+<p:notes xmlns:a="http://schemas.openxmlformats.org/drawingml/2006/main" xmlns:r="http://schemas.openxmlformats.org/officeDocument/2006/relationships" xmlns:p="http://schemas.openxmlformats.org/presentationml/2006/main">
+  <p:cSld>
+    <p:spTree>
+      <p:nvGrpSpPr>
+        <p:cNvPr id="1" name=""/>
+        <p:cNvGrpSpPr/>
+        <p:nvPr/>
+      </p:nvGrpSpPr>
+      <p:grpSpPr>
+        <a:xfrm>
+          <a:off x="0" y="0"/>
+          <a:ext cx="0" cy="0"/>
+          <a:chOff x="0" y="0"/>
+          <a:chExt cx="0" cy="0"/>
+        </a:xfrm>
+      </p:grpSpPr>
+      <p:sp>
+        <p:nvSpPr>
+          <p:cNvPr id="2" name="Slide Image Placeholder 1"/>
+          <p:cNvSpPr>
+            <a:spLocks noGrp="1" noRot="1" noChangeAspect="1"/>
+          </p:cNvSpPr>
+          <p:nvPr>
+            <p:ph type="sldImg"/>
+          </p:nvPr>
+        </p:nvSpPr>
+        <p:spPr/>
+      </p:sp>
+      <p:sp>
+        <p:nvSpPr>
+          <p:cNvPr id="3" name="Notes Placeholder 2"/>
+          <p:cNvSpPr>
+            <a:spLocks noGrp="1"/>
+          </p:cNvSpPr>
+          <p:nvPr>
+            <p:ph type="body" idx="1"/>
+          </p:nvPr>
+        </p:nvSpPr>
+        <p:spPr/>
+        <p:txBody>
+          <a:bodyPr/>
+          <a:lstStyle/>
+          <a:p>
+            <a:r>
+              <a:rPr lang="nb-NO" dirty="0"/>
+              <a:t>function Get-ContactInfo {</a:t>
+            </a:r>
+          </a:p>
+          <a:p>
+            <a:endParaRPr lang="nb-NO" dirty="0"/>
+          </a:p>
+          <a:p>
+            <a:r>
+              <a:rPr lang="nb-NO" dirty="0"/>
+              <a:t>[pscustomobject] @{</a:t>
+            </a:r>
+          </a:p>
+          <a:p>
+            <a:r>
+              <a:rPr lang="nb-NO" dirty="0"/>
+              <a:t>Name = ' Jan Egil Ring '</a:t>
+            </a:r>
+          </a:p>
+          <a:p>
+            <a:r>
+              <a:rPr lang="nb-NO" dirty="0"/>
+              <a:t>'E-mail ' = ' jan.egil.ring@crayon.com'</a:t>
+            </a:r>
+          </a:p>
+          <a:p>
+            <a:r>
+              <a:rPr lang="nb-NO" dirty="0"/>
+              <a:t>Twitter = ' @JanEgilRing '</a:t>
+            </a:r>
+          </a:p>
+          <a:p>
+            <a:r>
+              <a:rPr lang="nb-NO" dirty="0"/>
+              <a:t>Website = @('www.powershell.no’)  </a:t>
+            </a:r>
+          </a:p>
+          <a:p>
+            <a:r>
+              <a:rPr lang="nb-NO" dirty="0"/>
+              <a:t>  } | Format-List</a:t>
+            </a:r>
+          </a:p>
+          <a:p>
+            <a:endParaRPr lang="nb-NO" dirty="0"/>
+          </a:p>
+          <a:p>
+            <a:endParaRPr lang="nb-NO" dirty="0"/>
+          </a:p>
+          <a:p>
+            <a:r>
+              <a:rPr lang="nb-NO" dirty="0"/>
+              <a:t>} </a:t>
+            </a:r>
+          </a:p>
+          <a:p>
+            <a:endParaRPr lang="nb-NO" dirty="0"/>
+          </a:p>
+          <a:p>
+            <a:r>
+              <a:rPr lang="nb-NO" dirty="0"/>
+              <a:t>function Get-ContactInfo {</a:t>
+            </a:r>
+          </a:p>
+          <a:p>
+            <a:endParaRPr lang="nb-NO" dirty="0"/>
+          </a:p>
+          <a:p>
+            <a:r>
+              <a:rPr lang="nb-NO" dirty="0"/>
+              <a:t>[pscustomobject] @{</a:t>
+            </a:r>
+          </a:p>
+          <a:p>
+            <a:r>
+              <a:rPr lang="nb-NO" dirty="0"/>
+              <a:t>Name = ‘ Øyvind Kallstad'</a:t>
+            </a:r>
+          </a:p>
+          <a:p>
+            <a:r>
+              <a:rPr lang="nb-NO" dirty="0"/>
+              <a:t>'E-mail ' = ‘ okallstad@gmail.com'</a:t>
+            </a:r>
+          </a:p>
+          <a:p>
+            <a:r>
+              <a:rPr lang="nb-NO" dirty="0"/>
+              <a:t>Twitter = ‘ @OKallstad'</a:t>
+            </a:r>
+          </a:p>
+          <a:p>
+            <a:r>
+              <a:rPr lang="nb-NO" dirty="0"/>
+              <a:t>Website = @(‘communary.net’)  </a:t>
+            </a:r>
+          </a:p>
+          <a:p>
+            <a:r>
+              <a:rPr lang="nb-NO" dirty="0"/>
+              <a:t>  } | Format-List</a:t>
+            </a:r>
+          </a:p>
+          <a:p>
+            <a:endParaRPr lang="nb-NO" dirty="0"/>
+          </a:p>
+          <a:p>
+            <a:endParaRPr lang="nb-NO" dirty="0"/>
+          </a:p>
+          <a:p>
+            <a:r>
+              <a:rPr lang="nb-NO" dirty="0"/>
+              <a:t>} </a:t>
+            </a:r>
+          </a:p>
+          <a:p>
+            <a:endParaRPr lang="nb-NO" dirty="0"/>
+          </a:p>
+          <a:p>
+            <a:endParaRPr lang="nb-NO" dirty="0"/>
+          </a:p>
+          <a:p>
+            <a:endParaRPr lang="nb-NO" dirty="0"/>
+          </a:p>
+          <a:p>
+            <a:r>
+              <a:rPr lang="nb-NO" dirty="0"/>
+              <a:t>Get-ContactInfo</a:t>
+            </a:r>
+          </a:p>
+          <a:p>
+            <a:endParaRPr lang="nb-NO" dirty="0"/>
+          </a:p>
+          <a:p>
+            <a:endParaRPr lang="nb-NO" dirty="0"/>
+          </a:p>
+        </p:txBody>
+      </p:sp>
+      <p:sp>
+        <p:nvSpPr>
+          <p:cNvPr id="4" name="Slide Number Placeholder 3"/>
+          <p:cNvSpPr>
+            <a:spLocks noGrp="1"/>
+          </p:cNvSpPr>
+          <p:nvPr>
+            <p:ph type="sldNum" sz="quarter" idx="10"/>
+          </p:nvPr>
+        </p:nvSpPr>
+        <p:spPr/>
+        <p:txBody>
+          <a:bodyPr/>
+          <a:lstStyle/>
+          <a:p>
+            <a:pPr>
+              <a:defRPr/>
+            </a:pPr>
+            <a:fld id="{0C6D6275-D5B4-459A-B2A3-212CA60D2300}" type="slidenum">
+              <a:rPr lang="de-DE" smtClean="0"/>
+              <a:pPr>
+                <a:defRPr/>
+              </a:pPr>
+              <a:t>5</a:t>
+            </a:fld>
+            <a:endParaRPr lang="de-DE"/>
+          </a:p>
+        </p:txBody>
+      </p:sp>
+    </p:spTree>
+    <p:extLst>
+      <p:ext uri="{BB962C8B-B14F-4D97-AF65-F5344CB8AC3E}">
+        <p14:creationId xmlns:p14="http://schemas.microsoft.com/office/powerpoint/2010/main" val="3419093838"/>
+      </p:ext>
+    </p:extLst>
+  </p:cSld>
+  <p:clrMapOvr>
+    <a:masterClrMapping/>
+  </p:clrMapOvr>
+</p:notes>
+</file>
+
 <file path=ppt/slideLayouts/slideLayout1.xml><?xml version="1.0" encoding="utf-8"?>
 <p:sldLayout xmlns:a="http://schemas.openxmlformats.org/drawingml/2006/main" xmlns:r="http://schemas.openxmlformats.org/officeDocument/2006/relationships" xmlns:p="http://schemas.openxmlformats.org/presentationml/2006/main" showMasterSp="0" preserve="1" userDrawn="1">
   <p:cSld name="Presentation Start">
@@ -1387,6 +1745,36 @@
     <p:extLst>
       <p:ext uri="{BB962C8B-B14F-4D97-AF65-F5344CB8AC3E}">
         <p14:creationId xmlns:p14="http://schemas.microsoft.com/office/powerpoint/2010/main" val="1211443736"/>
+      </p:ext>
+    </p:extLst>
+  </p:cSld>
+  <p:clrMapOvr>
+    <a:masterClrMapping/>
+  </p:clrMapOvr>
+</p:sldLayout>
+</file>
+
+<file path=ppt/slideLayouts/slideLayout11.xml><?xml version="1.0" encoding="utf-8"?>
+<p:sldLayout xmlns:a="http://schemas.openxmlformats.org/drawingml/2006/main" xmlns:r="http://schemas.openxmlformats.org/officeDocument/2006/relationships" xmlns:p="http://schemas.openxmlformats.org/presentationml/2006/main" preserve="1" userDrawn="1">
+  <p:cSld name="Titelfolie">
+    <p:spTree>
+      <p:nvGrpSpPr>
+        <p:cNvPr id="1" name=""/>
+        <p:cNvGrpSpPr/>
+        <p:nvPr/>
+      </p:nvGrpSpPr>
+      <p:grpSpPr>
+        <a:xfrm>
+          <a:off x="0" y="0"/>
+          <a:ext cx="0" cy="0"/>
+          <a:chOff x="0" y="0"/>
+          <a:chExt cx="0" cy="0"/>
+        </a:xfrm>
+      </p:grpSpPr>
+    </p:spTree>
+    <p:extLst>
+      <p:ext uri="{BB962C8B-B14F-4D97-AF65-F5344CB8AC3E}">
+        <p14:creationId xmlns:p14="http://schemas.microsoft.com/office/powerpoint/2010/main" val="3227272895"/>
       </p:ext>
     </p:extLst>
   </p:cSld>
@@ -4505,8 +4893,8 @@
 </p:sldMaster>
 </file>
 
-<file path=ppt/slides/slide1.xml><?xml version="1.0" encoding="utf-8"?>
-<p:sld xmlns:a="http://schemas.openxmlformats.org/drawingml/2006/main" xmlns:r="http://schemas.openxmlformats.org/officeDocument/2006/relationships" xmlns:p="http://schemas.openxmlformats.org/presentationml/2006/main">
+<file path=ppt/slideMasters/slideMaster4.xml><?xml version="1.0" encoding="utf-8"?>
+<p:sldMaster xmlns:a="http://schemas.openxmlformats.org/drawingml/2006/main" xmlns:r="http://schemas.openxmlformats.org/officeDocument/2006/relationships" xmlns:p="http://schemas.openxmlformats.org/presentationml/2006/main" preserve="1">
   <p:cSld>
     <p:bg>
       <p:bgPr>
@@ -4516,6 +4904,317 @@
         <a:effectLst/>
       </p:bgPr>
     </p:bg>
+    <p:spTree>
+      <p:nvGrpSpPr>
+        <p:cNvPr id="1" name=""/>
+        <p:cNvGrpSpPr/>
+        <p:nvPr/>
+      </p:nvGrpSpPr>
+      <p:grpSpPr>
+        <a:xfrm>
+          <a:off x="0" y="0"/>
+          <a:ext cx="0" cy="0"/>
+          <a:chOff x="0" y="0"/>
+          <a:chExt cx="0" cy="0"/>
+        </a:xfrm>
+      </p:grpSpPr>
+    </p:spTree>
+    <p:extLst>
+      <p:ext uri="{BB962C8B-B14F-4D97-AF65-F5344CB8AC3E}">
+        <p14:creationId xmlns:p14="http://schemas.microsoft.com/office/powerpoint/2010/main" val="185375720"/>
+      </p:ext>
+    </p:extLst>
+  </p:cSld>
+  <p:clrMap bg1="lt1" tx1="dk1" bg2="lt2" tx2="dk2" accent1="accent1" accent2="accent2" accent3="accent3" accent4="accent4" accent5="accent5" accent6="accent6" hlink="hlink" folHlink="folHlink"/>
+  <p:sldLayoutIdLst>
+    <p:sldLayoutId id="2147483815" r:id="rId1"/>
+  </p:sldLayoutIdLst>
+  <p:txStyles>
+    <p:titleStyle>
+      <a:lvl1pPr algn="l" defTabSz="914400" rtl="0" eaLnBrk="1" latinLnBrk="0" hangingPunct="1">
+        <a:lnSpc>
+          <a:spcPct val="90000"/>
+        </a:lnSpc>
+        <a:spcBef>
+          <a:spcPct val="0"/>
+        </a:spcBef>
+        <a:buNone/>
+        <a:defRPr sz="4400" kern="1200">
+          <a:solidFill>
+            <a:schemeClr val="tx1"/>
+          </a:solidFill>
+          <a:latin typeface="+mj-lt"/>
+          <a:ea typeface="+mj-ea"/>
+          <a:cs typeface="+mj-cs"/>
+        </a:defRPr>
+      </a:lvl1pPr>
+    </p:titleStyle>
+    <p:bodyStyle>
+      <a:lvl1pPr marL="228600" indent="-228600" algn="l" defTabSz="914400" rtl="0" eaLnBrk="1" latinLnBrk="0" hangingPunct="1">
+        <a:lnSpc>
+          <a:spcPct val="90000"/>
+        </a:lnSpc>
+        <a:spcBef>
+          <a:spcPts val="1000"/>
+        </a:spcBef>
+        <a:buFont typeface="Arial" panose="020B0604020202020204" pitchFamily="34" charset="0"/>
+        <a:buChar char="•"/>
+        <a:defRPr sz="2800" kern="1200">
+          <a:solidFill>
+            <a:schemeClr val="tx1"/>
+          </a:solidFill>
+          <a:latin typeface="+mn-lt"/>
+          <a:ea typeface="+mn-ea"/>
+          <a:cs typeface="+mn-cs"/>
+        </a:defRPr>
+      </a:lvl1pPr>
+      <a:lvl2pPr marL="685800" indent="-228600" algn="l" defTabSz="914400" rtl="0" eaLnBrk="1" latinLnBrk="0" hangingPunct="1">
+        <a:lnSpc>
+          <a:spcPct val="90000"/>
+        </a:lnSpc>
+        <a:spcBef>
+          <a:spcPts val="500"/>
+        </a:spcBef>
+        <a:buFont typeface="Arial" panose="020B0604020202020204" pitchFamily="34" charset="0"/>
+        <a:buChar char="•"/>
+        <a:defRPr sz="2400" kern="1200">
+          <a:solidFill>
+            <a:schemeClr val="tx1"/>
+          </a:solidFill>
+          <a:latin typeface="+mn-lt"/>
+          <a:ea typeface="+mn-ea"/>
+          <a:cs typeface="+mn-cs"/>
+        </a:defRPr>
+      </a:lvl2pPr>
+      <a:lvl3pPr marL="1143000" indent="-228600" algn="l" defTabSz="914400" rtl="0" eaLnBrk="1" latinLnBrk="0" hangingPunct="1">
+        <a:lnSpc>
+          <a:spcPct val="90000"/>
+        </a:lnSpc>
+        <a:spcBef>
+          <a:spcPts val="500"/>
+        </a:spcBef>
+        <a:buFont typeface="Arial" panose="020B0604020202020204" pitchFamily="34" charset="0"/>
+        <a:buChar char="•"/>
+        <a:defRPr sz="2000" kern="1200">
+          <a:solidFill>
+            <a:schemeClr val="tx1"/>
+          </a:solidFill>
+          <a:latin typeface="+mn-lt"/>
+          <a:ea typeface="+mn-ea"/>
+          <a:cs typeface="+mn-cs"/>
+        </a:defRPr>
+      </a:lvl3pPr>
+      <a:lvl4pPr marL="1600200" indent="-228600" algn="l" defTabSz="914400" rtl="0" eaLnBrk="1" latinLnBrk="0" hangingPunct="1">
+        <a:lnSpc>
+          <a:spcPct val="90000"/>
+        </a:lnSpc>
+        <a:spcBef>
+          <a:spcPts val="500"/>
+        </a:spcBef>
+        <a:buFont typeface="Arial" panose="020B0604020202020204" pitchFamily="34" charset="0"/>
+        <a:buChar char="•"/>
+        <a:defRPr sz="1800" kern="1200">
+          <a:solidFill>
+            <a:schemeClr val="tx1"/>
+          </a:solidFill>
+          <a:latin typeface="+mn-lt"/>
+          <a:ea typeface="+mn-ea"/>
+          <a:cs typeface="+mn-cs"/>
+        </a:defRPr>
+      </a:lvl4pPr>
+      <a:lvl5pPr marL="2057400" indent="-228600" algn="l" defTabSz="914400" rtl="0" eaLnBrk="1" latinLnBrk="0" hangingPunct="1">
+        <a:lnSpc>
+          <a:spcPct val="90000"/>
+        </a:lnSpc>
+        <a:spcBef>
+          <a:spcPts val="500"/>
+        </a:spcBef>
+        <a:buFont typeface="Arial" panose="020B0604020202020204" pitchFamily="34" charset="0"/>
+        <a:buChar char="•"/>
+        <a:defRPr sz="1800" kern="1200">
+          <a:solidFill>
+            <a:schemeClr val="tx1"/>
+          </a:solidFill>
+          <a:latin typeface="+mn-lt"/>
+          <a:ea typeface="+mn-ea"/>
+          <a:cs typeface="+mn-cs"/>
+        </a:defRPr>
+      </a:lvl5pPr>
+      <a:lvl6pPr marL="2514600" indent="-228600" algn="l" defTabSz="914400" rtl="0" eaLnBrk="1" latinLnBrk="0" hangingPunct="1">
+        <a:lnSpc>
+          <a:spcPct val="90000"/>
+        </a:lnSpc>
+        <a:spcBef>
+          <a:spcPts val="500"/>
+        </a:spcBef>
+        <a:buFont typeface="Arial" panose="020B0604020202020204" pitchFamily="34" charset="0"/>
+        <a:buChar char="•"/>
+        <a:defRPr sz="1800" kern="1200">
+          <a:solidFill>
+            <a:schemeClr val="tx1"/>
+          </a:solidFill>
+          <a:latin typeface="+mn-lt"/>
+          <a:ea typeface="+mn-ea"/>
+          <a:cs typeface="+mn-cs"/>
+        </a:defRPr>
+      </a:lvl6pPr>
+      <a:lvl7pPr marL="2971800" indent="-228600" algn="l" defTabSz="914400" rtl="0" eaLnBrk="1" latinLnBrk="0" hangingPunct="1">
+        <a:lnSpc>
+          <a:spcPct val="90000"/>
+        </a:lnSpc>
+        <a:spcBef>
+          <a:spcPts val="500"/>
+        </a:spcBef>
+        <a:buFont typeface="Arial" panose="020B0604020202020204" pitchFamily="34" charset="0"/>
+        <a:buChar char="•"/>
+        <a:defRPr sz="1800" kern="1200">
+          <a:solidFill>
+            <a:schemeClr val="tx1"/>
+          </a:solidFill>
+          <a:latin typeface="+mn-lt"/>
+          <a:ea typeface="+mn-ea"/>
+          <a:cs typeface="+mn-cs"/>
+        </a:defRPr>
+      </a:lvl7pPr>
+      <a:lvl8pPr marL="3429000" indent="-228600" algn="l" defTabSz="914400" rtl="0" eaLnBrk="1" latinLnBrk="0" hangingPunct="1">
+        <a:lnSpc>
+          <a:spcPct val="90000"/>
+        </a:lnSpc>
+        <a:spcBef>
+          <a:spcPts val="500"/>
+        </a:spcBef>
+        <a:buFont typeface="Arial" panose="020B0604020202020204" pitchFamily="34" charset="0"/>
+        <a:buChar char="•"/>
+        <a:defRPr sz="1800" kern="1200">
+          <a:solidFill>
+            <a:schemeClr val="tx1"/>
+          </a:solidFill>
+          <a:latin typeface="+mn-lt"/>
+          <a:ea typeface="+mn-ea"/>
+          <a:cs typeface="+mn-cs"/>
+        </a:defRPr>
+      </a:lvl8pPr>
+      <a:lvl9pPr marL="3886200" indent="-228600" algn="l" defTabSz="914400" rtl="0" eaLnBrk="1" latinLnBrk="0" hangingPunct="1">
+        <a:lnSpc>
+          <a:spcPct val="90000"/>
+        </a:lnSpc>
+        <a:spcBef>
+          <a:spcPts val="500"/>
+        </a:spcBef>
+        <a:buFont typeface="Arial" panose="020B0604020202020204" pitchFamily="34" charset="0"/>
+        <a:buChar char="•"/>
+        <a:defRPr sz="1800" kern="1200">
+          <a:solidFill>
+            <a:schemeClr val="tx1"/>
+          </a:solidFill>
+          <a:latin typeface="+mn-lt"/>
+          <a:ea typeface="+mn-ea"/>
+          <a:cs typeface="+mn-cs"/>
+        </a:defRPr>
+      </a:lvl9pPr>
+    </p:bodyStyle>
+    <p:otherStyle>
+      <a:defPPr>
+        <a:defRPr lang="de-DE"/>
+      </a:defPPr>
+      <a:lvl1pPr marL="0" algn="l" defTabSz="914400" rtl="0" eaLnBrk="1" latinLnBrk="0" hangingPunct="1">
+        <a:defRPr sz="1800" kern="1200">
+          <a:solidFill>
+            <a:schemeClr val="tx1"/>
+          </a:solidFill>
+          <a:latin typeface="+mn-lt"/>
+          <a:ea typeface="+mn-ea"/>
+          <a:cs typeface="+mn-cs"/>
+        </a:defRPr>
+      </a:lvl1pPr>
+      <a:lvl2pPr marL="457200" algn="l" defTabSz="914400" rtl="0" eaLnBrk="1" latinLnBrk="0" hangingPunct="1">
+        <a:defRPr sz="1800" kern="1200">
+          <a:solidFill>
+            <a:schemeClr val="tx1"/>
+          </a:solidFill>
+          <a:latin typeface="+mn-lt"/>
+          <a:ea typeface="+mn-ea"/>
+          <a:cs typeface="+mn-cs"/>
+        </a:defRPr>
+      </a:lvl2pPr>
+      <a:lvl3pPr marL="914400" algn="l" defTabSz="914400" rtl="0" eaLnBrk="1" latinLnBrk="0" hangingPunct="1">
+        <a:defRPr sz="1800" kern="1200">
+          <a:solidFill>
+            <a:schemeClr val="tx1"/>
+          </a:solidFill>
+          <a:latin typeface="+mn-lt"/>
+          <a:ea typeface="+mn-ea"/>
+          <a:cs typeface="+mn-cs"/>
+        </a:defRPr>
+      </a:lvl3pPr>
+      <a:lvl4pPr marL="1371600" algn="l" defTabSz="914400" rtl="0" eaLnBrk="1" latinLnBrk="0" hangingPunct="1">
+        <a:defRPr sz="1800" kern="1200">
+          <a:solidFill>
+            <a:schemeClr val="tx1"/>
+          </a:solidFill>
+          <a:latin typeface="+mn-lt"/>
+          <a:ea typeface="+mn-ea"/>
+          <a:cs typeface="+mn-cs"/>
+        </a:defRPr>
+      </a:lvl4pPr>
+      <a:lvl5pPr marL="1828800" algn="l" defTabSz="914400" rtl="0" eaLnBrk="1" latinLnBrk="0" hangingPunct="1">
+        <a:defRPr sz="1800" kern="1200">
+          <a:solidFill>
+            <a:schemeClr val="tx1"/>
+          </a:solidFill>
+          <a:latin typeface="+mn-lt"/>
+          <a:ea typeface="+mn-ea"/>
+          <a:cs typeface="+mn-cs"/>
+        </a:defRPr>
+      </a:lvl5pPr>
+      <a:lvl6pPr marL="2286000" algn="l" defTabSz="914400" rtl="0" eaLnBrk="1" latinLnBrk="0" hangingPunct="1">
+        <a:defRPr sz="1800" kern="1200">
+          <a:solidFill>
+            <a:schemeClr val="tx1"/>
+          </a:solidFill>
+          <a:latin typeface="+mn-lt"/>
+          <a:ea typeface="+mn-ea"/>
+          <a:cs typeface="+mn-cs"/>
+        </a:defRPr>
+      </a:lvl6pPr>
+      <a:lvl7pPr marL="2743200" algn="l" defTabSz="914400" rtl="0" eaLnBrk="1" latinLnBrk="0" hangingPunct="1">
+        <a:defRPr sz="1800" kern="1200">
+          <a:solidFill>
+            <a:schemeClr val="tx1"/>
+          </a:solidFill>
+          <a:latin typeface="+mn-lt"/>
+          <a:ea typeface="+mn-ea"/>
+          <a:cs typeface="+mn-cs"/>
+        </a:defRPr>
+      </a:lvl7pPr>
+      <a:lvl8pPr marL="3200400" algn="l" defTabSz="914400" rtl="0" eaLnBrk="1" latinLnBrk="0" hangingPunct="1">
+        <a:defRPr sz="1800" kern="1200">
+          <a:solidFill>
+            <a:schemeClr val="tx1"/>
+          </a:solidFill>
+          <a:latin typeface="+mn-lt"/>
+          <a:ea typeface="+mn-ea"/>
+          <a:cs typeface="+mn-cs"/>
+        </a:defRPr>
+      </a:lvl8pPr>
+      <a:lvl9pPr marL="3657600" algn="l" defTabSz="914400" rtl="0" eaLnBrk="1" latinLnBrk="0" hangingPunct="1">
+        <a:defRPr sz="1800" kern="1200">
+          <a:solidFill>
+            <a:schemeClr val="tx1"/>
+          </a:solidFill>
+          <a:latin typeface="+mn-lt"/>
+          <a:ea typeface="+mn-ea"/>
+          <a:cs typeface="+mn-cs"/>
+        </a:defRPr>
+      </a:lvl9pPr>
+    </p:otherStyle>
+  </p:txStyles>
+</p:sldMaster>
+</file>
+
+<file path=ppt/slides/slide1.xml><?xml version="1.0" encoding="utf-8"?>
+<p:sld xmlns:a="http://schemas.openxmlformats.org/drawingml/2006/main" xmlns:r="http://schemas.openxmlformats.org/officeDocument/2006/relationships" xmlns:p="http://schemas.openxmlformats.org/presentationml/2006/main">
+  <p:cSld>
     <p:spTree>
       <p:nvGrpSpPr>
         <p:cNvPr id="1" name=""/>
@@ -5162,1905 +5861,6 @@
         </p:nvSpPr>
         <p:spPr>
           <a:xfrm>
-            <a:off x="681471" y="2410824"/>
-            <a:ext cx="7704856" cy="1746917"/>
-          </a:xfrm>
-          <a:prstGeom prst="rect">
-            <a:avLst/>
-          </a:prstGeom>
-        </p:spPr>
-        <p:txBody>
-          <a:bodyPr/>
-          <a:lstStyle>
-            <a:lvl1pPr algn="l" defTabSz="914400" rtl="0" eaLnBrk="1" latinLnBrk="0" hangingPunct="1">
-              <a:lnSpc>
-                <a:spcPct val="90000"/>
-              </a:lnSpc>
-              <a:spcBef>
-                <a:spcPct val="0"/>
-              </a:spcBef>
-              <a:buNone/>
-              <a:defRPr sz="4400" kern="1200">
-                <a:solidFill>
-                  <a:schemeClr val="tx1"/>
-                </a:solidFill>
-                <a:latin typeface="+mj-lt"/>
-                <a:ea typeface="+mj-ea"/>
-                <a:cs typeface="+mj-cs"/>
-              </a:defRPr>
-            </a:lvl1pPr>
-          </a:lstStyle>
-          <a:p>
-            <a:pPr algn="ctr" fontAlgn="auto">
-              <a:spcAft>
-                <a:spcPts val="0"/>
-              </a:spcAft>
-            </a:pPr>
-            <a:r>
-              <a:rPr lang="en-US" sz="3600" dirty="0">
-                <a:solidFill>
-                  <a:schemeClr val="bg1"/>
-                </a:solidFill>
-                <a:effectLst/>
-                <a:latin typeface="+mn-lt"/>
-              </a:rPr>
-              <a:t>Your Session Title Here</a:t>
-            </a:r>
-          </a:p>
-          <a:p>
-            <a:pPr algn="ctr" fontAlgn="auto">
-              <a:spcAft>
-                <a:spcPts val="0"/>
-              </a:spcAft>
-            </a:pPr>
-            <a:endParaRPr lang="de-DE" sz="3600" dirty="0">
-              <a:solidFill>
-                <a:schemeClr val="bg1"/>
-              </a:solidFill>
-              <a:effectLst/>
-              <a:latin typeface="+mn-lt"/>
-            </a:endParaRPr>
-          </a:p>
-        </p:txBody>
-      </p:sp>
-      <p:sp>
-        <p:nvSpPr>
-          <p:cNvPr id="22" name="Titel 1"/>
-          <p:cNvSpPr txBox="1">
-            <a:spLocks/>
-          </p:cNvSpPr>
-          <p:nvPr/>
-        </p:nvSpPr>
-        <p:spPr>
-          <a:xfrm>
-            <a:off x="755576" y="3356991"/>
-            <a:ext cx="7772400" cy="3372445"/>
-          </a:xfrm>
-          <a:prstGeom prst="rect">
-            <a:avLst/>
-          </a:prstGeom>
-        </p:spPr>
-        <p:txBody>
-          <a:bodyPr/>
-          <a:lstStyle>
-            <a:lvl1pPr algn="l" defTabSz="914400" rtl="0" eaLnBrk="1" latinLnBrk="0" hangingPunct="1">
-              <a:lnSpc>
-                <a:spcPct val="90000"/>
-              </a:lnSpc>
-              <a:spcBef>
-                <a:spcPct val="0"/>
-              </a:spcBef>
-              <a:buNone/>
-              <a:defRPr sz="4400" kern="1200">
-                <a:solidFill>
-                  <a:schemeClr val="tx1"/>
-                </a:solidFill>
-                <a:latin typeface="+mj-lt"/>
-                <a:ea typeface="+mj-ea"/>
-                <a:cs typeface="+mj-cs"/>
-              </a:defRPr>
-            </a:lvl1pPr>
-          </a:lstStyle>
-          <a:p>
-            <a:pPr algn="ctr" fontAlgn="auto">
-              <a:spcAft>
-                <a:spcPts val="0"/>
-              </a:spcAft>
-            </a:pPr>
-            <a:r>
-              <a:rPr lang="en-US" sz="2400" dirty="0">
-                <a:solidFill>
-                  <a:schemeClr val="bg1"/>
-                </a:solidFill>
-                <a:effectLst/>
-                <a:latin typeface="+mn-lt"/>
-              </a:rPr>
-              <a:t>We want to give you the chance to introduce and advertise yourself. Use the space inside this text box with a bio, picture, personal email, as you like.</a:t>
-            </a:r>
-          </a:p>
-          <a:p>
-            <a:pPr algn="ctr" fontAlgn="auto">
-              <a:spcAft>
-                <a:spcPts val="0"/>
-              </a:spcAft>
-            </a:pPr>
-            <a:endParaRPr lang="en-US" sz="2400" dirty="0">
-              <a:solidFill>
-                <a:schemeClr val="bg1"/>
-              </a:solidFill>
-              <a:effectLst/>
-              <a:latin typeface="+mn-lt"/>
-            </a:endParaRPr>
-          </a:p>
-          <a:p>
-            <a:pPr algn="ctr" fontAlgn="auto">
-              <a:spcAft>
-                <a:spcPts val="0"/>
-              </a:spcAft>
-            </a:pPr>
-            <a:r>
-              <a:rPr lang="en-US" sz="2400" dirty="0">
-                <a:solidFill>
-                  <a:schemeClr val="bg1"/>
-                </a:solidFill>
-                <a:effectLst/>
-                <a:latin typeface="+mn-lt"/>
-              </a:rPr>
-              <a:t>This is strictly personal, do not abuse as free advertisement for your employer or other 3</a:t>
-            </a:r>
-            <a:r>
-              <a:rPr lang="en-US" sz="2400" baseline="30000" dirty="0">
-                <a:solidFill>
-                  <a:schemeClr val="bg1"/>
-                </a:solidFill>
-                <a:effectLst/>
-                <a:latin typeface="+mn-lt"/>
-              </a:rPr>
-              <a:t>rd</a:t>
-            </a:r>
-            <a:r>
-              <a:rPr lang="en-US" sz="2400" dirty="0">
-                <a:solidFill>
-                  <a:schemeClr val="bg1"/>
-                </a:solidFill>
-                <a:effectLst/>
-                <a:latin typeface="+mn-lt"/>
-              </a:rPr>
-              <a:t> party.</a:t>
-            </a:r>
-          </a:p>
-          <a:p>
-            <a:pPr algn="ctr" fontAlgn="auto">
-              <a:spcAft>
-                <a:spcPts val="0"/>
-              </a:spcAft>
-            </a:pPr>
-            <a:endParaRPr lang="de-DE" sz="2400" dirty="0">
-              <a:solidFill>
-                <a:schemeClr val="bg1"/>
-              </a:solidFill>
-              <a:effectLst/>
-              <a:latin typeface="+mn-lt"/>
-            </a:endParaRPr>
-          </a:p>
-          <a:p>
-            <a:pPr algn="ctr" fontAlgn="auto">
-              <a:spcAft>
-                <a:spcPts val="0"/>
-              </a:spcAft>
-            </a:pPr>
-            <a:r>
-              <a:rPr lang="de-DE" sz="1800" dirty="0" err="1">
-                <a:solidFill>
-                  <a:schemeClr val="bg1"/>
-                </a:solidFill>
-                <a:effectLst/>
-                <a:latin typeface="+mn-lt"/>
-              </a:rPr>
-              <a:t>While</a:t>
-            </a:r>
-            <a:r>
-              <a:rPr lang="de-DE" sz="1800" dirty="0">
-                <a:solidFill>
-                  <a:schemeClr val="bg1"/>
-                </a:solidFill>
-                <a:effectLst/>
-                <a:latin typeface="+mn-lt"/>
-              </a:rPr>
-              <a:t> </a:t>
-            </a:r>
-            <a:r>
-              <a:rPr lang="de-DE" sz="1800" dirty="0" err="1">
-                <a:solidFill>
-                  <a:schemeClr val="bg1"/>
-                </a:solidFill>
-                <a:effectLst/>
-                <a:latin typeface="+mn-lt"/>
-              </a:rPr>
-              <a:t>you</a:t>
-            </a:r>
-            <a:r>
-              <a:rPr lang="de-DE" sz="1800" dirty="0">
-                <a:solidFill>
-                  <a:schemeClr val="bg1"/>
-                </a:solidFill>
-                <a:effectLst/>
-                <a:latin typeface="+mn-lt"/>
-              </a:rPr>
-              <a:t> </a:t>
-            </a:r>
-            <a:r>
-              <a:rPr lang="de-DE" sz="1800" dirty="0" err="1">
-                <a:solidFill>
-                  <a:schemeClr val="bg1"/>
-                </a:solidFill>
-                <a:effectLst/>
-                <a:latin typeface="+mn-lt"/>
-              </a:rPr>
-              <a:t>can</a:t>
-            </a:r>
-            <a:r>
-              <a:rPr lang="de-DE" sz="1800" dirty="0">
-                <a:solidFill>
-                  <a:schemeClr val="bg1"/>
-                </a:solidFill>
-                <a:effectLst/>
-                <a:latin typeface="+mn-lt"/>
-              </a:rPr>
-              <a:t> </a:t>
-            </a:r>
-            <a:r>
-              <a:rPr lang="de-DE" sz="1800" dirty="0" err="1">
-                <a:solidFill>
-                  <a:schemeClr val="bg1"/>
-                </a:solidFill>
-                <a:effectLst/>
-                <a:latin typeface="+mn-lt"/>
-              </a:rPr>
-              <a:t>say</a:t>
-            </a:r>
-            <a:r>
-              <a:rPr lang="de-DE" sz="1800" dirty="0">
-                <a:solidFill>
-                  <a:schemeClr val="bg1"/>
-                </a:solidFill>
-                <a:effectLst/>
-                <a:latin typeface="+mn-lt"/>
-              </a:rPr>
-              <a:t> </a:t>
-            </a:r>
-            <a:r>
-              <a:rPr lang="de-DE" sz="1800" dirty="0" err="1">
-                <a:solidFill>
-                  <a:schemeClr val="bg1"/>
-                </a:solidFill>
-                <a:effectLst/>
-                <a:latin typeface="+mn-lt"/>
-              </a:rPr>
-              <a:t>that</a:t>
-            </a:r>
-            <a:r>
-              <a:rPr lang="de-DE" sz="1800" dirty="0">
-                <a:solidFill>
-                  <a:schemeClr val="bg1"/>
-                </a:solidFill>
-                <a:effectLst/>
-                <a:latin typeface="+mn-lt"/>
-              </a:rPr>
-              <a:t> </a:t>
-            </a:r>
-            <a:r>
-              <a:rPr lang="de-DE" sz="1800" dirty="0" err="1">
-                <a:solidFill>
-                  <a:schemeClr val="bg1"/>
-                </a:solidFill>
-                <a:effectLst/>
-                <a:latin typeface="+mn-lt"/>
-              </a:rPr>
-              <a:t>you</a:t>
-            </a:r>
-            <a:r>
-              <a:rPr lang="de-DE" sz="1800" dirty="0">
-                <a:solidFill>
-                  <a:schemeClr val="bg1"/>
-                </a:solidFill>
-                <a:effectLst/>
-                <a:latin typeface="+mn-lt"/>
-              </a:rPr>
-              <a:t> </a:t>
-            </a:r>
-            <a:r>
-              <a:rPr lang="de-DE" sz="1800" dirty="0" err="1">
-                <a:solidFill>
-                  <a:schemeClr val="bg1"/>
-                </a:solidFill>
-                <a:effectLst/>
-                <a:latin typeface="+mn-lt"/>
-              </a:rPr>
-              <a:t>are</a:t>
-            </a:r>
-            <a:r>
-              <a:rPr lang="de-DE" sz="1800" dirty="0">
-                <a:solidFill>
-                  <a:schemeClr val="bg1"/>
-                </a:solidFill>
-                <a:effectLst/>
-                <a:latin typeface="+mn-lt"/>
-              </a:rPr>
-              <a:t> </a:t>
-            </a:r>
-            <a:r>
-              <a:rPr lang="de-DE" sz="1800" dirty="0" err="1">
-                <a:solidFill>
-                  <a:schemeClr val="bg1"/>
-                </a:solidFill>
-                <a:effectLst/>
-                <a:latin typeface="+mn-lt"/>
-              </a:rPr>
-              <a:t>working</a:t>
-            </a:r>
-            <a:r>
-              <a:rPr lang="de-DE" sz="1800" dirty="0">
-                <a:solidFill>
-                  <a:schemeClr val="bg1"/>
-                </a:solidFill>
-                <a:effectLst/>
-                <a:latin typeface="+mn-lt"/>
-              </a:rPr>
-              <a:t> </a:t>
-            </a:r>
-            <a:r>
-              <a:rPr lang="de-DE" sz="1800" dirty="0" err="1">
-                <a:solidFill>
-                  <a:schemeClr val="bg1"/>
-                </a:solidFill>
-                <a:effectLst/>
-                <a:latin typeface="+mn-lt"/>
-              </a:rPr>
-              <a:t>for</a:t>
-            </a:r>
-            <a:r>
-              <a:rPr lang="de-DE" sz="1800" dirty="0">
-                <a:solidFill>
-                  <a:schemeClr val="bg1"/>
-                </a:solidFill>
-                <a:effectLst/>
-                <a:latin typeface="+mn-lt"/>
-              </a:rPr>
-              <a:t> </a:t>
-            </a:r>
-            <a:r>
-              <a:rPr lang="de-DE" sz="1800" dirty="0" err="1">
-                <a:solidFill>
-                  <a:schemeClr val="bg1"/>
-                </a:solidFill>
-                <a:effectLst/>
-                <a:latin typeface="+mn-lt"/>
-              </a:rPr>
-              <a:t>company</a:t>
-            </a:r>
-            <a:r>
-              <a:rPr lang="de-DE" sz="1800" dirty="0">
-                <a:solidFill>
-                  <a:schemeClr val="bg1"/>
-                </a:solidFill>
-                <a:effectLst/>
-                <a:latin typeface="+mn-lt"/>
-              </a:rPr>
-              <a:t> ABC, </a:t>
-            </a:r>
-            <a:r>
-              <a:rPr lang="de-DE" sz="1800" dirty="0" err="1">
-                <a:solidFill>
-                  <a:schemeClr val="bg1"/>
-                </a:solidFill>
-                <a:effectLst/>
-                <a:latin typeface="+mn-lt"/>
-              </a:rPr>
-              <a:t>you</a:t>
-            </a:r>
-            <a:r>
-              <a:rPr lang="de-DE" sz="1800" dirty="0">
-                <a:solidFill>
-                  <a:schemeClr val="bg1"/>
-                </a:solidFill>
-                <a:effectLst/>
-                <a:latin typeface="+mn-lt"/>
-              </a:rPr>
-              <a:t> </a:t>
-            </a:r>
-            <a:r>
-              <a:rPr lang="de-DE" sz="1800" dirty="0" err="1">
-                <a:solidFill>
-                  <a:schemeClr val="bg1"/>
-                </a:solidFill>
-                <a:effectLst/>
-                <a:latin typeface="+mn-lt"/>
-              </a:rPr>
-              <a:t>cannot</a:t>
-            </a:r>
-            <a:r>
-              <a:rPr lang="de-DE" sz="1800" dirty="0">
-                <a:solidFill>
-                  <a:schemeClr val="bg1"/>
-                </a:solidFill>
-                <a:effectLst/>
-                <a:latin typeface="+mn-lt"/>
-              </a:rPr>
-              <a:t> </a:t>
-            </a:r>
-            <a:r>
-              <a:rPr lang="de-DE" sz="1800" dirty="0" err="1">
-                <a:solidFill>
-                  <a:schemeClr val="bg1"/>
-                </a:solidFill>
-                <a:effectLst/>
-                <a:latin typeface="+mn-lt"/>
-              </a:rPr>
-              <a:t>say</a:t>
-            </a:r>
-            <a:r>
-              <a:rPr lang="de-DE" sz="1800" dirty="0">
-                <a:solidFill>
-                  <a:schemeClr val="bg1"/>
-                </a:solidFill>
-                <a:effectLst/>
-                <a:latin typeface="+mn-lt"/>
-              </a:rPr>
-              <a:t> </a:t>
-            </a:r>
-            <a:r>
-              <a:rPr lang="de-DE" sz="1800" dirty="0" err="1">
-                <a:solidFill>
-                  <a:schemeClr val="bg1"/>
-                </a:solidFill>
-                <a:effectLst/>
-                <a:latin typeface="+mn-lt"/>
-              </a:rPr>
-              <a:t>that</a:t>
-            </a:r>
-            <a:r>
-              <a:rPr lang="de-DE" sz="1800" dirty="0">
-                <a:solidFill>
-                  <a:schemeClr val="bg1"/>
-                </a:solidFill>
-                <a:effectLst/>
-                <a:latin typeface="+mn-lt"/>
-              </a:rPr>
-              <a:t> ABC </a:t>
-            </a:r>
-            <a:r>
-              <a:rPr lang="de-DE" sz="1800" dirty="0" err="1">
-                <a:solidFill>
-                  <a:schemeClr val="bg1"/>
-                </a:solidFill>
-                <a:effectLst/>
-                <a:latin typeface="+mn-lt"/>
-              </a:rPr>
-              <a:t>is</a:t>
-            </a:r>
-            <a:r>
-              <a:rPr lang="de-DE" sz="1800" dirty="0">
-                <a:solidFill>
-                  <a:schemeClr val="bg1"/>
-                </a:solidFill>
-                <a:effectLst/>
-                <a:latin typeface="+mn-lt"/>
-              </a:rPr>
-              <a:t> a </a:t>
-            </a:r>
-            <a:r>
-              <a:rPr lang="de-DE" sz="1800" dirty="0" err="1">
-                <a:solidFill>
-                  <a:schemeClr val="bg1"/>
-                </a:solidFill>
-                <a:effectLst/>
-                <a:latin typeface="+mn-lt"/>
-              </a:rPr>
-              <a:t>wonderful</a:t>
-            </a:r>
-            <a:r>
-              <a:rPr lang="de-DE" sz="1800" dirty="0">
-                <a:solidFill>
-                  <a:schemeClr val="bg1"/>
-                </a:solidFill>
-                <a:effectLst/>
-                <a:latin typeface="+mn-lt"/>
-              </a:rPr>
-              <a:t> </a:t>
-            </a:r>
-            <a:r>
-              <a:rPr lang="de-DE" sz="1800" dirty="0" err="1">
-                <a:solidFill>
-                  <a:schemeClr val="bg1"/>
-                </a:solidFill>
-                <a:effectLst/>
-                <a:latin typeface="+mn-lt"/>
-              </a:rPr>
-              <a:t>company</a:t>
-            </a:r>
-            <a:r>
-              <a:rPr lang="de-DE" sz="1800" dirty="0">
-                <a:solidFill>
-                  <a:schemeClr val="bg1"/>
-                </a:solidFill>
-                <a:effectLst/>
-                <a:latin typeface="+mn-lt"/>
-              </a:rPr>
-              <a:t> </a:t>
-            </a:r>
-            <a:r>
-              <a:rPr lang="de-DE" sz="1800" dirty="0" err="1">
-                <a:solidFill>
-                  <a:schemeClr val="bg1"/>
-                </a:solidFill>
-                <a:effectLst/>
-                <a:latin typeface="+mn-lt"/>
-              </a:rPr>
-              <a:t>providing</a:t>
-            </a:r>
-            <a:r>
-              <a:rPr lang="de-DE" sz="1800" dirty="0">
-                <a:solidFill>
-                  <a:schemeClr val="bg1"/>
-                </a:solidFill>
-                <a:effectLst/>
-                <a:latin typeface="+mn-lt"/>
-              </a:rPr>
-              <a:t> </a:t>
-            </a:r>
-            <a:r>
-              <a:rPr lang="de-DE" sz="1800" dirty="0" err="1">
-                <a:solidFill>
-                  <a:schemeClr val="bg1"/>
-                </a:solidFill>
-                <a:effectLst/>
-                <a:latin typeface="+mn-lt"/>
-              </a:rPr>
-              <a:t>the</a:t>
-            </a:r>
-            <a:r>
-              <a:rPr lang="de-DE" sz="1800" dirty="0">
-                <a:solidFill>
-                  <a:schemeClr val="bg1"/>
-                </a:solidFill>
-                <a:effectLst/>
-                <a:latin typeface="+mn-lt"/>
-              </a:rPr>
-              <a:t> </a:t>
-            </a:r>
-            <a:r>
-              <a:rPr lang="de-DE" sz="1800" dirty="0" err="1">
-                <a:solidFill>
-                  <a:schemeClr val="bg1"/>
-                </a:solidFill>
-                <a:effectLst/>
-                <a:latin typeface="+mn-lt"/>
-              </a:rPr>
-              <a:t>worlds</a:t>
-            </a:r>
-            <a:r>
-              <a:rPr lang="de-DE" sz="1800" dirty="0">
-                <a:solidFill>
-                  <a:schemeClr val="bg1"/>
-                </a:solidFill>
-                <a:effectLst/>
-                <a:latin typeface="+mn-lt"/>
-              </a:rPr>
-              <a:t>‘ </a:t>
-            </a:r>
-            <a:r>
-              <a:rPr lang="de-DE" sz="1800" dirty="0" err="1">
-                <a:solidFill>
-                  <a:schemeClr val="bg1"/>
-                </a:solidFill>
-                <a:effectLst/>
-                <a:latin typeface="+mn-lt"/>
-              </a:rPr>
-              <a:t>best</a:t>
-            </a:r>
-            <a:r>
-              <a:rPr lang="de-DE" sz="1800" dirty="0">
-                <a:solidFill>
-                  <a:schemeClr val="bg1"/>
-                </a:solidFill>
-                <a:effectLst/>
-                <a:latin typeface="+mn-lt"/>
-              </a:rPr>
-              <a:t> </a:t>
-            </a:r>
-            <a:r>
-              <a:rPr lang="de-DE" sz="1800" dirty="0" err="1">
-                <a:solidFill>
-                  <a:schemeClr val="bg1"/>
-                </a:solidFill>
-                <a:effectLst/>
-                <a:latin typeface="+mn-lt"/>
-              </a:rPr>
-              <a:t>services</a:t>
-            </a:r>
-            <a:r>
-              <a:rPr lang="de-DE" sz="1800" dirty="0">
-                <a:solidFill>
-                  <a:schemeClr val="bg1"/>
-                </a:solidFill>
-                <a:effectLst/>
-                <a:latin typeface="+mn-lt"/>
-              </a:rPr>
-              <a:t> </a:t>
-            </a:r>
-            <a:r>
-              <a:rPr lang="de-DE" sz="1800" dirty="0" err="1">
-                <a:solidFill>
-                  <a:schemeClr val="bg1"/>
-                </a:solidFill>
-                <a:effectLst/>
-                <a:latin typeface="+mn-lt"/>
-              </a:rPr>
-              <a:t>for</a:t>
-            </a:r>
-            <a:r>
-              <a:rPr lang="de-DE" sz="1800" dirty="0">
-                <a:solidFill>
-                  <a:schemeClr val="bg1"/>
-                </a:solidFill>
-                <a:effectLst/>
-                <a:latin typeface="+mn-lt"/>
-              </a:rPr>
-              <a:t> XYZ. </a:t>
-            </a:r>
-            <a:r>
-              <a:rPr lang="de-DE" sz="1800" dirty="0" err="1">
-                <a:solidFill>
-                  <a:schemeClr val="bg1"/>
-                </a:solidFill>
-                <a:effectLst/>
-                <a:latin typeface="+mn-lt"/>
-              </a:rPr>
-              <a:t>While</a:t>
-            </a:r>
-            <a:r>
-              <a:rPr lang="de-DE" sz="1800" dirty="0">
-                <a:solidFill>
-                  <a:schemeClr val="bg1"/>
-                </a:solidFill>
-                <a:effectLst/>
-                <a:latin typeface="+mn-lt"/>
-              </a:rPr>
-              <a:t> </a:t>
-            </a:r>
-            <a:r>
-              <a:rPr lang="de-DE" sz="1800" dirty="0" err="1">
-                <a:solidFill>
-                  <a:schemeClr val="bg1"/>
-                </a:solidFill>
-                <a:effectLst/>
-                <a:latin typeface="+mn-lt"/>
-              </a:rPr>
-              <a:t>you</a:t>
-            </a:r>
-            <a:r>
-              <a:rPr lang="de-DE" sz="1800" dirty="0">
-                <a:solidFill>
-                  <a:schemeClr val="bg1"/>
-                </a:solidFill>
-                <a:effectLst/>
-                <a:latin typeface="+mn-lt"/>
-              </a:rPr>
-              <a:t> </a:t>
-            </a:r>
-            <a:r>
-              <a:rPr lang="de-DE" sz="1800" dirty="0" err="1">
-                <a:solidFill>
-                  <a:schemeClr val="bg1"/>
-                </a:solidFill>
-                <a:effectLst/>
-                <a:latin typeface="+mn-lt"/>
-              </a:rPr>
-              <a:t>can</a:t>
-            </a:r>
-            <a:r>
-              <a:rPr lang="de-DE" sz="1800" dirty="0">
-                <a:solidFill>
-                  <a:schemeClr val="bg1"/>
-                </a:solidFill>
-                <a:effectLst/>
-                <a:latin typeface="+mn-lt"/>
-              </a:rPr>
-              <a:t> </a:t>
-            </a:r>
-            <a:r>
-              <a:rPr lang="de-DE" sz="1800" dirty="0" err="1">
-                <a:solidFill>
-                  <a:schemeClr val="bg1"/>
-                </a:solidFill>
-                <a:effectLst/>
-                <a:latin typeface="+mn-lt"/>
-              </a:rPr>
-              <a:t>show</a:t>
-            </a:r>
-            <a:r>
-              <a:rPr lang="de-DE" sz="1800" dirty="0">
-                <a:solidFill>
-                  <a:schemeClr val="bg1"/>
-                </a:solidFill>
-                <a:effectLst/>
-                <a:latin typeface="+mn-lt"/>
-              </a:rPr>
-              <a:t> </a:t>
-            </a:r>
-            <a:r>
-              <a:rPr lang="de-DE" sz="1800" dirty="0" err="1">
-                <a:solidFill>
-                  <a:schemeClr val="bg1"/>
-                </a:solidFill>
-                <a:effectLst/>
-                <a:latin typeface="+mn-lt"/>
-              </a:rPr>
-              <a:t>your</a:t>
-            </a:r>
-            <a:r>
-              <a:rPr lang="de-DE" sz="1800" dirty="0">
-                <a:solidFill>
-                  <a:schemeClr val="bg1"/>
-                </a:solidFill>
-                <a:effectLst/>
-                <a:latin typeface="+mn-lt"/>
-              </a:rPr>
-              <a:t> email </a:t>
-            </a:r>
-            <a:r>
-              <a:rPr lang="de-DE" sz="1800" dirty="0" err="1">
-                <a:solidFill>
-                  <a:schemeClr val="bg1"/>
-                </a:solidFill>
-                <a:effectLst/>
-                <a:latin typeface="+mn-lt"/>
-              </a:rPr>
-              <a:t>address</a:t>
-            </a:r>
-            <a:r>
-              <a:rPr lang="de-DE" sz="1800" dirty="0">
-                <a:solidFill>
-                  <a:schemeClr val="bg1"/>
-                </a:solidFill>
-                <a:effectLst/>
-                <a:latin typeface="+mn-lt"/>
-              </a:rPr>
-              <a:t>, do not </a:t>
-            </a:r>
-            <a:r>
-              <a:rPr lang="de-DE" sz="1800" dirty="0" err="1">
-                <a:solidFill>
-                  <a:schemeClr val="bg1"/>
-                </a:solidFill>
-                <a:effectLst/>
-                <a:latin typeface="+mn-lt"/>
-              </a:rPr>
-              <a:t>use</a:t>
-            </a:r>
-            <a:r>
-              <a:rPr lang="de-DE" sz="1800" dirty="0">
-                <a:solidFill>
-                  <a:schemeClr val="bg1"/>
-                </a:solidFill>
-                <a:effectLst/>
-                <a:latin typeface="+mn-lt"/>
-              </a:rPr>
-              <a:t> a </a:t>
-            </a:r>
-            <a:r>
-              <a:rPr lang="de-DE" sz="1800" dirty="0" err="1">
-                <a:solidFill>
-                  <a:schemeClr val="bg1"/>
-                </a:solidFill>
-                <a:effectLst/>
-                <a:latin typeface="+mn-lt"/>
-              </a:rPr>
-              <a:t>company</a:t>
-            </a:r>
-            <a:r>
-              <a:rPr lang="de-DE" sz="1800" dirty="0">
-                <a:solidFill>
-                  <a:schemeClr val="bg1"/>
-                </a:solidFill>
-                <a:effectLst/>
-                <a:latin typeface="+mn-lt"/>
-              </a:rPr>
-              <a:t> </a:t>
-            </a:r>
-            <a:r>
-              <a:rPr lang="de-DE" sz="1800" dirty="0" err="1">
-                <a:solidFill>
-                  <a:schemeClr val="bg1"/>
-                </a:solidFill>
-                <a:effectLst/>
-                <a:latin typeface="+mn-lt"/>
-              </a:rPr>
-              <a:t>generic</a:t>
-            </a:r>
-            <a:r>
-              <a:rPr lang="de-DE" sz="1800" dirty="0">
-                <a:solidFill>
-                  <a:schemeClr val="bg1"/>
-                </a:solidFill>
-                <a:effectLst/>
-                <a:latin typeface="+mn-lt"/>
-              </a:rPr>
-              <a:t> email </a:t>
-            </a:r>
-            <a:r>
-              <a:rPr lang="de-DE" sz="1800" dirty="0" err="1">
-                <a:solidFill>
-                  <a:schemeClr val="bg1"/>
-                </a:solidFill>
-                <a:effectLst/>
-                <a:latin typeface="+mn-lt"/>
-              </a:rPr>
-              <a:t>address</a:t>
-            </a:r>
-            <a:r>
-              <a:rPr lang="de-DE" sz="1800" dirty="0">
-                <a:solidFill>
-                  <a:schemeClr val="bg1"/>
-                </a:solidFill>
-                <a:effectLst/>
-                <a:latin typeface="+mn-lt"/>
-              </a:rPr>
-              <a:t> like sales@xyz.com</a:t>
-            </a:r>
-            <a:endParaRPr lang="en-US" sz="1800" dirty="0">
-              <a:solidFill>
-                <a:schemeClr val="bg1"/>
-              </a:solidFill>
-              <a:effectLst/>
-              <a:latin typeface="+mn-lt"/>
-            </a:endParaRPr>
-          </a:p>
-        </p:txBody>
-      </p:sp>
-      <p:pic>
-        <p:nvPicPr>
-          <p:cNvPr id="2" name="Grafik 1"/>
-          <p:cNvPicPr>
-            <a:picLocks noChangeAspect="1"/>
-          </p:cNvPicPr>
-          <p:nvPr/>
-        </p:nvPicPr>
-        <p:blipFill>
-          <a:blip r:embed="rId9" cstate="print">
-            <a:extLst>
-              <a:ext uri="{28A0092B-C50C-407E-A947-70E740481C1C}">
-                <a14:useLocalDpi xmlns:a14="http://schemas.microsoft.com/office/drawing/2010/main" val="0"/>
-              </a:ext>
-            </a:extLst>
-          </a:blip>
-          <a:stretch>
-            <a:fillRect/>
-          </a:stretch>
-        </p:blipFill>
-        <p:spPr>
-          <a:xfrm>
-            <a:off x="3779912" y="481052"/>
-            <a:ext cx="1537311" cy="1341592"/>
-          </a:xfrm>
-          <a:prstGeom prst="rect">
-            <a:avLst/>
-          </a:prstGeom>
-        </p:spPr>
-      </p:pic>
-    </p:spTree>
-    <p:extLst>
-      <p:ext uri="{BB962C8B-B14F-4D97-AF65-F5344CB8AC3E}">
-        <p14:creationId xmlns:p14="http://schemas.microsoft.com/office/powerpoint/2010/main" val="3522426207"/>
-      </p:ext>
-    </p:extLst>
-  </p:cSld>
-  <p:clrMapOvr>
-    <a:masterClrMapping/>
-  </p:clrMapOvr>
-</p:sld>
-</file>
-
-<file path=ppt/slides/slide10.xml><?xml version="1.0" encoding="utf-8"?>
-<p:sld xmlns:a="http://schemas.openxmlformats.org/drawingml/2006/main" xmlns:r="http://schemas.openxmlformats.org/officeDocument/2006/relationships" xmlns:p="http://schemas.openxmlformats.org/presentationml/2006/main">
-  <p:cSld>
-    <p:spTree>
-      <p:nvGrpSpPr>
-        <p:cNvPr id="1" name=""/>
-        <p:cNvGrpSpPr/>
-        <p:nvPr/>
-      </p:nvGrpSpPr>
-      <p:grpSpPr>
-        <a:xfrm>
-          <a:off x="0" y="0"/>
-          <a:ext cx="0" cy="0"/>
-          <a:chOff x="0" y="0"/>
-          <a:chExt cx="0" cy="0"/>
-        </a:xfrm>
-      </p:grpSpPr>
-      <p:sp>
-        <p:nvSpPr>
-          <p:cNvPr id="2" name="Inhaltsplatzhalter 1"/>
-          <p:cNvSpPr>
-            <a:spLocks noGrp="1"/>
-          </p:cNvSpPr>
-          <p:nvPr>
-            <p:ph idx="1"/>
-          </p:nvPr>
-        </p:nvSpPr>
-        <p:spPr/>
-        <p:txBody>
-          <a:bodyPr/>
-          <a:lstStyle/>
-          <a:p>
-            <a:r>
-              <a:rPr lang="de-DE" dirty="0" err="1"/>
-              <a:t>Feel</a:t>
-            </a:r>
-            <a:r>
-              <a:rPr lang="de-DE" dirty="0"/>
-              <a:t> </a:t>
-            </a:r>
-            <a:r>
-              <a:rPr lang="de-DE" dirty="0" err="1"/>
-              <a:t>free</a:t>
-            </a:r>
-            <a:r>
-              <a:rPr lang="de-DE" dirty="0"/>
-              <a:t> </a:t>
-            </a:r>
-            <a:r>
-              <a:rPr lang="de-DE" dirty="0" err="1"/>
-              <a:t>to</a:t>
-            </a:r>
-            <a:r>
-              <a:rPr lang="de-DE" dirty="0"/>
-              <a:t> </a:t>
-            </a:r>
-            <a:r>
-              <a:rPr lang="de-DE" dirty="0" err="1"/>
-              <a:t>add</a:t>
-            </a:r>
-            <a:r>
-              <a:rPr lang="de-DE" dirty="0"/>
-              <a:t> </a:t>
-            </a:r>
-            <a:r>
-              <a:rPr lang="de-DE" dirty="0" err="1"/>
-              <a:t>information</a:t>
-            </a:r>
-            <a:r>
-              <a:rPr lang="de-DE" dirty="0"/>
-              <a:t> </a:t>
-            </a:r>
-            <a:r>
-              <a:rPr lang="de-DE" dirty="0" err="1"/>
-              <a:t>about</a:t>
-            </a:r>
-            <a:r>
-              <a:rPr lang="de-DE" dirty="0"/>
-              <a:t> </a:t>
-            </a:r>
-            <a:r>
-              <a:rPr lang="de-DE" dirty="0" err="1"/>
-              <a:t>yourself</a:t>
-            </a:r>
-            <a:endParaRPr lang="de-DE" dirty="0"/>
-          </a:p>
-          <a:p>
-            <a:r>
-              <a:rPr lang="de-DE" dirty="0" err="1"/>
-              <a:t>You</a:t>
-            </a:r>
-            <a:r>
-              <a:rPr lang="de-DE" dirty="0"/>
-              <a:t> </a:t>
-            </a:r>
-            <a:r>
-              <a:rPr lang="de-DE" dirty="0" err="1"/>
-              <a:t>may</a:t>
-            </a:r>
-            <a:r>
-              <a:rPr lang="de-DE" dirty="0"/>
-              <a:t> </a:t>
-            </a:r>
-            <a:r>
-              <a:rPr lang="de-DE" dirty="0" err="1"/>
-              <a:t>advertise</a:t>
-            </a:r>
-            <a:r>
-              <a:rPr lang="de-DE" dirty="0"/>
-              <a:t> </a:t>
-            </a:r>
-            <a:r>
-              <a:rPr lang="de-DE" dirty="0" err="1"/>
-              <a:t>for</a:t>
-            </a:r>
-            <a:r>
-              <a:rPr lang="de-DE" dirty="0"/>
-              <a:t> </a:t>
-            </a:r>
-            <a:r>
-              <a:rPr lang="de-DE" dirty="0" err="1"/>
-              <a:t>you</a:t>
-            </a:r>
-            <a:r>
-              <a:rPr lang="de-DE" dirty="0"/>
-              <a:t> </a:t>
-            </a:r>
-            <a:r>
-              <a:rPr lang="de-DE" dirty="0" err="1"/>
-              <a:t>or</a:t>
-            </a:r>
-            <a:r>
-              <a:rPr lang="de-DE" dirty="0"/>
-              <a:t> </a:t>
-            </a:r>
-            <a:r>
-              <a:rPr lang="de-DE" dirty="0" err="1"/>
-              <a:t>your</a:t>
-            </a:r>
-            <a:r>
-              <a:rPr lang="de-DE" dirty="0"/>
-              <a:t> </a:t>
-            </a:r>
-            <a:r>
-              <a:rPr lang="de-DE" dirty="0" err="1"/>
-              <a:t>company</a:t>
-            </a:r>
-            <a:endParaRPr lang="de-DE" dirty="0"/>
-          </a:p>
-          <a:p>
-            <a:endParaRPr lang="de-DE" dirty="0"/>
-          </a:p>
-          <a:p>
-            <a:r>
-              <a:rPr lang="de-DE" dirty="0"/>
-              <a:t>Keep </a:t>
-            </a:r>
-            <a:r>
-              <a:rPr lang="de-DE" dirty="0" err="1"/>
-              <a:t>slide</a:t>
-            </a:r>
-            <a:r>
-              <a:rPr lang="de-DE" dirty="0"/>
-              <a:t> at </a:t>
-            </a:r>
-            <a:r>
-              <a:rPr lang="de-DE" dirty="0" err="1"/>
-              <a:t>the</a:t>
-            </a:r>
-            <a:r>
-              <a:rPr lang="de-DE" dirty="0"/>
-              <a:t> end </a:t>
-            </a:r>
-            <a:r>
-              <a:rPr lang="de-DE" dirty="0" err="1"/>
-              <a:t>of</a:t>
-            </a:r>
-            <a:r>
-              <a:rPr lang="de-DE" dirty="0"/>
-              <a:t> </a:t>
-            </a:r>
-            <a:r>
-              <a:rPr lang="de-DE" dirty="0" err="1"/>
-              <a:t>your</a:t>
-            </a:r>
-            <a:r>
-              <a:rPr lang="de-DE" dirty="0"/>
-              <a:t> </a:t>
-            </a:r>
-            <a:r>
-              <a:rPr lang="de-DE" dirty="0" err="1"/>
-              <a:t>presentation</a:t>
-            </a:r>
-            <a:endParaRPr lang="de-DE" dirty="0"/>
-          </a:p>
-          <a:p>
-            <a:endParaRPr lang="de-DE" dirty="0"/>
-          </a:p>
-          <a:p>
-            <a:r>
-              <a:rPr lang="de-DE" dirty="0"/>
-              <a:t>Do not </a:t>
-            </a:r>
-            <a:r>
-              <a:rPr lang="de-DE" dirty="0" err="1"/>
-              <a:t>use</a:t>
-            </a:r>
-            <a:r>
-              <a:rPr lang="de-DE" dirty="0"/>
-              <a:t> </a:t>
-            </a:r>
-            <a:r>
-              <a:rPr lang="de-DE" dirty="0" err="1"/>
-              <a:t>presentation</a:t>
-            </a:r>
-            <a:r>
-              <a:rPr lang="de-DE" dirty="0"/>
-              <a:t> time </a:t>
-            </a:r>
-            <a:r>
-              <a:rPr lang="de-DE" dirty="0" err="1"/>
-              <a:t>for</a:t>
-            </a:r>
-            <a:r>
-              <a:rPr lang="de-DE" dirty="0"/>
-              <a:t> </a:t>
-            </a:r>
-            <a:r>
-              <a:rPr lang="de-DE" dirty="0" err="1"/>
-              <a:t>your</a:t>
-            </a:r>
-            <a:r>
-              <a:rPr lang="de-DE" dirty="0"/>
-              <a:t> </a:t>
-            </a:r>
-            <a:r>
-              <a:rPr lang="de-DE" dirty="0" err="1"/>
-              <a:t>bio</a:t>
-            </a:r>
-            <a:endParaRPr lang="de-DE" dirty="0"/>
-          </a:p>
-          <a:p>
-            <a:pPr lvl="1"/>
-            <a:r>
-              <a:rPr lang="de-DE" dirty="0" err="1"/>
-              <a:t>Instead</a:t>
-            </a:r>
-            <a:r>
-              <a:rPr lang="de-DE" dirty="0"/>
-              <a:t>, </a:t>
-            </a:r>
-            <a:r>
-              <a:rPr lang="de-DE" dirty="0" err="1"/>
-              <a:t>your</a:t>
-            </a:r>
-            <a:r>
-              <a:rPr lang="de-DE" dirty="0"/>
-              <a:t> </a:t>
-            </a:r>
-            <a:r>
-              <a:rPr lang="de-DE" dirty="0" err="1"/>
-              <a:t>bio</a:t>
-            </a:r>
-            <a:r>
-              <a:rPr lang="de-DE" dirty="0"/>
-              <a:t> </a:t>
-            </a:r>
-            <a:r>
-              <a:rPr lang="de-DE" dirty="0" err="1"/>
-              <a:t>is</a:t>
-            </a:r>
-            <a:r>
-              <a:rPr lang="de-DE" dirty="0"/>
-              <a:t> </a:t>
-            </a:r>
-            <a:r>
-              <a:rPr lang="de-DE" dirty="0" err="1"/>
-              <a:t>published</a:t>
-            </a:r>
-            <a:r>
-              <a:rPr lang="de-DE" dirty="0"/>
-              <a:t> in </a:t>
-            </a:r>
-            <a:r>
-              <a:rPr lang="de-DE" dirty="0" err="1"/>
-              <a:t>conf</a:t>
-            </a:r>
-            <a:r>
-              <a:rPr lang="de-DE" dirty="0"/>
-              <a:t> </a:t>
-            </a:r>
-            <a:r>
-              <a:rPr lang="de-DE" dirty="0" err="1"/>
-              <a:t>materials</a:t>
-            </a:r>
-            <a:endParaRPr lang="de-DE" dirty="0"/>
-          </a:p>
-          <a:p>
-            <a:pPr lvl="1"/>
-            <a:endParaRPr lang="de-DE" dirty="0"/>
-          </a:p>
-        </p:txBody>
-      </p:sp>
-      <p:sp>
-        <p:nvSpPr>
-          <p:cNvPr id="3" name="Titel 2"/>
-          <p:cNvSpPr>
-            <a:spLocks noGrp="1"/>
-          </p:cNvSpPr>
-          <p:nvPr>
-            <p:ph type="title"/>
-          </p:nvPr>
-        </p:nvSpPr>
-        <p:spPr/>
-        <p:txBody>
-          <a:bodyPr/>
-          <a:lstStyle/>
-          <a:p>
-            <a:r>
-              <a:rPr lang="de-DE" dirty="0"/>
-              <a:t>about_Author</a:t>
-            </a:r>
-          </a:p>
-        </p:txBody>
-      </p:sp>
-    </p:spTree>
-    <p:extLst>
-      <p:ext uri="{BB962C8B-B14F-4D97-AF65-F5344CB8AC3E}">
-        <p14:creationId xmlns:p14="http://schemas.microsoft.com/office/powerpoint/2010/main" val="1783199960"/>
-      </p:ext>
-    </p:extLst>
-  </p:cSld>
-  <p:clrMapOvr>
-    <a:masterClrMapping/>
-  </p:clrMapOvr>
-  <mc:AlternateContent xmlns:mc="http://schemas.openxmlformats.org/markup-compatibility/2006" xmlns:p14="http://schemas.microsoft.com/office/powerpoint/2010/main">
-    <mc:Choice Requires="p14">
-      <p:transition spd="med" p14:dur="700">
-        <p:fade/>
-      </p:transition>
-    </mc:Choice>
-    <mc:Fallback xmlns="">
-      <p:transition spd="med">
-        <p:fade/>
-      </p:transition>
-    </mc:Fallback>
-  </mc:AlternateContent>
-</p:sld>
-</file>
-
-<file path=ppt/slides/slide2.xml><?xml version="1.0" encoding="utf-8"?>
-<p:sld xmlns:a="http://schemas.openxmlformats.org/drawingml/2006/main" xmlns:r="http://schemas.openxmlformats.org/officeDocument/2006/relationships" xmlns:p="http://schemas.openxmlformats.org/presentationml/2006/main">
-  <p:cSld>
-    <p:spTree>
-      <p:nvGrpSpPr>
-        <p:cNvPr id="1" name=""/>
-        <p:cNvGrpSpPr/>
-        <p:nvPr/>
-      </p:nvGrpSpPr>
-      <p:grpSpPr>
-        <a:xfrm>
-          <a:off x="0" y="0"/>
-          <a:ext cx="0" cy="0"/>
-          <a:chOff x="0" y="0"/>
-          <a:chExt cx="0" cy="0"/>
-        </a:xfrm>
-      </p:grpSpPr>
-      <p:sp>
-        <p:nvSpPr>
-          <p:cNvPr id="11" name="Rechteck 10"/>
-          <p:cNvSpPr/>
-          <p:nvPr/>
-        </p:nvSpPr>
-        <p:spPr>
-          <a:xfrm>
-            <a:off x="0" y="6393575"/>
-            <a:ext cx="9144000" cy="464424"/>
-          </a:xfrm>
-          <a:prstGeom prst="rect">
-            <a:avLst/>
-          </a:prstGeom>
-          <a:solidFill>
-            <a:schemeClr val="bg1"/>
-          </a:solidFill>
-          <a:ln>
-            <a:noFill/>
-          </a:ln>
-        </p:spPr>
-        <p:style>
-          <a:lnRef idx="2">
-            <a:schemeClr val="accent1">
-              <a:shade val="50000"/>
-            </a:schemeClr>
-          </a:lnRef>
-          <a:fillRef idx="1">
-            <a:schemeClr val="accent1"/>
-          </a:fillRef>
-          <a:effectRef idx="0">
-            <a:schemeClr val="accent1"/>
-          </a:effectRef>
-          <a:fontRef idx="minor">
-            <a:schemeClr val="lt1"/>
-          </a:fontRef>
-        </p:style>
-        <p:txBody>
-          <a:bodyPr rtlCol="0" anchor="ctr"/>
-          <a:lstStyle/>
-          <a:p>
-            <a:pPr algn="ctr"/>
-            <a:endParaRPr lang="de-DE"/>
-          </a:p>
-        </p:txBody>
-      </p:sp>
-      <p:pic>
-        <p:nvPicPr>
-          <p:cNvPr id="10" name="Grafik 9"/>
-          <p:cNvPicPr>
-            <a:picLocks noChangeAspect="1"/>
-          </p:cNvPicPr>
-          <p:nvPr/>
-        </p:nvPicPr>
-        <p:blipFill>
-          <a:blip r:embed="rId2" cstate="print">
-            <a:extLst>
-              <a:ext uri="{28A0092B-C50C-407E-A947-70E740481C1C}">
-                <a14:useLocalDpi xmlns:a14="http://schemas.microsoft.com/office/drawing/2010/main" val="0"/>
-              </a:ext>
-            </a:extLst>
-          </a:blip>
-          <a:stretch>
-            <a:fillRect/>
-          </a:stretch>
-        </p:blipFill>
-        <p:spPr>
-          <a:xfrm>
-            <a:off x="8820472" y="6618715"/>
-            <a:ext cx="216024" cy="210606"/>
-          </a:xfrm>
-          <a:prstGeom prst="rect">
-            <a:avLst/>
-          </a:prstGeom>
-        </p:spPr>
-      </p:pic>
-      <p:sp>
-        <p:nvSpPr>
-          <p:cNvPr id="17" name="Rechteck 16"/>
-          <p:cNvSpPr/>
-          <p:nvPr/>
-        </p:nvSpPr>
-        <p:spPr>
-          <a:xfrm>
-            <a:off x="0" y="0"/>
-            <a:ext cx="9144000" cy="6540797"/>
-          </a:xfrm>
-          <a:prstGeom prst="rect">
-            <a:avLst/>
-          </a:prstGeom>
-          <a:solidFill>
-            <a:srgbClr val="011F51"/>
-          </a:solidFill>
-          <a:ln>
-            <a:noFill/>
-          </a:ln>
-          <a:effectLst>
-            <a:outerShdw blurRad="50800" dist="38100" dir="5400000" algn="t" rotWithShape="0">
-              <a:prstClr val="black">
-                <a:alpha val="40000"/>
-              </a:prstClr>
-            </a:outerShdw>
-          </a:effectLst>
-        </p:spPr>
-        <p:style>
-          <a:lnRef idx="2">
-            <a:schemeClr val="accent1">
-              <a:shade val="50000"/>
-            </a:schemeClr>
-          </a:lnRef>
-          <a:fillRef idx="1">
-            <a:schemeClr val="accent1"/>
-          </a:fillRef>
-          <a:effectRef idx="0">
-            <a:schemeClr val="accent1"/>
-          </a:effectRef>
-          <a:fontRef idx="minor">
-            <a:schemeClr val="lt1"/>
-          </a:fontRef>
-        </p:style>
-        <p:txBody>
-          <a:bodyPr rtlCol="0" anchor="ctr"/>
-          <a:lstStyle/>
-          <a:p>
-            <a:pPr algn="ctr"/>
-            <a:endParaRPr lang="de-DE"/>
-          </a:p>
-        </p:txBody>
-      </p:sp>
-      <p:pic>
-        <p:nvPicPr>
-          <p:cNvPr id="3" name="Grafik 2"/>
-          <p:cNvPicPr>
-            <a:picLocks noChangeAspect="1"/>
-          </p:cNvPicPr>
-          <p:nvPr/>
-        </p:nvPicPr>
-        <p:blipFill>
-          <a:blip r:embed="rId3" cstate="print">
-            <a:extLst>
-              <a:ext uri="{28A0092B-C50C-407E-A947-70E740481C1C}">
-                <a14:useLocalDpi xmlns:a14="http://schemas.microsoft.com/office/drawing/2010/main" val="0"/>
-              </a:ext>
-            </a:extLst>
-          </a:blip>
-          <a:stretch>
-            <a:fillRect/>
-          </a:stretch>
-        </p:blipFill>
-        <p:spPr>
-          <a:xfrm>
-            <a:off x="3563888" y="188640"/>
-            <a:ext cx="2160240" cy="2160416"/>
-          </a:xfrm>
-          <a:prstGeom prst="rect">
-            <a:avLst/>
-          </a:prstGeom>
-        </p:spPr>
-      </p:pic>
-      <p:sp>
-        <p:nvSpPr>
-          <p:cNvPr id="4" name="Titel 1"/>
-          <p:cNvSpPr txBox="1">
-            <a:spLocks/>
-          </p:cNvSpPr>
-          <p:nvPr/>
-        </p:nvSpPr>
-        <p:spPr>
-          <a:xfrm>
-            <a:off x="755576" y="2925032"/>
-            <a:ext cx="7704856" cy="2088144"/>
-          </a:xfrm>
-          <a:prstGeom prst="rect">
-            <a:avLst/>
-          </a:prstGeom>
-        </p:spPr>
-        <p:txBody>
-          <a:bodyPr/>
-          <a:lstStyle>
-            <a:lvl1pPr algn="l" defTabSz="914400" rtl="0" eaLnBrk="1" latinLnBrk="0" hangingPunct="1">
-              <a:lnSpc>
-                <a:spcPct val="90000"/>
-              </a:lnSpc>
-              <a:spcBef>
-                <a:spcPct val="0"/>
-              </a:spcBef>
-              <a:buNone/>
-              <a:defRPr sz="4400" kern="1200">
-                <a:solidFill>
-                  <a:schemeClr val="tx1"/>
-                </a:solidFill>
-                <a:latin typeface="+mj-lt"/>
-                <a:ea typeface="+mj-ea"/>
-                <a:cs typeface="+mj-cs"/>
-              </a:defRPr>
-            </a:lvl1pPr>
-          </a:lstStyle>
-          <a:p>
-            <a:pPr algn="ctr" fontAlgn="auto">
-              <a:spcAft>
-                <a:spcPts val="0"/>
-              </a:spcAft>
-            </a:pPr>
-            <a:r>
-              <a:rPr lang="en-US" sz="3600" dirty="0">
-                <a:solidFill>
-                  <a:schemeClr val="bg1"/>
-                </a:solidFill>
-                <a:effectLst/>
-                <a:latin typeface="+mn-lt"/>
-              </a:rPr>
-              <a:t>Build an immutable application infrastructure with Nano Server, PowerShell DSC, and the</a:t>
-            </a:r>
-          </a:p>
-          <a:p>
-            <a:pPr algn="ctr" fontAlgn="auto">
-              <a:spcAft>
-                <a:spcPts val="0"/>
-              </a:spcAft>
-            </a:pPr>
-            <a:r>
-              <a:rPr lang="en-US" sz="3600" dirty="0">
-                <a:solidFill>
-                  <a:schemeClr val="bg1"/>
-                </a:solidFill>
-                <a:effectLst/>
-                <a:latin typeface="+mn-lt"/>
-              </a:rPr>
-              <a:t>release pipeline </a:t>
-            </a:r>
-            <a:endParaRPr lang="de-DE" sz="3600" dirty="0">
-              <a:solidFill>
-                <a:schemeClr val="bg1"/>
-              </a:solidFill>
-              <a:effectLst/>
-              <a:latin typeface="+mn-lt"/>
-            </a:endParaRPr>
-          </a:p>
-        </p:txBody>
-      </p:sp>
-      <p:sp>
-        <p:nvSpPr>
-          <p:cNvPr id="5" name="Titel 1"/>
-          <p:cNvSpPr txBox="1">
-            <a:spLocks/>
-          </p:cNvSpPr>
-          <p:nvPr/>
-        </p:nvSpPr>
-        <p:spPr>
-          <a:xfrm>
-            <a:off x="971600" y="5589240"/>
-            <a:ext cx="7772400" cy="360040"/>
-          </a:xfrm>
-          <a:prstGeom prst="rect">
-            <a:avLst/>
-          </a:prstGeom>
-        </p:spPr>
-        <p:txBody>
-          <a:bodyPr/>
-          <a:lstStyle>
-            <a:lvl1pPr algn="l" defTabSz="914400" rtl="0" eaLnBrk="1" latinLnBrk="0" hangingPunct="1">
-              <a:lnSpc>
-                <a:spcPct val="90000"/>
-              </a:lnSpc>
-              <a:spcBef>
-                <a:spcPct val="0"/>
-              </a:spcBef>
-              <a:buNone/>
-              <a:defRPr sz="4400" kern="1200">
-                <a:solidFill>
-                  <a:schemeClr val="tx1"/>
-                </a:solidFill>
-                <a:latin typeface="+mj-lt"/>
-                <a:ea typeface="+mj-ea"/>
-                <a:cs typeface="+mj-cs"/>
-              </a:defRPr>
-            </a:lvl1pPr>
-          </a:lstStyle>
-          <a:p>
-            <a:pPr algn="ctr" fontAlgn="auto">
-              <a:spcAft>
-                <a:spcPts val="0"/>
-              </a:spcAft>
-            </a:pPr>
-            <a:r>
-              <a:rPr lang="de-DE" sz="2400" dirty="0">
-                <a:solidFill>
-                  <a:schemeClr val="bg1"/>
-                </a:solidFill>
-                <a:effectLst/>
-                <a:latin typeface="+mn-lt"/>
-              </a:rPr>
-              <a:t>Ravikanth Chaganti</a:t>
-            </a:r>
-          </a:p>
-        </p:txBody>
-      </p:sp>
-      <p:sp>
-        <p:nvSpPr>
-          <p:cNvPr id="7" name="Titel 1"/>
-          <p:cNvSpPr txBox="1">
-            <a:spLocks/>
-          </p:cNvSpPr>
-          <p:nvPr/>
-        </p:nvSpPr>
-        <p:spPr>
-          <a:xfrm>
-            <a:off x="4355976" y="1922037"/>
-            <a:ext cx="643878" cy="360040"/>
-          </a:xfrm>
-          <a:prstGeom prst="rect">
-            <a:avLst/>
-          </a:prstGeom>
-        </p:spPr>
-        <p:txBody>
-          <a:bodyPr/>
-          <a:lstStyle>
-            <a:lvl1pPr algn="l" defTabSz="914400" rtl="0" eaLnBrk="1" latinLnBrk="0" hangingPunct="1">
-              <a:lnSpc>
-                <a:spcPct val="90000"/>
-              </a:lnSpc>
-              <a:spcBef>
-                <a:spcPct val="0"/>
-              </a:spcBef>
-              <a:buNone/>
-              <a:defRPr sz="4400" kern="1200">
-                <a:solidFill>
-                  <a:schemeClr val="tx1"/>
-                </a:solidFill>
-                <a:latin typeface="+mj-lt"/>
-                <a:ea typeface="+mj-ea"/>
-                <a:cs typeface="+mj-cs"/>
-              </a:defRPr>
-            </a:lvl1pPr>
-          </a:lstStyle>
-          <a:p>
-            <a:pPr algn="ctr" fontAlgn="auto">
-              <a:spcAft>
-                <a:spcPts val="0"/>
-              </a:spcAft>
-            </a:pPr>
-            <a:r>
-              <a:rPr lang="de-DE" sz="1400" b="1" dirty="0">
-                <a:solidFill>
-                  <a:schemeClr val="bg1"/>
-                </a:solidFill>
-                <a:effectLst>
-                  <a:outerShdw blurRad="38100" dist="38100" dir="2700000" algn="tl">
-                    <a:srgbClr val="000000">
-                      <a:alpha val="43137"/>
-                    </a:srgbClr>
-                  </a:outerShdw>
-                </a:effectLst>
-                <a:latin typeface="+mn-lt"/>
-              </a:rPr>
-              <a:t>2017</a:t>
-            </a:r>
-            <a:endParaRPr lang="de-DE" sz="2000" b="1" dirty="0">
-              <a:solidFill>
-                <a:schemeClr val="bg1"/>
-              </a:solidFill>
-              <a:effectLst>
-                <a:outerShdw blurRad="38100" dist="38100" dir="2700000" algn="tl">
-                  <a:srgbClr val="000000">
-                    <a:alpha val="43137"/>
-                  </a:srgbClr>
-                </a:outerShdw>
-              </a:effectLst>
-              <a:latin typeface="+mn-lt"/>
-            </a:endParaRPr>
-          </a:p>
-        </p:txBody>
-      </p:sp>
-      <p:pic>
-        <p:nvPicPr>
-          <p:cNvPr id="8" name="Grafik 7"/>
-          <p:cNvPicPr>
-            <a:picLocks noChangeAspect="1"/>
-          </p:cNvPicPr>
-          <p:nvPr/>
-        </p:nvPicPr>
-        <p:blipFill>
-          <a:blip r:embed="rId4" cstate="print">
-            <a:extLst>
-              <a:ext uri="{28A0092B-C50C-407E-A947-70E740481C1C}">
-                <a14:useLocalDpi xmlns:a14="http://schemas.microsoft.com/office/drawing/2010/main" val="0"/>
-              </a:ext>
-            </a:extLst>
-          </a:blip>
-          <a:stretch>
-            <a:fillRect/>
-          </a:stretch>
-        </p:blipFill>
-        <p:spPr>
-          <a:xfrm>
-            <a:off x="5014358" y="6631618"/>
-            <a:ext cx="1274481" cy="184800"/>
-          </a:xfrm>
-          <a:prstGeom prst="rect">
-            <a:avLst/>
-          </a:prstGeom>
-        </p:spPr>
-      </p:pic>
-      <p:pic>
-        <p:nvPicPr>
-          <p:cNvPr id="9" name="Grafik 8"/>
-          <p:cNvPicPr>
-            <a:picLocks noChangeAspect="1"/>
-          </p:cNvPicPr>
-          <p:nvPr/>
-        </p:nvPicPr>
-        <p:blipFill>
-          <a:blip r:embed="rId5" cstate="print">
-            <a:extLst>
-              <a:ext uri="{28A0092B-C50C-407E-A947-70E740481C1C}">
-                <a14:useLocalDpi xmlns:a14="http://schemas.microsoft.com/office/drawing/2010/main" val="0"/>
-              </a:ext>
-            </a:extLst>
-          </a:blip>
-          <a:stretch>
-            <a:fillRect/>
-          </a:stretch>
-        </p:blipFill>
-        <p:spPr>
-          <a:xfrm>
-            <a:off x="193222" y="6640190"/>
-            <a:ext cx="502533" cy="167657"/>
-          </a:xfrm>
-          <a:prstGeom prst="rect">
-            <a:avLst/>
-          </a:prstGeom>
-        </p:spPr>
-      </p:pic>
-      <p:pic>
-        <p:nvPicPr>
-          <p:cNvPr id="12" name="Grafik 11"/>
-          <p:cNvPicPr>
-            <a:picLocks noChangeAspect="1"/>
-          </p:cNvPicPr>
-          <p:nvPr/>
-        </p:nvPicPr>
-        <p:blipFill>
-          <a:blip r:embed="rId6" cstate="print">
-            <a:extLst>
-              <a:ext uri="{28A0092B-C50C-407E-A947-70E740481C1C}">
-                <a14:useLocalDpi xmlns:a14="http://schemas.microsoft.com/office/drawing/2010/main" val="0"/>
-              </a:ext>
-            </a:extLst>
-          </a:blip>
-          <a:stretch>
-            <a:fillRect/>
-          </a:stretch>
-        </p:blipFill>
-        <p:spPr>
-          <a:xfrm>
-            <a:off x="1523296" y="6490644"/>
-            <a:ext cx="1048245" cy="466748"/>
-          </a:xfrm>
-          <a:prstGeom prst="rect">
-            <a:avLst/>
-          </a:prstGeom>
-        </p:spPr>
-      </p:pic>
-      <p:pic>
-        <p:nvPicPr>
-          <p:cNvPr id="15" name="Grafik 14"/>
-          <p:cNvPicPr>
-            <a:picLocks noChangeAspect="1"/>
-          </p:cNvPicPr>
-          <p:nvPr/>
-        </p:nvPicPr>
-        <p:blipFill>
-          <a:blip r:embed="rId7" cstate="print">
-            <a:extLst>
-              <a:ext uri="{28A0092B-C50C-407E-A947-70E740481C1C}">
-                <a14:useLocalDpi xmlns:a14="http://schemas.microsoft.com/office/drawing/2010/main" val="0"/>
-              </a:ext>
-            </a:extLst>
-          </a:blip>
-          <a:stretch>
-            <a:fillRect/>
-          </a:stretch>
-        </p:blipFill>
-        <p:spPr>
-          <a:xfrm>
-            <a:off x="7116380" y="6504881"/>
-            <a:ext cx="876550" cy="438275"/>
-          </a:xfrm>
-          <a:prstGeom prst="rect">
-            <a:avLst/>
-          </a:prstGeom>
-        </p:spPr>
-      </p:pic>
-      <p:pic>
-        <p:nvPicPr>
-          <p:cNvPr id="19" name="Grafik 18"/>
-          <p:cNvPicPr>
-            <a:picLocks noChangeAspect="1"/>
-          </p:cNvPicPr>
-          <p:nvPr/>
-        </p:nvPicPr>
-        <p:blipFill>
-          <a:blip r:embed="rId8" cstate="print">
-            <a:extLst>
-              <a:ext uri="{28A0092B-C50C-407E-A947-70E740481C1C}">
-                <a14:useLocalDpi xmlns:a14="http://schemas.microsoft.com/office/drawing/2010/main" val="0"/>
-              </a:ext>
-            </a:extLst>
-          </a:blip>
-          <a:stretch>
-            <a:fillRect/>
-          </a:stretch>
-        </p:blipFill>
-        <p:spPr>
-          <a:xfrm>
-            <a:off x="3399082" y="6663423"/>
-            <a:ext cx="787735" cy="121190"/>
-          </a:xfrm>
-          <a:prstGeom prst="rect">
-            <a:avLst/>
-          </a:prstGeom>
-        </p:spPr>
-      </p:pic>
-      <p:sp>
-        <p:nvSpPr>
-          <p:cNvPr id="14" name="Rechteck 13"/>
-          <p:cNvSpPr/>
-          <p:nvPr/>
-        </p:nvSpPr>
-        <p:spPr>
-          <a:xfrm>
-            <a:off x="0" y="6393575"/>
-            <a:ext cx="9144000" cy="464424"/>
-          </a:xfrm>
-          <a:prstGeom prst="rect">
-            <a:avLst/>
-          </a:prstGeom>
-          <a:solidFill>
-            <a:schemeClr val="bg1"/>
-          </a:solidFill>
-          <a:ln>
-            <a:noFill/>
-          </a:ln>
-        </p:spPr>
-        <p:style>
-          <a:lnRef idx="2">
-            <a:schemeClr val="accent1">
-              <a:shade val="50000"/>
-            </a:schemeClr>
-          </a:lnRef>
-          <a:fillRef idx="1">
-            <a:schemeClr val="accent1"/>
-          </a:fillRef>
-          <a:effectRef idx="0">
-            <a:schemeClr val="accent1"/>
-          </a:effectRef>
-          <a:fontRef idx="minor">
-            <a:schemeClr val="lt1"/>
-          </a:fontRef>
-        </p:style>
-        <p:txBody>
-          <a:bodyPr rtlCol="0" anchor="ctr"/>
-          <a:lstStyle/>
-          <a:p>
-            <a:pPr algn="ctr"/>
-            <a:endParaRPr lang="de-DE"/>
-          </a:p>
-        </p:txBody>
-      </p:sp>
-      <p:sp>
-        <p:nvSpPr>
-          <p:cNvPr id="18" name="Rechteck 17"/>
-          <p:cNvSpPr/>
-          <p:nvPr/>
-        </p:nvSpPr>
-        <p:spPr>
-          <a:xfrm>
-            <a:off x="0" y="0"/>
-            <a:ext cx="9144000" cy="6858000"/>
-          </a:xfrm>
-          <a:prstGeom prst="rect">
-            <a:avLst/>
-          </a:prstGeom>
-          <a:solidFill>
-            <a:srgbClr val="011F51"/>
-          </a:solidFill>
-          <a:ln>
-            <a:noFill/>
-          </a:ln>
-          <a:effectLst>
-            <a:outerShdw blurRad="50800" dist="38100" dir="5400000" algn="t" rotWithShape="0">
-              <a:prstClr val="black">
-                <a:alpha val="40000"/>
-              </a:prstClr>
-            </a:outerShdw>
-          </a:effectLst>
-        </p:spPr>
-        <p:style>
-          <a:lnRef idx="2">
-            <a:schemeClr val="accent1">
-              <a:shade val="50000"/>
-            </a:schemeClr>
-          </a:lnRef>
-          <a:fillRef idx="1">
-            <a:schemeClr val="accent1"/>
-          </a:fillRef>
-          <a:effectRef idx="0">
-            <a:schemeClr val="accent1"/>
-          </a:effectRef>
-          <a:fontRef idx="minor">
-            <a:schemeClr val="lt1"/>
-          </a:fontRef>
-        </p:style>
-        <p:txBody>
-          <a:bodyPr rtlCol="0" anchor="ctr"/>
-          <a:lstStyle/>
-          <a:p>
-            <a:pPr algn="ctr"/>
-            <a:endParaRPr lang="de-DE"/>
-          </a:p>
-        </p:txBody>
-      </p:sp>
-      <p:sp>
-        <p:nvSpPr>
-          <p:cNvPr id="21" name="Titel 1"/>
-          <p:cNvSpPr txBox="1">
-            <a:spLocks/>
-          </p:cNvSpPr>
-          <p:nvPr/>
-        </p:nvSpPr>
-        <p:spPr>
-          <a:xfrm>
             <a:off x="755576" y="3357080"/>
             <a:ext cx="7704856" cy="1746917"/>
           </a:xfrm>
@@ -7328,7 +6128,7 @@
 </p:sld>
 </file>
 
-<file path=ppt/slides/slide3.xml><?xml version="1.0" encoding="utf-8"?>
+<file path=ppt/slides/slide2.xml><?xml version="1.0" encoding="utf-8"?>
 <p:sld xmlns:a="http://schemas.openxmlformats.org/drawingml/2006/main" xmlns:r="http://schemas.openxmlformats.org/officeDocument/2006/relationships" xmlns:p="http://schemas.openxmlformats.org/presentationml/2006/main">
   <p:cSld>
     <p:spTree>
@@ -7385,233 +6185,32 @@
             <p:ph idx="1"/>
           </p:nvPr>
         </p:nvSpPr>
-        <p:spPr/>
+        <p:spPr>
+          <a:xfrm>
+            <a:off x="251520" y="2924944"/>
+            <a:ext cx="8640960" cy="1872208"/>
+          </a:xfrm>
+        </p:spPr>
         <p:txBody>
           <a:bodyPr/>
           <a:lstStyle/>
           <a:p>
             <a:r>
               <a:rPr lang="de-DE" dirty="0"/>
-              <a:t>Outline </a:t>
-            </a:r>
-            <a:r>
-              <a:rPr lang="de-DE" dirty="0" err="1"/>
-              <a:t>your</a:t>
-            </a:r>
+              <a:t>Management of containers using PowerShell</a:t>
+            </a:r>
+          </a:p>
+          <a:p>
             <a:r>
               <a:rPr lang="de-DE" dirty="0"/>
-              <a:t> </a:t>
-            </a:r>
-            <a:r>
-              <a:rPr lang="de-DE" dirty="0" err="1"/>
-              <a:t>presentation</a:t>
-            </a:r>
+              <a:t>Using PowerShell inside containers</a:t>
+            </a:r>
+          </a:p>
+          <a:p>
             <a:r>
               <a:rPr lang="de-DE" dirty="0"/>
-              <a:t> </a:t>
-            </a:r>
-            <a:r>
-              <a:rPr lang="de-DE" dirty="0" err="1"/>
-              <a:t>here</a:t>
-            </a:r>
-            <a:endParaRPr lang="de-DE" dirty="0"/>
-          </a:p>
-          <a:p>
-            <a:pPr lvl="1"/>
-            <a:r>
-              <a:rPr lang="de-DE" dirty="0"/>
-              <a:t>Keep </a:t>
-            </a:r>
-            <a:r>
-              <a:rPr lang="de-DE" dirty="0" err="1"/>
-              <a:t>bullets</a:t>
-            </a:r>
-            <a:r>
-              <a:rPr lang="de-DE" dirty="0"/>
-              <a:t> </a:t>
-            </a:r>
-            <a:r>
-              <a:rPr lang="de-DE" dirty="0" err="1"/>
-              <a:t>to</a:t>
-            </a:r>
-            <a:r>
-              <a:rPr lang="de-DE" dirty="0"/>
-              <a:t> </a:t>
-            </a:r>
-            <a:r>
-              <a:rPr lang="de-DE" dirty="0" err="1"/>
-              <a:t>one</a:t>
-            </a:r>
-            <a:r>
-              <a:rPr lang="de-DE" dirty="0"/>
-              <a:t> </a:t>
-            </a:r>
-            <a:r>
-              <a:rPr lang="de-DE" dirty="0" err="1"/>
-              <a:t>line</a:t>
-            </a:r>
-            <a:endParaRPr lang="de-DE" dirty="0"/>
-          </a:p>
-          <a:p>
-            <a:pPr lvl="1"/>
-            <a:r>
-              <a:rPr lang="de-DE" dirty="0"/>
-              <a:t>Do not </a:t>
-            </a:r>
-            <a:r>
-              <a:rPr lang="de-DE" dirty="0" err="1"/>
-              <a:t>use</a:t>
-            </a:r>
-            <a:r>
-              <a:rPr lang="de-DE" dirty="0"/>
-              <a:t> </a:t>
-            </a:r>
-            <a:r>
-              <a:rPr lang="de-DE" dirty="0" err="1"/>
-              <a:t>linebreaks</a:t>
-            </a:r>
-            <a:r>
-              <a:rPr lang="de-DE" dirty="0"/>
-              <a:t>, </a:t>
-            </a:r>
-            <a:r>
-              <a:rPr lang="de-DE" dirty="0" err="1"/>
-              <a:t>be</a:t>
-            </a:r>
-            <a:r>
-              <a:rPr lang="de-DE" dirty="0"/>
-              <a:t> </a:t>
-            </a:r>
-            <a:r>
-              <a:rPr lang="de-DE" dirty="0" err="1"/>
-              <a:t>precise</a:t>
-            </a:r>
-            <a:r>
-              <a:rPr lang="de-DE" dirty="0"/>
-              <a:t> </a:t>
-            </a:r>
-            <a:r>
-              <a:rPr lang="de-DE" dirty="0" err="1"/>
-              <a:t>and</a:t>
-            </a:r>
-            <a:r>
-              <a:rPr lang="de-DE" dirty="0"/>
-              <a:t> on </a:t>
-            </a:r>
-            <a:r>
-              <a:rPr lang="de-DE" dirty="0" err="1"/>
-              <a:t>point</a:t>
-            </a:r>
-            <a:r>
-              <a:rPr lang="de-DE" dirty="0"/>
-              <a:t>!</a:t>
-            </a:r>
-          </a:p>
-          <a:p>
-            <a:pPr lvl="2"/>
-            <a:r>
-              <a:rPr lang="de-DE" dirty="0"/>
-              <a:t>Try </a:t>
-            </a:r>
-            <a:r>
-              <a:rPr lang="de-DE" dirty="0" err="1"/>
-              <a:t>and</a:t>
-            </a:r>
-            <a:r>
-              <a:rPr lang="de-DE" dirty="0"/>
-              <a:t> </a:t>
-            </a:r>
-            <a:r>
-              <a:rPr lang="de-DE" dirty="0" err="1"/>
-              <a:t>avoid</a:t>
-            </a:r>
-            <a:r>
-              <a:rPr lang="de-DE" dirty="0"/>
-              <a:t> 3rd </a:t>
-            </a:r>
-            <a:r>
-              <a:rPr lang="de-DE" dirty="0" err="1"/>
-              <a:t>level</a:t>
-            </a:r>
-            <a:r>
-              <a:rPr lang="de-DE" dirty="0"/>
-              <a:t> </a:t>
-            </a:r>
-            <a:r>
-              <a:rPr lang="de-DE" dirty="0" err="1"/>
-              <a:t>bullets</a:t>
-            </a:r>
-            <a:endParaRPr lang="de-DE" dirty="0"/>
-          </a:p>
-          <a:p>
-            <a:pPr lvl="2"/>
-            <a:endParaRPr lang="de-DE" dirty="0"/>
-          </a:p>
-          <a:p>
-            <a:r>
-              <a:rPr lang="de-DE" dirty="0"/>
-              <a:t>Keep </a:t>
-            </a:r>
-            <a:r>
-              <a:rPr lang="de-DE" dirty="0" err="1"/>
-              <a:t>need</a:t>
-            </a:r>
-            <a:r>
-              <a:rPr lang="de-DE" dirty="0"/>
-              <a:t> </a:t>
-            </a:r>
-            <a:r>
-              <a:rPr lang="de-DE" dirty="0" err="1"/>
-              <a:t>for</a:t>
-            </a:r>
-            <a:r>
-              <a:rPr lang="de-DE" dirty="0"/>
-              <a:t> </a:t>
-            </a:r>
-            <a:r>
-              <a:rPr lang="de-DE" dirty="0" err="1"/>
-              <a:t>slides</a:t>
-            </a:r>
-            <a:r>
-              <a:rPr lang="de-DE" dirty="0"/>
-              <a:t> </a:t>
-            </a:r>
-            <a:r>
-              <a:rPr lang="de-DE" dirty="0" err="1"/>
-              <a:t>to</a:t>
-            </a:r>
-            <a:r>
-              <a:rPr lang="de-DE" dirty="0"/>
-              <a:t> a </a:t>
-            </a:r>
-            <a:r>
-              <a:rPr lang="de-DE" dirty="0" err="1"/>
-              <a:t>minimum</a:t>
-            </a:r>
-            <a:endParaRPr lang="de-DE" dirty="0"/>
-          </a:p>
-          <a:p>
-            <a:r>
-              <a:rPr lang="de-DE" dirty="0" err="1"/>
-              <a:t>Use</a:t>
-            </a:r>
-            <a:r>
-              <a:rPr lang="de-DE" dirty="0"/>
-              <a:t> </a:t>
-            </a:r>
-            <a:r>
-              <a:rPr lang="de-DE" dirty="0" err="1"/>
-              <a:t>demos</a:t>
-            </a:r>
-            <a:r>
-              <a:rPr lang="de-DE" dirty="0"/>
-              <a:t> </a:t>
-            </a:r>
-            <a:r>
-              <a:rPr lang="de-DE" dirty="0" err="1"/>
-              <a:t>instead</a:t>
-            </a:r>
-            <a:endParaRPr lang="de-DE" dirty="0"/>
+              <a:t>Windows &amp; Linux containers side-by-side</a:t>
+            </a:r>
           </a:p>
         </p:txBody>
       </p:sp>
@@ -7619,6 +6218,96 @@
     <p:extLst>
       <p:ext uri="{BB962C8B-B14F-4D97-AF65-F5344CB8AC3E}">
         <p14:creationId xmlns:p14="http://schemas.microsoft.com/office/powerpoint/2010/main" val="208257792"/>
+      </p:ext>
+    </p:extLst>
+  </p:cSld>
+  <p:clrMapOvr>
+    <a:masterClrMapping/>
+  </p:clrMapOvr>
+  <mc:AlternateContent xmlns:mc="http://schemas.openxmlformats.org/markup-compatibility/2006" xmlns:p14="http://schemas.microsoft.com/office/powerpoint/2010/main">
+    <mc:Choice Requires="p14">
+      <p:transition spd="med" p14:dur="700">
+        <p:fade/>
+      </p:transition>
+    </mc:Choice>
+    <mc:Fallback xmlns="">
+      <p:transition spd="med">
+        <p:fade/>
+      </p:transition>
+    </mc:Fallback>
+  </mc:AlternateContent>
+</p:sld>
+</file>
+
+<file path=ppt/slides/slide3.xml><?xml version="1.0" encoding="utf-8"?>
+<p:sld xmlns:a="http://schemas.openxmlformats.org/drawingml/2006/main" xmlns:r="http://schemas.openxmlformats.org/officeDocument/2006/relationships" xmlns:p="http://schemas.openxmlformats.org/presentationml/2006/main">
+  <p:cSld>
+    <p:spTree>
+      <p:nvGrpSpPr>
+        <p:cNvPr id="1" name=""/>
+        <p:cNvGrpSpPr/>
+        <p:nvPr/>
+      </p:nvGrpSpPr>
+      <p:grpSpPr>
+        <a:xfrm>
+          <a:off x="0" y="0"/>
+          <a:ext cx="0" cy="0"/>
+          <a:chOff x="0" y="0"/>
+          <a:chExt cx="0" cy="0"/>
+        </a:xfrm>
+      </p:grpSpPr>
+      <p:sp>
+        <p:nvSpPr>
+          <p:cNvPr id="2" name="Titel 1"/>
+          <p:cNvSpPr>
+            <a:spLocks noGrp="1"/>
+          </p:cNvSpPr>
+          <p:nvPr>
+            <p:ph type="title"/>
+          </p:nvPr>
+        </p:nvSpPr>
+        <p:spPr>
+          <a:xfrm>
+            <a:off x="323850" y="2348880"/>
+            <a:ext cx="8229600" cy="2088232"/>
+          </a:xfrm>
+        </p:spPr>
+        <p:txBody>
+          <a:bodyPr/>
+          <a:lstStyle/>
+          <a:p>
+            <a:r>
+              <a:rPr lang="de-DE" dirty="0"/>
+              <a:t>Demo</a:t>
+            </a:r>
+          </a:p>
+        </p:txBody>
+      </p:sp>
+      <p:sp>
+        <p:nvSpPr>
+          <p:cNvPr id="3" name="Textplatzhalter 2"/>
+          <p:cNvSpPr>
+            <a:spLocks noGrp="1"/>
+          </p:cNvSpPr>
+          <p:nvPr>
+            <p:ph type="body" sz="quarter" idx="10"/>
+          </p:nvPr>
+        </p:nvSpPr>
+        <p:spPr/>
+        <p:txBody>
+          <a:bodyPr>
+            <a:normAutofit/>
+          </a:bodyPr>
+          <a:lstStyle/>
+          <a:p>
+            <a:endParaRPr lang="de-DE" dirty="0"/>
+          </a:p>
+        </p:txBody>
+      </p:sp>
+    </p:spTree>
+    <p:extLst>
+      <p:ext uri="{BB962C8B-B14F-4D97-AF65-F5344CB8AC3E}">
+        <p14:creationId xmlns:p14="http://schemas.microsoft.com/office/powerpoint/2010/main" val="2040841989"/>
       </p:ext>
     </p:extLst>
   </p:cSld>
@@ -7659,7 +6348,7 @@
       </p:grpSpPr>
       <p:sp>
         <p:nvSpPr>
-          <p:cNvPr id="9218" name="Titel 1"/>
+          <p:cNvPr id="2" name="Titel 1"/>
           <p:cNvSpPr>
             <a:spLocks noGrp="1"/>
           </p:cNvSpPr>
@@ -7682,22 +6371,14 @@
           <a:p>
             <a:r>
               <a:rPr lang="de-DE" dirty="0"/>
-              <a:t>Simple </a:t>
-            </a:r>
-            <a:r>
-              <a:rPr lang="de-DE" dirty="0" err="1"/>
-              <a:t>Console</a:t>
-            </a:r>
-            <a:r>
-              <a:rPr lang="de-DE" dirty="0"/>
-              <a:t> Demos</a:t>
+              <a:t>Summary</a:t>
             </a:r>
           </a:p>
         </p:txBody>
       </p:sp>
       <p:sp>
         <p:nvSpPr>
-          <p:cNvPr id="9219" name="Inhaltsplatzhalter 2"/>
+          <p:cNvPr id="3" name="Inhaltsplatzhalter 2"/>
           <p:cNvSpPr>
             <a:spLocks noGrp="1"/>
           </p:cNvSpPr>
@@ -7710,142 +6391,37 @@
           <a:bodyPr/>
           <a:lstStyle/>
           <a:p>
-            <a:pPr marL="0" indent="0">
-              <a:buNone/>
-            </a:pPr>
-            <a:r>
-              <a:rPr lang="de-DE" dirty="0">
-                <a:latin typeface="Consolas" panose="020B0609020204030204" pitchFamily="49" charset="0"/>
-              </a:rPr>
-              <a:t># </a:t>
-            </a:r>
-            <a:r>
-              <a:rPr lang="de-DE" dirty="0" err="1">
-                <a:latin typeface="Consolas" panose="020B0609020204030204" pitchFamily="49" charset="0"/>
-              </a:rPr>
-              <a:t>Embed</a:t>
-            </a:r>
-            <a:r>
-              <a:rPr lang="de-DE" dirty="0">
-                <a:latin typeface="Consolas" panose="020B0609020204030204" pitchFamily="49" charset="0"/>
-              </a:rPr>
-              <a:t> </a:t>
-            </a:r>
-            <a:r>
-              <a:rPr lang="de-DE" dirty="0" err="1">
-                <a:latin typeface="Consolas" panose="020B0609020204030204" pitchFamily="49" charset="0"/>
-              </a:rPr>
-              <a:t>one</a:t>
-            </a:r>
-            <a:r>
-              <a:rPr lang="de-DE" dirty="0">
-                <a:latin typeface="Consolas" panose="020B0609020204030204" pitchFamily="49" charset="0"/>
-              </a:rPr>
-              <a:t>-liners </a:t>
-            </a:r>
-            <a:r>
-              <a:rPr lang="de-DE" dirty="0" err="1">
-                <a:latin typeface="Consolas" panose="020B0609020204030204" pitchFamily="49" charset="0"/>
-              </a:rPr>
-              <a:t>right</a:t>
-            </a:r>
-            <a:r>
-              <a:rPr lang="de-DE" dirty="0">
-                <a:latin typeface="Consolas" panose="020B0609020204030204" pitchFamily="49" charset="0"/>
-              </a:rPr>
-              <a:t> </a:t>
-            </a:r>
-            <a:r>
-              <a:rPr lang="de-DE" dirty="0" err="1">
-                <a:latin typeface="Consolas" panose="020B0609020204030204" pitchFamily="49" charset="0"/>
-              </a:rPr>
-              <a:t>into</a:t>
-            </a:r>
-            <a:r>
-              <a:rPr lang="de-DE" dirty="0">
-                <a:latin typeface="Consolas" panose="020B0609020204030204" pitchFamily="49" charset="0"/>
-              </a:rPr>
-              <a:t> </a:t>
-            </a:r>
-            <a:r>
-              <a:rPr lang="de-DE" dirty="0" err="1">
-                <a:latin typeface="Consolas" panose="020B0609020204030204" pitchFamily="49" charset="0"/>
-              </a:rPr>
-              <a:t>your</a:t>
-            </a:r>
-            <a:r>
-              <a:rPr lang="de-DE" dirty="0">
-                <a:latin typeface="Consolas" panose="020B0609020204030204" pitchFamily="49" charset="0"/>
-              </a:rPr>
-              <a:t> </a:t>
-            </a:r>
-            <a:r>
-              <a:rPr lang="de-DE" dirty="0" err="1">
-                <a:latin typeface="Consolas" panose="020B0609020204030204" pitchFamily="49" charset="0"/>
-              </a:rPr>
-              <a:t>slides</a:t>
-            </a:r>
-            <a:r>
-              <a:rPr lang="de-DE" dirty="0">
-                <a:latin typeface="Consolas" panose="020B0609020204030204" pitchFamily="49" charset="0"/>
-              </a:rPr>
-              <a:t>:</a:t>
-            </a:r>
-          </a:p>
-          <a:p>
-            <a:endParaRPr lang="de-DE" dirty="0">
-              <a:latin typeface="Consolas" panose="020B0609020204030204" pitchFamily="49" charset="0"/>
-            </a:endParaRPr>
-          </a:p>
-          <a:p>
-            <a:pPr marL="0" indent="0">
-              <a:buNone/>
-            </a:pPr>
-            <a:r>
-              <a:rPr lang="de-DE" dirty="0">
-                <a:latin typeface="Consolas" panose="020B0609020204030204" pitchFamily="49" charset="0"/>
-              </a:rPr>
-              <a:t>PS&gt; </a:t>
-            </a:r>
-            <a:r>
-              <a:rPr lang="de-DE" dirty="0" err="1">
-                <a:latin typeface="Consolas" panose="020B0609020204030204" pitchFamily="49" charset="0"/>
-              </a:rPr>
-              <a:t>Get-ExecutionPolicy</a:t>
-            </a:r>
-            <a:endParaRPr lang="de-DE" dirty="0">
-              <a:latin typeface="Consolas" panose="020B0609020204030204" pitchFamily="49" charset="0"/>
-            </a:endParaRPr>
-          </a:p>
-          <a:p>
-            <a:pPr marL="0" indent="0">
-              <a:buNone/>
-            </a:pPr>
-            <a:r>
-              <a:rPr lang="de-DE" dirty="0">
-                <a:latin typeface="Consolas" panose="020B0609020204030204" pitchFamily="49" charset="0"/>
-              </a:rPr>
-              <a:t>Bypass</a:t>
-            </a:r>
-          </a:p>
-          <a:p>
-            <a:pPr marL="0" indent="0">
-              <a:buNone/>
-            </a:pPr>
-            <a:endParaRPr lang="de-DE" dirty="0"/>
-          </a:p>
-          <a:p>
-            <a:pPr marL="0" indent="0">
-              <a:buNone/>
-            </a:pPr>
-            <a:endParaRPr lang="de-DE" dirty="0"/>
+            <a:r>
+              <a:rPr lang="de-DE" dirty="0"/>
+              <a:t>PowerShell is great for managing containers</a:t>
+            </a:r>
+          </a:p>
+          <a:p>
+            <a:pPr lvl="1"/>
+            <a:r>
+              <a:rPr lang="de-DE" dirty="0"/>
+              <a:t>PSDockerTools – new community-based module</a:t>
+            </a:r>
+          </a:p>
+          <a:p>
+            <a:r>
+              <a:rPr lang="de-DE" dirty="0"/>
+              <a:t>PowerShell can be used inside containers</a:t>
+            </a:r>
+          </a:p>
+          <a:p>
+            <a:pPr lvl="1"/>
+            <a:r>
+              <a:rPr lang="de-DE" dirty="0"/>
+              <a:t>Use PowerShell Core to also be able to leverage PowerShell inside Linux and Nano Server containers</a:t>
+            </a:r>
           </a:p>
         </p:txBody>
       </p:sp>
     </p:spTree>
     <p:extLst>
       <p:ext uri="{BB962C8B-B14F-4D97-AF65-F5344CB8AC3E}">
-        <p14:creationId xmlns:p14="http://schemas.microsoft.com/office/powerpoint/2010/main" val="3987161561"/>
+        <p14:creationId xmlns:p14="http://schemas.microsoft.com/office/powerpoint/2010/main" val="3109724331"/>
       </p:ext>
     </p:extLst>
   </p:cSld>
@@ -7886,7 +6462,7 @@
       </p:grpSpPr>
       <p:sp>
         <p:nvSpPr>
-          <p:cNvPr id="2" name="Titel 1"/>
+          <p:cNvPr id="3" name="Titel 2"/>
           <p:cNvSpPr>
             <a:spLocks noGrp="1"/>
           </p:cNvSpPr>
@@ -7901,327 +6477,75 @@
           <a:p>
             <a:r>
               <a:rPr lang="de-DE" dirty="0"/>
-              <a:t>Demo</a:t>
+              <a:t>about_Author</a:t>
             </a:r>
           </a:p>
         </p:txBody>
       </p:sp>
-      <p:sp>
-        <p:nvSpPr>
-          <p:cNvPr id="3" name="Textplatzhalter 2"/>
-          <p:cNvSpPr>
-            <a:spLocks noGrp="1"/>
-          </p:cNvSpPr>
-          <p:nvPr>
-            <p:ph type="body" sz="quarter" idx="10"/>
-          </p:nvPr>
-        </p:nvSpPr>
-        <p:spPr/>
-        <p:txBody>
-          <a:bodyPr>
-            <a:normAutofit fontScale="92500" lnSpcReduction="20000"/>
-          </a:bodyPr>
-          <a:lstStyle/>
-          <a:p>
-            <a:r>
-              <a:rPr lang="de-DE" dirty="0"/>
-              <a:t>Try </a:t>
-            </a:r>
-            <a:r>
-              <a:rPr lang="de-DE" dirty="0" err="1"/>
-              <a:t>and</a:t>
-            </a:r>
-            <a:r>
-              <a:rPr lang="de-DE" dirty="0"/>
-              <a:t> </a:t>
-            </a:r>
-            <a:r>
-              <a:rPr lang="de-DE" dirty="0" err="1"/>
-              <a:t>use</a:t>
-            </a:r>
-            <a:r>
-              <a:rPr lang="de-DE" dirty="0"/>
-              <a:t> </a:t>
-            </a:r>
-            <a:r>
-              <a:rPr lang="de-DE" dirty="0" err="1"/>
-              <a:t>demos</a:t>
-            </a:r>
-            <a:r>
-              <a:rPr lang="de-DE" dirty="0"/>
-              <a:t> </a:t>
-            </a:r>
-            <a:r>
-              <a:rPr lang="de-DE" dirty="0" err="1"/>
-              <a:t>instead</a:t>
-            </a:r>
-            <a:r>
-              <a:rPr lang="de-DE" dirty="0"/>
-              <a:t> </a:t>
-            </a:r>
-            <a:r>
-              <a:rPr lang="de-DE" dirty="0" err="1"/>
-              <a:t>of</a:t>
-            </a:r>
-            <a:r>
-              <a:rPr lang="de-DE" dirty="0"/>
-              <a:t> </a:t>
-            </a:r>
-            <a:r>
-              <a:rPr lang="de-DE" dirty="0" err="1"/>
-              <a:t>dead</a:t>
-            </a:r>
-            <a:r>
-              <a:rPr lang="de-DE" dirty="0"/>
-              <a:t> </a:t>
-            </a:r>
-            <a:r>
-              <a:rPr lang="de-DE" dirty="0" err="1"/>
-              <a:t>slides</a:t>
-            </a:r>
-            <a:r>
-              <a:rPr lang="de-DE" dirty="0"/>
-              <a:t>.</a:t>
-            </a:r>
-          </a:p>
-          <a:p>
-            <a:endParaRPr lang="de-DE" dirty="0"/>
-          </a:p>
-          <a:p>
-            <a:r>
-              <a:rPr lang="de-DE" dirty="0" err="1"/>
-              <a:t>Please</a:t>
-            </a:r>
-            <a:r>
-              <a:rPr lang="de-DE" dirty="0"/>
-              <a:t> do not </a:t>
-            </a:r>
-            <a:r>
-              <a:rPr lang="de-DE" dirty="0" err="1"/>
-              <a:t>dive</a:t>
-            </a:r>
-            <a:r>
-              <a:rPr lang="de-DE" dirty="0"/>
-              <a:t> </a:t>
-            </a:r>
-            <a:r>
-              <a:rPr lang="de-DE" dirty="0" err="1"/>
-              <a:t>into</a:t>
-            </a:r>
-            <a:r>
-              <a:rPr lang="de-DE" dirty="0"/>
-              <a:t> </a:t>
-            </a:r>
-            <a:r>
-              <a:rPr lang="de-DE" dirty="0" err="1"/>
-              <a:t>zillions</a:t>
-            </a:r>
-            <a:r>
-              <a:rPr lang="de-DE" dirty="0"/>
-              <a:t> </a:t>
-            </a:r>
-            <a:r>
-              <a:rPr lang="de-DE" dirty="0" err="1"/>
-              <a:t>of</a:t>
-            </a:r>
-            <a:r>
-              <a:rPr lang="de-DE" dirty="0"/>
-              <a:t> </a:t>
-            </a:r>
-            <a:r>
-              <a:rPr lang="de-DE" dirty="0" err="1"/>
-              <a:t>pages</a:t>
-            </a:r>
-            <a:r>
-              <a:rPr lang="de-DE" dirty="0"/>
-              <a:t> </a:t>
-            </a:r>
-            <a:r>
-              <a:rPr lang="de-DE" dirty="0" err="1"/>
-              <a:t>of</a:t>
-            </a:r>
-            <a:r>
-              <a:rPr lang="de-DE" dirty="0"/>
-              <a:t> </a:t>
-            </a:r>
-            <a:r>
-              <a:rPr lang="de-DE" dirty="0" err="1"/>
-              <a:t>code</a:t>
-            </a:r>
-            <a:r>
-              <a:rPr lang="de-DE" dirty="0"/>
-              <a:t>.</a:t>
-            </a:r>
-          </a:p>
-          <a:p>
-            <a:r>
-              <a:rPr lang="de-DE" dirty="0" err="1"/>
-              <a:t>Instead</a:t>
-            </a:r>
-            <a:r>
-              <a:rPr lang="de-DE" dirty="0"/>
-              <a:t>, </a:t>
-            </a:r>
-            <a:r>
-              <a:rPr lang="de-DE" dirty="0" err="1"/>
-              <a:t>if</a:t>
-            </a:r>
-            <a:r>
-              <a:rPr lang="de-DE" dirty="0"/>
-              <a:t> </a:t>
-            </a:r>
-            <a:r>
-              <a:rPr lang="de-DE" dirty="0" err="1"/>
-              <a:t>you</a:t>
-            </a:r>
-            <a:r>
-              <a:rPr lang="de-DE" dirty="0"/>
-              <a:t> </a:t>
-            </a:r>
-            <a:r>
-              <a:rPr lang="de-DE" dirty="0" err="1"/>
-              <a:t>can</a:t>
-            </a:r>
-            <a:r>
-              <a:rPr lang="de-DE" dirty="0"/>
-              <a:t>, turn </a:t>
-            </a:r>
-            <a:r>
-              <a:rPr lang="de-DE" dirty="0" err="1"/>
-              <a:t>your</a:t>
-            </a:r>
-            <a:r>
-              <a:rPr lang="de-DE" dirty="0"/>
-              <a:t> </a:t>
-            </a:r>
-            <a:r>
-              <a:rPr lang="de-DE" dirty="0" err="1"/>
-              <a:t>logical</a:t>
-            </a:r>
-            <a:r>
-              <a:rPr lang="de-DE" dirty="0"/>
-              <a:t> </a:t>
-            </a:r>
-            <a:r>
-              <a:rPr lang="de-DE" dirty="0" err="1"/>
-              <a:t>code</a:t>
-            </a:r>
-            <a:r>
-              <a:rPr lang="de-DE" dirty="0"/>
-              <a:t> </a:t>
-            </a:r>
-            <a:r>
-              <a:rPr lang="de-DE" dirty="0" err="1"/>
-              <a:t>blocks</a:t>
-            </a:r>
-            <a:r>
-              <a:rPr lang="de-DE" dirty="0"/>
-              <a:t> </a:t>
-            </a:r>
-            <a:r>
-              <a:rPr lang="de-DE" dirty="0" err="1"/>
-              <a:t>into</a:t>
-            </a:r>
-            <a:r>
-              <a:rPr lang="de-DE" dirty="0"/>
-              <a:t> </a:t>
-            </a:r>
-            <a:r>
-              <a:rPr lang="de-DE" dirty="0" err="1"/>
-              <a:t>functions</a:t>
-            </a:r>
-            <a:r>
-              <a:rPr lang="de-DE" dirty="0"/>
-              <a:t>, </a:t>
-            </a:r>
-            <a:r>
-              <a:rPr lang="de-DE" dirty="0" err="1"/>
-              <a:t>and</a:t>
-            </a:r>
-            <a:r>
-              <a:rPr lang="de-DE" dirty="0"/>
-              <a:t> </a:t>
-            </a:r>
-            <a:r>
-              <a:rPr lang="de-DE" dirty="0" err="1"/>
-              <a:t>store</a:t>
-            </a:r>
-            <a:r>
-              <a:rPr lang="de-DE" dirty="0"/>
-              <a:t> </a:t>
-            </a:r>
-            <a:r>
-              <a:rPr lang="de-DE" dirty="0" err="1"/>
-              <a:t>them</a:t>
-            </a:r>
-            <a:r>
-              <a:rPr lang="de-DE" dirty="0"/>
-              <a:t> in a </a:t>
-            </a:r>
-            <a:r>
-              <a:rPr lang="de-DE" dirty="0" err="1"/>
-              <a:t>module</a:t>
-            </a:r>
-            <a:r>
-              <a:rPr lang="de-DE" dirty="0"/>
-              <a:t>. </a:t>
-            </a:r>
-          </a:p>
-          <a:p>
-            <a:endParaRPr lang="de-DE" dirty="0"/>
-          </a:p>
-          <a:p>
-            <a:r>
-              <a:rPr lang="de-DE" dirty="0"/>
-              <a:t>Share </a:t>
-            </a:r>
-            <a:r>
-              <a:rPr lang="de-DE" dirty="0" err="1"/>
-              <a:t>this</a:t>
-            </a:r>
-            <a:r>
-              <a:rPr lang="de-DE" dirty="0"/>
-              <a:t> </a:t>
-            </a:r>
-            <a:r>
-              <a:rPr lang="de-DE" dirty="0" err="1"/>
-              <a:t>module</a:t>
-            </a:r>
-            <a:r>
-              <a:rPr lang="de-DE" dirty="0"/>
-              <a:t> </a:t>
-            </a:r>
-            <a:r>
-              <a:rPr lang="de-DE" dirty="0" err="1"/>
-              <a:t>with</a:t>
-            </a:r>
-            <a:r>
-              <a:rPr lang="de-DE" dirty="0"/>
-              <a:t> </a:t>
-            </a:r>
-            <a:r>
-              <a:rPr lang="de-DE" dirty="0" err="1"/>
-              <a:t>your</a:t>
-            </a:r>
-            <a:r>
-              <a:rPr lang="de-DE" dirty="0"/>
-              <a:t> </a:t>
-            </a:r>
-            <a:r>
-              <a:rPr lang="de-DE" dirty="0" err="1"/>
-              <a:t>audience</a:t>
-            </a:r>
-            <a:r>
-              <a:rPr lang="de-DE" dirty="0"/>
-              <a:t>.</a:t>
-            </a:r>
-          </a:p>
-        </p:txBody>
-      </p:sp>
+      <p:pic>
+        <p:nvPicPr>
+          <p:cNvPr id="2" name="Picture 1">
+            <a:extLst>
+              <a:ext uri="{FF2B5EF4-FFF2-40B4-BE49-F238E27FC236}">
+                <a16:creationId xmlns:a16="http://schemas.microsoft.com/office/drawing/2014/main" id="{630BA343-5889-45F5-985A-BD2B11F86064}"/>
+              </a:ext>
+            </a:extLst>
+          </p:cNvPr>
+          <p:cNvPicPr>
+            <a:picLocks noChangeAspect="1"/>
+          </p:cNvPicPr>
+          <p:nvPr/>
+        </p:nvPicPr>
+        <p:blipFill>
+          <a:blip r:embed="rId3"/>
+          <a:stretch>
+            <a:fillRect/>
+          </a:stretch>
+        </p:blipFill>
+        <p:spPr>
+          <a:xfrm>
+            <a:off x="5292080" y="2814110"/>
+            <a:ext cx="2523809" cy="1600000"/>
+          </a:xfrm>
+          <a:prstGeom prst="rect">
+            <a:avLst/>
+          </a:prstGeom>
+        </p:spPr>
+      </p:pic>
+      <p:pic>
+        <p:nvPicPr>
+          <p:cNvPr id="7" name="Picture 6">
+            <a:extLst>
+              <a:ext uri="{FF2B5EF4-FFF2-40B4-BE49-F238E27FC236}">
+                <a16:creationId xmlns:a16="http://schemas.microsoft.com/office/drawing/2014/main" id="{083999F6-60D7-4146-A6FB-69525AC2A831}"/>
+              </a:ext>
+            </a:extLst>
+          </p:cNvPr>
+          <p:cNvPicPr>
+            <a:picLocks noChangeAspect="1"/>
+          </p:cNvPicPr>
+          <p:nvPr/>
+        </p:nvPicPr>
+        <p:blipFill>
+          <a:blip r:embed="rId4"/>
+          <a:stretch>
+            <a:fillRect/>
+          </a:stretch>
+        </p:blipFill>
+        <p:spPr>
+          <a:xfrm>
+            <a:off x="971600" y="2890301"/>
+            <a:ext cx="2857143" cy="1447619"/>
+          </a:xfrm>
+          <a:prstGeom prst="rect">
+            <a:avLst/>
+          </a:prstGeom>
+        </p:spPr>
+      </p:pic>
     </p:spTree>
     <p:extLst>
       <p:ext uri="{BB962C8B-B14F-4D97-AF65-F5344CB8AC3E}">
-        <p14:creationId xmlns:p14="http://schemas.microsoft.com/office/powerpoint/2010/main" val="2040841989"/>
+        <p14:creationId xmlns:p14="http://schemas.microsoft.com/office/powerpoint/2010/main" val="4266886937"/>
       </p:ext>
     </p:extLst>
   </p:cSld>
@@ -8262,736 +6586,6 @@
       </p:grpSpPr>
       <p:sp>
         <p:nvSpPr>
-          <p:cNvPr id="2" name="Content Placeholder 1"/>
-          <p:cNvSpPr>
-            <a:spLocks noGrp="1"/>
-          </p:cNvSpPr>
-          <p:nvPr>
-            <p:ph idx="1"/>
-          </p:nvPr>
-        </p:nvSpPr>
-        <p:spPr/>
-        <p:txBody>
-          <a:bodyPr>
-            <a:normAutofit fontScale="85000" lnSpcReduction="10000"/>
-          </a:bodyPr>
-          <a:lstStyle/>
-          <a:p>
-            <a:r>
-              <a:rPr lang="en-US" dirty="0">
-                <a:solidFill>
-                  <a:srgbClr val="006400"/>
-                </a:solidFill>
-                <a:latin typeface="Lucida Console" panose="020B0609040504020204" pitchFamily="49" charset="0"/>
-              </a:rPr>
-              <a:t># use this template for code samples</a:t>
-            </a:r>
-          </a:p>
-          <a:p>
-            <a:r>
-              <a:rPr lang="en-US" dirty="0">
-                <a:solidFill>
-                  <a:srgbClr val="006400"/>
-                </a:solidFill>
-                <a:latin typeface="Lucida Console" panose="020B0609040504020204" pitchFamily="49" charset="0"/>
-              </a:rPr>
-              <a:t># and follow these instructions to show perfectly</a:t>
-            </a:r>
-          </a:p>
-          <a:p>
-            <a:r>
-              <a:rPr lang="en-US" dirty="0">
-                <a:solidFill>
-                  <a:srgbClr val="006400"/>
-                </a:solidFill>
-                <a:latin typeface="Lucida Console" panose="020B0609040504020204" pitchFamily="49" charset="0"/>
-              </a:rPr>
-              <a:t># color-coded PowerShell code:</a:t>
-            </a:r>
-          </a:p>
-          <a:p>
-            <a:endParaRPr lang="en-US" dirty="0">
-              <a:solidFill>
-                <a:srgbClr val="006400"/>
-              </a:solidFill>
-              <a:latin typeface="Lucida Console" panose="020B0609040504020204" pitchFamily="49" charset="0"/>
-            </a:endParaRPr>
-          </a:p>
-          <a:p>
-            <a:r>
-              <a:rPr lang="en-US" dirty="0">
-                <a:solidFill>
-                  <a:srgbClr val="006400"/>
-                </a:solidFill>
-                <a:latin typeface="Lucida Console" panose="020B0609040504020204" pitchFamily="49" charset="0"/>
-              </a:rPr>
-              <a:t># paste code to PowerShell ISE, select it, and copy it</a:t>
-            </a:r>
-            <a:endParaRPr lang="en-US" dirty="0">
-              <a:solidFill>
-                <a:prstClr val="black"/>
-              </a:solidFill>
-              <a:latin typeface="Lucida Console" panose="020B0609040504020204" pitchFamily="49" charset="0"/>
-            </a:endParaRPr>
-          </a:p>
-          <a:p>
-            <a:r>
-              <a:rPr lang="en-US" dirty="0">
-                <a:solidFill>
-                  <a:srgbClr val="006400"/>
-                </a:solidFill>
-                <a:latin typeface="Lucida Console" panose="020B0609040504020204" pitchFamily="49" charset="0"/>
-              </a:rPr>
-              <a:t># to the clipboard</a:t>
-            </a:r>
-            <a:endParaRPr lang="en-US" dirty="0">
-              <a:solidFill>
-                <a:prstClr val="black"/>
-              </a:solidFill>
-              <a:latin typeface="Lucida Console" panose="020B0609040504020204" pitchFamily="49" charset="0"/>
-            </a:endParaRPr>
-          </a:p>
-          <a:p>
-            <a:r>
-              <a:rPr lang="en-US" dirty="0">
-                <a:solidFill>
-                  <a:srgbClr val="0000FF"/>
-                </a:solidFill>
-                <a:latin typeface="Lucida Console" panose="020B0609040504020204" pitchFamily="49" charset="0"/>
-              </a:rPr>
-              <a:t>Paste-Code</a:t>
-            </a:r>
-            <a:r>
-              <a:rPr lang="en-US" dirty="0">
-                <a:solidFill>
-                  <a:prstClr val="black"/>
-                </a:solidFill>
-                <a:latin typeface="Lucida Console" panose="020B0609040504020204" pitchFamily="49" charset="0"/>
-              </a:rPr>
-              <a:t> </a:t>
-            </a:r>
-            <a:r>
-              <a:rPr lang="en-US" dirty="0">
-                <a:solidFill>
-                  <a:srgbClr val="000080"/>
-                </a:solidFill>
-                <a:latin typeface="Lucida Console" panose="020B0609040504020204" pitchFamily="49" charset="0"/>
-              </a:rPr>
-              <a:t>-</a:t>
-            </a:r>
-            <a:r>
-              <a:rPr lang="en-US" dirty="0" err="1">
-                <a:solidFill>
-                  <a:srgbClr val="000080"/>
-                </a:solidFill>
-                <a:latin typeface="Lucida Console" panose="020B0609040504020204" pitchFamily="49" charset="0"/>
-              </a:rPr>
-              <a:t>ToISE</a:t>
-            </a:r>
-            <a:r>
-              <a:rPr lang="en-US" dirty="0">
-                <a:solidFill>
-                  <a:prstClr val="black"/>
-                </a:solidFill>
-                <a:latin typeface="Lucida Console" panose="020B0609040504020204" pitchFamily="49" charset="0"/>
-              </a:rPr>
-              <a:t> </a:t>
-            </a:r>
-            <a:r>
-              <a:rPr lang="en-US" dirty="0">
-                <a:solidFill>
-                  <a:srgbClr val="A9A9A9"/>
-                </a:solidFill>
-                <a:latin typeface="Lucida Console" panose="020B0609040504020204" pitchFamily="49" charset="0"/>
-              </a:rPr>
-              <a:t>|</a:t>
-            </a:r>
-            <a:r>
-              <a:rPr lang="en-US" dirty="0">
-                <a:solidFill>
-                  <a:prstClr val="black"/>
-                </a:solidFill>
-                <a:latin typeface="Lucida Console" panose="020B0609040504020204" pitchFamily="49" charset="0"/>
-              </a:rPr>
-              <a:t> </a:t>
-            </a:r>
-            <a:r>
-              <a:rPr lang="en-US" dirty="0">
-                <a:solidFill>
-                  <a:srgbClr val="0000FF"/>
-                </a:solidFill>
-                <a:latin typeface="Lucida Console" panose="020B0609040504020204" pitchFamily="49" charset="0"/>
-              </a:rPr>
-              <a:t>Select-Code</a:t>
-            </a:r>
-            <a:r>
-              <a:rPr lang="en-US" dirty="0">
-                <a:solidFill>
-                  <a:prstClr val="black"/>
-                </a:solidFill>
-                <a:latin typeface="Lucida Console" panose="020B0609040504020204" pitchFamily="49" charset="0"/>
-              </a:rPr>
-              <a:t> </a:t>
-            </a:r>
-            <a:r>
-              <a:rPr lang="en-US" dirty="0">
-                <a:solidFill>
-                  <a:srgbClr val="A9A9A9"/>
-                </a:solidFill>
-                <a:latin typeface="Lucida Console" panose="020B0609040504020204" pitchFamily="49" charset="0"/>
-              </a:rPr>
-              <a:t>|</a:t>
-            </a:r>
-            <a:r>
-              <a:rPr lang="en-US" dirty="0">
-                <a:solidFill>
-                  <a:prstClr val="black"/>
-                </a:solidFill>
-                <a:latin typeface="Lucida Console" panose="020B0609040504020204" pitchFamily="49" charset="0"/>
-              </a:rPr>
-              <a:t> </a:t>
-            </a:r>
-            <a:r>
-              <a:rPr lang="en-US" dirty="0">
-                <a:solidFill>
-                  <a:srgbClr val="0000FF"/>
-                </a:solidFill>
-                <a:latin typeface="Lucida Console" panose="020B0609040504020204" pitchFamily="49" charset="0"/>
-              </a:rPr>
-              <a:t>Copy-</a:t>
-            </a:r>
-            <a:r>
-              <a:rPr lang="en-US" dirty="0" err="1">
-                <a:solidFill>
-                  <a:srgbClr val="0000FF"/>
-                </a:solidFill>
-                <a:latin typeface="Lucida Console" panose="020B0609040504020204" pitchFamily="49" charset="0"/>
-              </a:rPr>
-              <a:t>ToClipboard</a:t>
-            </a:r>
-            <a:endParaRPr lang="en-US" dirty="0">
-              <a:solidFill>
-                <a:prstClr val="black"/>
-              </a:solidFill>
-              <a:latin typeface="Lucida Console" panose="020B0609040504020204" pitchFamily="49" charset="0"/>
-            </a:endParaRPr>
-          </a:p>
-          <a:p>
-            <a:endParaRPr lang="en-US" dirty="0">
-              <a:solidFill>
-                <a:prstClr val="black"/>
-              </a:solidFill>
-              <a:latin typeface="Lucida Console" panose="020B0609040504020204" pitchFamily="49" charset="0"/>
-            </a:endParaRPr>
-          </a:p>
-          <a:p>
-            <a:r>
-              <a:rPr lang="en-US" dirty="0">
-                <a:solidFill>
-                  <a:srgbClr val="006400"/>
-                </a:solidFill>
-                <a:latin typeface="Lucida Console" panose="020B0609040504020204" pitchFamily="49" charset="0"/>
-              </a:rPr>
-              <a:t># to insert it with full color-coding into a slide,</a:t>
-            </a:r>
-            <a:endParaRPr lang="en-US" dirty="0">
-              <a:solidFill>
-                <a:prstClr val="black"/>
-              </a:solidFill>
-              <a:latin typeface="Lucida Console" panose="020B0609040504020204" pitchFamily="49" charset="0"/>
-            </a:endParaRPr>
-          </a:p>
-          <a:p>
-            <a:r>
-              <a:rPr lang="en-US" dirty="0">
-                <a:solidFill>
-                  <a:srgbClr val="006400"/>
-                </a:solidFill>
-                <a:latin typeface="Lucida Console" panose="020B0609040504020204" pitchFamily="49" charset="0"/>
-              </a:rPr>
-              <a:t># paste the code to your PPT slide. It will be black,</a:t>
-            </a:r>
-            <a:endParaRPr lang="en-US" dirty="0">
-              <a:solidFill>
-                <a:prstClr val="black"/>
-              </a:solidFill>
-              <a:latin typeface="Lucida Console" panose="020B0609040504020204" pitchFamily="49" charset="0"/>
-            </a:endParaRPr>
-          </a:p>
-          <a:p>
-            <a:r>
-              <a:rPr lang="en-US" dirty="0">
-                <a:solidFill>
-                  <a:srgbClr val="006400"/>
-                </a:solidFill>
-                <a:latin typeface="Lucida Console" panose="020B0609040504020204" pitchFamily="49" charset="0"/>
-              </a:rPr>
-              <a:t># and there is a </a:t>
-            </a:r>
-            <a:r>
-              <a:rPr lang="en-US" dirty="0" err="1">
-                <a:solidFill>
-                  <a:srgbClr val="006400"/>
-                </a:solidFill>
-                <a:latin typeface="Lucida Console" panose="020B0609040504020204" pitchFamily="49" charset="0"/>
-              </a:rPr>
-              <a:t>toolbutton</a:t>
-            </a:r>
-            <a:r>
-              <a:rPr lang="en-US" dirty="0">
-                <a:solidFill>
-                  <a:srgbClr val="006400"/>
-                </a:solidFill>
-                <a:latin typeface="Lucida Console" panose="020B0609040504020204" pitchFamily="49" charset="0"/>
-              </a:rPr>
-              <a:t> labelled (Ctrl) in PPT.</a:t>
-            </a:r>
-            <a:endParaRPr lang="en-US" dirty="0">
-              <a:solidFill>
-                <a:prstClr val="black"/>
-              </a:solidFill>
-              <a:latin typeface="Lucida Console" panose="020B0609040504020204" pitchFamily="49" charset="0"/>
-            </a:endParaRPr>
-          </a:p>
-          <a:p>
-            <a:r>
-              <a:rPr lang="en-US" dirty="0">
-                <a:solidFill>
-                  <a:srgbClr val="0000FF"/>
-                </a:solidFill>
-                <a:latin typeface="Lucida Console" panose="020B0609040504020204" pitchFamily="49" charset="0"/>
-              </a:rPr>
-              <a:t>Click-</a:t>
-            </a:r>
-            <a:r>
-              <a:rPr lang="en-US" dirty="0" err="1">
-                <a:solidFill>
-                  <a:srgbClr val="0000FF"/>
-                </a:solidFill>
-                <a:latin typeface="Lucida Console" panose="020B0609040504020204" pitchFamily="49" charset="0"/>
-              </a:rPr>
-              <a:t>ToolButton</a:t>
-            </a:r>
-            <a:r>
-              <a:rPr lang="en-US" dirty="0">
-                <a:solidFill>
-                  <a:prstClr val="black"/>
-                </a:solidFill>
-                <a:latin typeface="Lucida Console" panose="020B0609040504020204" pitchFamily="49" charset="0"/>
-              </a:rPr>
-              <a:t> </a:t>
-            </a:r>
-            <a:r>
-              <a:rPr lang="en-US" dirty="0">
-                <a:solidFill>
-                  <a:srgbClr val="000080"/>
-                </a:solidFill>
-                <a:latin typeface="Lucida Console" panose="020B0609040504020204" pitchFamily="49" charset="0"/>
-              </a:rPr>
-              <a:t>-Choose</a:t>
-            </a:r>
-            <a:r>
-              <a:rPr lang="en-US" dirty="0">
-                <a:solidFill>
-                  <a:prstClr val="black"/>
-                </a:solidFill>
-                <a:latin typeface="Lucida Console" panose="020B0609040504020204" pitchFamily="49" charset="0"/>
-              </a:rPr>
-              <a:t> </a:t>
-            </a:r>
-            <a:r>
-              <a:rPr lang="en-US" dirty="0" err="1">
-                <a:solidFill>
-                  <a:srgbClr val="8A2BE2"/>
-                </a:solidFill>
-                <a:latin typeface="Lucida Console" panose="020B0609040504020204" pitchFamily="49" charset="0"/>
-              </a:rPr>
-              <a:t>SymbolWithClipboardAndBrush</a:t>
-            </a:r>
-            <a:endParaRPr lang="en-US" dirty="0">
-              <a:solidFill>
-                <a:prstClr val="black"/>
-              </a:solidFill>
-              <a:latin typeface="Lucida Console" panose="020B0609040504020204" pitchFamily="49" charset="0"/>
-            </a:endParaRPr>
-          </a:p>
-          <a:p>
-            <a:r>
-              <a:rPr lang="en-US" dirty="0">
-                <a:solidFill>
-                  <a:srgbClr val="006400"/>
-                </a:solidFill>
-                <a:latin typeface="Lucida Console" panose="020B0609040504020204" pitchFamily="49" charset="0"/>
-              </a:rPr>
-              <a:t># Click the </a:t>
-            </a:r>
-            <a:r>
-              <a:rPr lang="en-US" dirty="0" err="1">
-                <a:solidFill>
-                  <a:srgbClr val="006400"/>
-                </a:solidFill>
-                <a:latin typeface="Lucida Console" panose="020B0609040504020204" pitchFamily="49" charset="0"/>
-              </a:rPr>
-              <a:t>toolbutton</a:t>
-            </a:r>
-            <a:r>
-              <a:rPr lang="en-US" dirty="0">
-                <a:solidFill>
-                  <a:srgbClr val="006400"/>
-                </a:solidFill>
-                <a:latin typeface="Lucida Console" panose="020B0609040504020204" pitchFamily="49" charset="0"/>
-              </a:rPr>
-              <a:t>, and choose the button that shows</a:t>
-            </a:r>
-            <a:endParaRPr lang="en-US" dirty="0">
-              <a:solidFill>
-                <a:prstClr val="black"/>
-              </a:solidFill>
-              <a:latin typeface="Lucida Console" panose="020B0609040504020204" pitchFamily="49" charset="0"/>
-            </a:endParaRPr>
-          </a:p>
-          <a:p>
-            <a:r>
-              <a:rPr lang="en-US" dirty="0">
-                <a:solidFill>
-                  <a:srgbClr val="006400"/>
-                </a:solidFill>
-                <a:latin typeface="Lucida Console" panose="020B0609040504020204" pitchFamily="49" charset="0"/>
-              </a:rPr>
-              <a:t># a clipboard with a brush. This will add color-coding</a:t>
-            </a:r>
-            <a:endParaRPr lang="en-US" dirty="0">
-              <a:solidFill>
-                <a:prstClr val="black"/>
-              </a:solidFill>
-              <a:latin typeface="Lucida Console" panose="020B0609040504020204" pitchFamily="49" charset="0"/>
-            </a:endParaRPr>
-          </a:p>
-          <a:p>
-            <a:r>
-              <a:rPr lang="en-US" dirty="0">
-                <a:solidFill>
-                  <a:srgbClr val="006400"/>
-                </a:solidFill>
-                <a:latin typeface="Lucida Console" panose="020B0609040504020204" pitchFamily="49" charset="0"/>
-              </a:rPr>
-              <a:t># back to the pasted code</a:t>
-            </a:r>
-          </a:p>
-          <a:p>
-            <a:endParaRPr lang="en-US" dirty="0">
-              <a:solidFill>
-                <a:srgbClr val="006400"/>
-              </a:solidFill>
-              <a:latin typeface="Lucida Console" panose="020B0609040504020204" pitchFamily="49" charset="0"/>
-            </a:endParaRPr>
-          </a:p>
-          <a:p>
-            <a:r>
-              <a:rPr lang="en-US" dirty="0">
-                <a:solidFill>
-                  <a:srgbClr val="FF0000"/>
-                </a:solidFill>
-                <a:latin typeface="Lucida Console" panose="020B0609040504020204" pitchFamily="49" charset="0"/>
-              </a:rPr>
-              <a:t>PLEASE NOTE: You do not need to use PowerShell ISE to code, or to demo. Use whatever editor you like best. </a:t>
-            </a:r>
-          </a:p>
-          <a:p>
-            <a:endParaRPr lang="en-US" dirty="0">
-              <a:solidFill>
-                <a:srgbClr val="FF0000"/>
-              </a:solidFill>
-              <a:latin typeface="Lucida Console" panose="020B0609040504020204" pitchFamily="49" charset="0"/>
-            </a:endParaRPr>
-          </a:p>
-          <a:p>
-            <a:r>
-              <a:rPr lang="en-US" dirty="0">
-                <a:solidFill>
-                  <a:srgbClr val="FF0000"/>
-                </a:solidFill>
-                <a:latin typeface="Lucida Console" panose="020B0609040504020204" pitchFamily="49" charset="0"/>
-              </a:rPr>
-              <a:t>These steps use PowerShell ISE to color-code your code correctly and consistently, and insert the color-coded code into the slide. Please help make all code look consistent. Many thanks!</a:t>
-            </a:r>
-          </a:p>
-          <a:p>
-            <a:endParaRPr lang="en-US" dirty="0">
-              <a:solidFill>
-                <a:srgbClr val="FF0000"/>
-              </a:solidFill>
-              <a:latin typeface="Lucida Console" panose="020B0609040504020204" pitchFamily="49" charset="0"/>
-            </a:endParaRPr>
-          </a:p>
-          <a:p>
-            <a:endParaRPr lang="en-US" dirty="0">
-              <a:solidFill>
-                <a:srgbClr val="FF0000"/>
-              </a:solidFill>
-              <a:latin typeface="Lucida Console" panose="020B0609040504020204" pitchFamily="49" charset="0"/>
-            </a:endParaRPr>
-          </a:p>
-          <a:p>
-            <a:endParaRPr lang="en-US" dirty="0">
-              <a:solidFill>
-                <a:srgbClr val="FF0000"/>
-              </a:solidFill>
-              <a:latin typeface="Lucida Console" panose="020B0609040504020204" pitchFamily="49" charset="0"/>
-            </a:endParaRPr>
-          </a:p>
-          <a:p>
-            <a:endParaRPr lang="en-US" dirty="0">
-              <a:solidFill>
-                <a:srgbClr val="FF0000"/>
-              </a:solidFill>
-              <a:latin typeface="Lucida Console" panose="020B0609040504020204" pitchFamily="49" charset="0"/>
-            </a:endParaRPr>
-          </a:p>
-          <a:p>
-            <a:endParaRPr lang="en-US" dirty="0">
-              <a:solidFill>
-                <a:srgbClr val="FF0000"/>
-              </a:solidFill>
-              <a:latin typeface="Lucida Console" panose="020B0609040504020204" pitchFamily="49" charset="0"/>
-            </a:endParaRPr>
-          </a:p>
-        </p:txBody>
-      </p:sp>
-    </p:spTree>
-    <p:extLst>
-      <p:ext uri="{BB962C8B-B14F-4D97-AF65-F5344CB8AC3E}">
-        <p14:creationId xmlns:p14="http://schemas.microsoft.com/office/powerpoint/2010/main" val="1401421730"/>
-      </p:ext>
-    </p:extLst>
-  </p:cSld>
-  <p:clrMapOvr>
-    <a:masterClrMapping/>
-  </p:clrMapOvr>
-  <mc:AlternateContent xmlns:mc="http://schemas.openxmlformats.org/markup-compatibility/2006" xmlns:p14="http://schemas.microsoft.com/office/powerpoint/2010/main">
-    <mc:Choice Requires="p14">
-      <p:transition spd="slow" p14:dur="1300">
-        <p14:pan dir="u"/>
-      </p:transition>
-    </mc:Choice>
-    <mc:Fallback xmlns="">
-      <p:transition spd="slow">
-        <p:fade/>
-      </p:transition>
-    </mc:Fallback>
-  </mc:AlternateContent>
-</p:sld>
-</file>
-
-<file path=ppt/slides/slide7.xml><?xml version="1.0" encoding="utf-8"?>
-<p:sld xmlns:a="http://schemas.openxmlformats.org/drawingml/2006/main" xmlns:r="http://schemas.openxmlformats.org/officeDocument/2006/relationships" xmlns:p="http://schemas.openxmlformats.org/presentationml/2006/main">
-  <p:cSld>
-    <p:spTree>
-      <p:nvGrpSpPr>
-        <p:cNvPr id="1" name=""/>
-        <p:cNvGrpSpPr/>
-        <p:nvPr/>
-      </p:nvGrpSpPr>
-      <p:grpSpPr>
-        <a:xfrm>
-          <a:off x="0" y="0"/>
-          <a:ext cx="0" cy="0"/>
-          <a:chOff x="0" y="0"/>
-          <a:chExt cx="0" cy="0"/>
-        </a:xfrm>
-      </p:grpSpPr>
-      <p:sp>
-        <p:nvSpPr>
-          <p:cNvPr id="2" name="Titel 1"/>
-          <p:cNvSpPr>
-            <a:spLocks noGrp="1"/>
-          </p:cNvSpPr>
-          <p:nvPr>
-            <p:ph type="title"/>
-          </p:nvPr>
-        </p:nvSpPr>
-        <p:spPr>
-          <a:xfrm>
-            <a:off x="0" y="908720"/>
-            <a:ext cx="9144000" cy="792088"/>
-          </a:xfrm>
-          <a:prstGeom prst="rect">
-            <a:avLst/>
-          </a:prstGeom>
-        </p:spPr>
-        <p:txBody>
-          <a:bodyPr/>
-          <a:lstStyle/>
-          <a:p>
-            <a:r>
-              <a:rPr lang="de-DE" dirty="0"/>
-              <a:t>Summary</a:t>
-            </a:r>
-          </a:p>
-        </p:txBody>
-      </p:sp>
-      <p:sp>
-        <p:nvSpPr>
-          <p:cNvPr id="3" name="Inhaltsplatzhalter 2"/>
-          <p:cNvSpPr>
-            <a:spLocks noGrp="1"/>
-          </p:cNvSpPr>
-          <p:nvPr>
-            <p:ph idx="1"/>
-          </p:nvPr>
-        </p:nvSpPr>
-        <p:spPr/>
-        <p:txBody>
-          <a:bodyPr/>
-          <a:lstStyle/>
-          <a:p>
-            <a:r>
-              <a:rPr lang="de-DE" dirty="0" err="1"/>
-              <a:t>Make</a:t>
-            </a:r>
-            <a:r>
-              <a:rPr lang="de-DE" dirty="0"/>
-              <a:t> </a:t>
-            </a:r>
-            <a:r>
-              <a:rPr lang="de-DE" dirty="0" err="1"/>
-              <a:t>sure</a:t>
-            </a:r>
-            <a:r>
-              <a:rPr lang="de-DE" dirty="0"/>
-              <a:t> </a:t>
-            </a:r>
-            <a:r>
-              <a:rPr lang="de-DE" dirty="0" err="1"/>
-              <a:t>you</a:t>
-            </a:r>
-            <a:r>
-              <a:rPr lang="de-DE" dirty="0"/>
-              <a:t> </a:t>
-            </a:r>
-            <a:r>
-              <a:rPr lang="de-DE" dirty="0" err="1"/>
-              <a:t>add</a:t>
-            </a:r>
-            <a:r>
-              <a:rPr lang="de-DE" dirty="0"/>
-              <a:t> a </a:t>
-            </a:r>
-            <a:r>
-              <a:rPr lang="de-DE" dirty="0" err="1"/>
-              <a:t>summary</a:t>
-            </a:r>
-            <a:r>
-              <a:rPr lang="de-DE" dirty="0"/>
-              <a:t> </a:t>
-            </a:r>
-            <a:r>
-              <a:rPr lang="de-DE" dirty="0" err="1"/>
-              <a:t>slide</a:t>
-            </a:r>
-            <a:endParaRPr lang="de-DE" dirty="0"/>
-          </a:p>
-          <a:p>
-            <a:r>
-              <a:rPr lang="de-DE" dirty="0" err="1"/>
-              <a:t>Use</a:t>
-            </a:r>
-            <a:r>
-              <a:rPr lang="de-DE" dirty="0"/>
-              <a:t> 3-5 </a:t>
-            </a:r>
-            <a:r>
-              <a:rPr lang="de-DE" dirty="0" err="1"/>
-              <a:t>bullet</a:t>
-            </a:r>
-            <a:r>
-              <a:rPr lang="de-DE" dirty="0"/>
-              <a:t> </a:t>
-            </a:r>
-            <a:r>
-              <a:rPr lang="de-DE" dirty="0" err="1"/>
-              <a:t>points</a:t>
-            </a:r>
-            <a:r>
-              <a:rPr lang="de-DE" dirty="0"/>
-              <a:t> </a:t>
-            </a:r>
-            <a:r>
-              <a:rPr lang="de-DE" dirty="0" err="1"/>
-              <a:t>to</a:t>
-            </a:r>
-            <a:r>
-              <a:rPr lang="de-DE" dirty="0"/>
-              <a:t> </a:t>
-            </a:r>
-            <a:r>
-              <a:rPr lang="de-DE" dirty="0" err="1"/>
-              <a:t>reiterate</a:t>
-            </a:r>
-            <a:r>
-              <a:rPr lang="de-DE" dirty="0"/>
-              <a:t> </a:t>
-            </a:r>
-            <a:r>
-              <a:rPr lang="de-DE" dirty="0" err="1"/>
-              <a:t>key</a:t>
-            </a:r>
-            <a:r>
-              <a:rPr lang="de-DE" dirty="0"/>
-              <a:t> </a:t>
-            </a:r>
-            <a:r>
-              <a:rPr lang="de-DE" dirty="0" err="1"/>
-              <a:t>points</a:t>
-            </a:r>
-            <a:endParaRPr lang="de-DE" dirty="0"/>
-          </a:p>
-        </p:txBody>
-      </p:sp>
-    </p:spTree>
-    <p:extLst>
-      <p:ext uri="{BB962C8B-B14F-4D97-AF65-F5344CB8AC3E}">
-        <p14:creationId xmlns:p14="http://schemas.microsoft.com/office/powerpoint/2010/main" val="3109724331"/>
-      </p:ext>
-    </p:extLst>
-  </p:cSld>
-  <p:clrMapOvr>
-    <a:masterClrMapping/>
-  </p:clrMapOvr>
-  <mc:AlternateContent xmlns:mc="http://schemas.openxmlformats.org/markup-compatibility/2006" xmlns:p14="http://schemas.microsoft.com/office/powerpoint/2010/main">
-    <mc:Choice Requires="p14">
-      <p:transition spd="med" p14:dur="700">
-        <p:fade/>
-      </p:transition>
-    </mc:Choice>
-    <mc:Fallback xmlns="">
-      <p:transition spd="med">
-        <p:fade/>
-      </p:transition>
-    </mc:Fallback>
-  </mc:AlternateContent>
-</p:sld>
-</file>
-
-<file path=ppt/slides/slide8.xml><?xml version="1.0" encoding="utf-8"?>
-<p:sld xmlns:a="http://schemas.openxmlformats.org/drawingml/2006/main" xmlns:r="http://schemas.openxmlformats.org/officeDocument/2006/relationships" xmlns:p="http://schemas.openxmlformats.org/presentationml/2006/main">
-  <p:cSld>
-    <p:spTree>
-      <p:nvGrpSpPr>
-        <p:cNvPr id="1" name=""/>
-        <p:cNvGrpSpPr/>
-        <p:nvPr/>
-      </p:nvGrpSpPr>
-      <p:grpSpPr>
-        <a:xfrm>
-          <a:off x="0" y="0"/>
-          <a:ext cx="0" cy="0"/>
-          <a:chOff x="0" y="0"/>
-          <a:chExt cx="0" cy="0"/>
-        </a:xfrm>
-      </p:grpSpPr>
-      <p:sp>
-        <p:nvSpPr>
           <p:cNvPr id="2" name="Inhaltsplatzhalter 1"/>
           <p:cNvSpPr>
             <a:spLocks noGrp="1"/>
@@ -9257,7 +6851,7 @@
 </p:sld>
 </file>
 
-<file path=ppt/slides/slide9.xml><?xml version="1.0" encoding="utf-8"?>
+<file path=ppt/slides/slide7.xml><?xml version="1.0" encoding="utf-8"?>
 <p:sld xmlns:a="http://schemas.openxmlformats.org/drawingml/2006/main" xmlns:r="http://schemas.openxmlformats.org/officeDocument/2006/relationships" xmlns:p="http://schemas.openxmlformats.org/presentationml/2006/main">
   <p:cSld>
     <p:spTree>
@@ -10509,117 +8103,59 @@
 </file>
 
 <file path=ppt/theme/theme4.xml><?xml version="1.0" encoding="utf-8"?>
-<a:theme xmlns:a="http://schemas.openxmlformats.org/drawingml/2006/main" name="Larissa-Design">
+<a:theme xmlns:a="http://schemas.openxmlformats.org/drawingml/2006/main" name="1_Benutzerdefiniertes Design">
   <a:themeElements>
-    <a:clrScheme name="">
+    <a:clrScheme name="Office">
       <a:dk1>
-        <a:srgbClr val="000000"/>
+        <a:sysClr val="windowText" lastClr="000000"/>
       </a:dk1>
       <a:lt1>
-        <a:srgbClr val="FFFFFF"/>
+        <a:sysClr val="window" lastClr="FFFFFF"/>
       </a:lt1>
       <a:dk2>
-        <a:srgbClr val="000000"/>
+        <a:srgbClr val="44546A"/>
       </a:dk2>
       <a:lt2>
-        <a:srgbClr val="808080"/>
+        <a:srgbClr val="E7E6E6"/>
       </a:lt2>
       <a:accent1>
-        <a:srgbClr val="BBE0E3"/>
+        <a:srgbClr val="4472C4"/>
       </a:accent1>
       <a:accent2>
-        <a:srgbClr val="333399"/>
+        <a:srgbClr val="ED7D31"/>
       </a:accent2>
       <a:accent3>
-        <a:srgbClr val="FFFFFF"/>
+        <a:srgbClr val="A5A5A5"/>
       </a:accent3>
       <a:accent4>
-        <a:srgbClr val="000000"/>
+        <a:srgbClr val="FFC000"/>
       </a:accent4>
       <a:accent5>
-        <a:srgbClr val="DAEDEF"/>
+        <a:srgbClr val="5B9BD5"/>
       </a:accent5>
       <a:accent6>
-        <a:srgbClr val="2D2D8A"/>
+        <a:srgbClr val="70AD47"/>
       </a:accent6>
       <a:hlink>
-        <a:srgbClr val="009999"/>
+        <a:srgbClr val="0563C1"/>
       </a:hlink>
       <a:folHlink>
-        <a:srgbClr val="99CC00"/>
+        <a:srgbClr val="954F72"/>
       </a:folHlink>
     </a:clrScheme>
-    <a:fontScheme name="Larissa">
+    <a:fontScheme name="Segoe">
       <a:majorFont>
-        <a:latin typeface="Calibri"/>
+        <a:latin typeface="Segoe UI"/>
         <a:ea typeface=""/>
         <a:cs typeface=""/>
-        <a:font script="Jpan" typeface="ＭＳ Ｐゴシック"/>
-        <a:font script="Hang" typeface="맑은 고딕"/>
-        <a:font script="Hans" typeface="宋体"/>
-        <a:font script="Hant" typeface="新細明體"/>
-        <a:font script="Arab" typeface="Times New Roman"/>
-        <a:font script="Hebr" typeface="Times New Roman"/>
-        <a:font script="Thai" typeface="Angsana New"/>
-        <a:font script="Ethi" typeface="Nyala"/>
-        <a:font script="Beng" typeface="Vrinda"/>
-        <a:font script="Gujr" typeface="Shruti"/>
-        <a:font script="Khmr" typeface="MoolBoran"/>
-        <a:font script="Knda" typeface="Tunga"/>
-        <a:font script="Guru" typeface="Raavi"/>
-        <a:font script="Cans" typeface="Euphemia"/>
-        <a:font script="Cher" typeface="Plantagenet Cherokee"/>
-        <a:font script="Yiii" typeface="Microsoft Yi Baiti"/>
-        <a:font script="Tibt" typeface="Microsoft Himalaya"/>
-        <a:font script="Thaa" typeface="MV Boli"/>
-        <a:font script="Deva" typeface="Mangal"/>
-        <a:font script="Telu" typeface="Gautami"/>
-        <a:font script="Taml" typeface="Latha"/>
-        <a:font script="Syrc" typeface="Estrangelo Edessa"/>
-        <a:font script="Orya" typeface="Kalinga"/>
-        <a:font script="Mlym" typeface="Kartika"/>
-        <a:font script="Laoo" typeface="DokChampa"/>
-        <a:font script="Sinh" typeface="Iskoola Pota"/>
-        <a:font script="Mong" typeface="Mongolian Baiti"/>
-        <a:font script="Viet" typeface="Times New Roman"/>
-        <a:font script="Uigh" typeface="Microsoft Uighur"/>
       </a:majorFont>
       <a:minorFont>
-        <a:latin typeface="Calibri"/>
+        <a:latin typeface="Segoe UI"/>
         <a:ea typeface=""/>
         <a:cs typeface=""/>
-        <a:font script="Jpan" typeface="ＭＳ Ｐゴシック"/>
-        <a:font script="Hang" typeface="맑은 고딕"/>
-        <a:font script="Hans" typeface="宋体"/>
-        <a:font script="Hant" typeface="新細明體"/>
-        <a:font script="Arab" typeface="Arial"/>
-        <a:font script="Hebr" typeface="Arial"/>
-        <a:font script="Thai" typeface="Cordia New"/>
-        <a:font script="Ethi" typeface="Nyala"/>
-        <a:font script="Beng" typeface="Vrinda"/>
-        <a:font script="Gujr" typeface="Shruti"/>
-        <a:font script="Khmr" typeface="DaunPenh"/>
-        <a:font script="Knda" typeface="Tunga"/>
-        <a:font script="Guru" typeface="Raavi"/>
-        <a:font script="Cans" typeface="Euphemia"/>
-        <a:font script="Cher" typeface="Plantagenet Cherokee"/>
-        <a:font script="Yiii" typeface="Microsoft Yi Baiti"/>
-        <a:font script="Tibt" typeface="Microsoft Himalaya"/>
-        <a:font script="Thaa" typeface="MV Boli"/>
-        <a:font script="Deva" typeface="Mangal"/>
-        <a:font script="Telu" typeface="Gautami"/>
-        <a:font script="Taml" typeface="Latha"/>
-        <a:font script="Syrc" typeface="Estrangelo Edessa"/>
-        <a:font script="Orya" typeface="Kalinga"/>
-        <a:font script="Mlym" typeface="Kartika"/>
-        <a:font script="Laoo" typeface="DokChampa"/>
-        <a:font script="Sinh" typeface="Iskoola Pota"/>
-        <a:font script="Mong" typeface="Mongolian Baiti"/>
-        <a:font script="Viet" typeface="Arial"/>
-        <a:font script="Uigh" typeface="Microsoft Uighur"/>
       </a:minorFont>
     </a:fontScheme>
-    <a:fmtScheme name="Larissa">
+    <a:fmtScheme name="Office">
       <a:fillStyleLst>
         <a:solidFill>
           <a:schemeClr val="phClr"/>
@@ -10628,166 +8164,142 @@
           <a:gsLst>
             <a:gs pos="0">
               <a:schemeClr val="phClr">
-                <a:tint val="50000"/>
-                <a:satMod val="300000"/>
+                <a:lumMod val="110000"/>
+                <a:satMod val="105000"/>
+                <a:tint val="67000"/>
               </a:schemeClr>
             </a:gs>
-            <a:gs pos="35000">
+            <a:gs pos="50000">
               <a:schemeClr val="phClr">
-                <a:tint val="37000"/>
-                <a:satMod val="300000"/>
+                <a:lumMod val="105000"/>
+                <a:satMod val="103000"/>
+                <a:tint val="73000"/>
               </a:schemeClr>
             </a:gs>
             <a:gs pos="100000">
               <a:schemeClr val="phClr">
-                <a:tint val="15000"/>
-                <a:satMod val="350000"/>
+                <a:lumMod val="105000"/>
+                <a:satMod val="109000"/>
+                <a:tint val="81000"/>
               </a:schemeClr>
             </a:gs>
           </a:gsLst>
-          <a:lin ang="16200000" scaled="1"/>
+          <a:lin ang="5400000" scaled="0"/>
         </a:gradFill>
         <a:gradFill rotWithShape="1">
           <a:gsLst>
             <a:gs pos="0">
               <a:schemeClr val="phClr">
-                <a:shade val="51000"/>
-                <a:satMod val="130000"/>
+                <a:satMod val="103000"/>
+                <a:lumMod val="102000"/>
+                <a:tint val="94000"/>
               </a:schemeClr>
             </a:gs>
-            <a:gs pos="80000">
+            <a:gs pos="50000">
               <a:schemeClr val="phClr">
-                <a:shade val="93000"/>
-                <a:satMod val="130000"/>
+                <a:satMod val="110000"/>
+                <a:lumMod val="100000"/>
+                <a:shade val="100000"/>
               </a:schemeClr>
             </a:gs>
             <a:gs pos="100000">
               <a:schemeClr val="phClr">
-                <a:shade val="94000"/>
-                <a:satMod val="135000"/>
+                <a:lumMod val="99000"/>
+                <a:satMod val="120000"/>
+                <a:shade val="78000"/>
               </a:schemeClr>
             </a:gs>
           </a:gsLst>
-          <a:lin ang="16200000" scaled="0"/>
+          <a:lin ang="5400000" scaled="0"/>
         </a:gradFill>
       </a:fillStyleLst>
       <a:lnStyleLst>
-        <a:ln w="9525" cap="flat" cmpd="sng" algn="ctr">
-          <a:solidFill>
-            <a:schemeClr val="phClr">
-              <a:shade val="95000"/>
-              <a:satMod val="105000"/>
-            </a:schemeClr>
+        <a:ln w="6350" cap="flat" cmpd="sng" algn="ctr">
+          <a:solidFill>
+            <a:schemeClr val="phClr"/>
           </a:solidFill>
           <a:prstDash val="solid"/>
+          <a:miter lim="800000"/>
         </a:ln>
-        <a:ln w="25400" cap="flat" cmpd="sng" algn="ctr">
+        <a:ln w="12700" cap="flat" cmpd="sng" algn="ctr">
           <a:solidFill>
             <a:schemeClr val="phClr"/>
           </a:solidFill>
           <a:prstDash val="solid"/>
+          <a:miter lim="800000"/>
         </a:ln>
-        <a:ln w="38100" cap="flat" cmpd="sng" algn="ctr">
+        <a:ln w="19050" cap="flat" cmpd="sng" algn="ctr">
           <a:solidFill>
             <a:schemeClr val="phClr"/>
           </a:solidFill>
           <a:prstDash val="solid"/>
+          <a:miter lim="800000"/>
         </a:ln>
       </a:lnStyleLst>
       <a:effectStyleLst>
         <a:effectStyle>
+          <a:effectLst/>
+        </a:effectStyle>
+        <a:effectStyle>
+          <a:effectLst/>
+        </a:effectStyle>
+        <a:effectStyle>
           <a:effectLst>
-            <a:outerShdw blurRad="40000" dist="20000" dir="5400000" rotWithShape="0">
+            <a:outerShdw blurRad="57150" dist="19050" dir="5400000" algn="ctr" rotWithShape="0">
               <a:srgbClr val="000000">
-                <a:alpha val="38000"/>
+                <a:alpha val="63000"/>
               </a:srgbClr>
             </a:outerShdw>
           </a:effectLst>
-        </a:effectStyle>
-        <a:effectStyle>
-          <a:effectLst>
-            <a:outerShdw blurRad="40000" dist="23000" dir="5400000" rotWithShape="0">
-              <a:srgbClr val="000000">
-                <a:alpha val="35000"/>
-              </a:srgbClr>
-            </a:outerShdw>
-          </a:effectLst>
-        </a:effectStyle>
-        <a:effectStyle>
-          <a:effectLst>
-            <a:outerShdw blurRad="40000" dist="23000" dir="5400000" rotWithShape="0">
-              <a:srgbClr val="000000">
-                <a:alpha val="35000"/>
-              </a:srgbClr>
-            </a:outerShdw>
-          </a:effectLst>
-          <a:scene3d>
-            <a:camera prst="orthographicFront">
-              <a:rot lat="0" lon="0" rev="0"/>
-            </a:camera>
-            <a:lightRig rig="threePt" dir="t">
-              <a:rot lat="0" lon="0" rev="1200000"/>
-            </a:lightRig>
-          </a:scene3d>
-          <a:sp3d>
-            <a:bevelT w="63500" h="25400"/>
-          </a:sp3d>
         </a:effectStyle>
       </a:effectStyleLst>
       <a:bgFillStyleLst>
         <a:solidFill>
           <a:schemeClr val="phClr"/>
         </a:solidFill>
+        <a:solidFill>
+          <a:schemeClr val="phClr">
+            <a:tint val="95000"/>
+            <a:satMod val="170000"/>
+          </a:schemeClr>
+        </a:solidFill>
         <a:gradFill rotWithShape="1">
           <a:gsLst>
             <a:gs pos="0">
               <a:schemeClr val="phClr">
-                <a:tint val="40000"/>
-                <a:satMod val="350000"/>
+                <a:tint val="93000"/>
+                <a:satMod val="150000"/>
+                <a:shade val="98000"/>
+                <a:lumMod val="102000"/>
               </a:schemeClr>
             </a:gs>
-            <a:gs pos="40000">
+            <a:gs pos="50000">
               <a:schemeClr val="phClr">
-                <a:tint val="45000"/>
-                <a:shade val="99000"/>
-                <a:satMod val="350000"/>
+                <a:tint val="98000"/>
+                <a:satMod val="130000"/>
+                <a:shade val="90000"/>
+                <a:lumMod val="103000"/>
               </a:schemeClr>
             </a:gs>
             <a:gs pos="100000">
               <a:schemeClr val="phClr">
-                <a:shade val="20000"/>
-                <a:satMod val="255000"/>
+                <a:shade val="63000"/>
+                <a:satMod val="120000"/>
               </a:schemeClr>
             </a:gs>
           </a:gsLst>
-          <a:path path="circle">
-            <a:fillToRect l="50000" t="-80000" r="50000" b="180000"/>
-          </a:path>
-        </a:gradFill>
-        <a:gradFill rotWithShape="1">
-          <a:gsLst>
-            <a:gs pos="0">
-              <a:schemeClr val="phClr">
-                <a:tint val="80000"/>
-                <a:satMod val="300000"/>
-              </a:schemeClr>
-            </a:gs>
-            <a:gs pos="100000">
-              <a:schemeClr val="phClr">
-                <a:shade val="30000"/>
-                <a:satMod val="200000"/>
-              </a:schemeClr>
-            </a:gs>
-          </a:gsLst>
-          <a:path path="circle">
-            <a:fillToRect l="50000" t="50000" r="50000" b="50000"/>
-          </a:path>
+          <a:lin ang="5400000" scaled="0"/>
         </a:gradFill>
       </a:bgFillStyleLst>
     </a:fmtScheme>
   </a:themeElements>
   <a:objectDefaults/>
   <a:extraClrSchemeLst/>
+  <a:extLst>
+    <a:ext uri="{05A4C25C-085E-4340-85A3-A5531E510DB2}">
+      <thm15:themeFamily xmlns:thm15="http://schemas.microsoft.com/office/thememl/2012/main" name="Office Theme" id="{62F939B6-93AF-4DB8-9C6B-D6C7DFDC589F}" vid="{4A3C46E8-61CC-4603-A589-7422A47A8E4A}"/>
+    </a:ext>
+  </a:extLst>
 </a:theme>
 </file>
 
@@ -11072,4 +8584,287 @@
   <a:objectDefaults/>
   <a:extraClrSchemeLst/>
 </a:theme>
+</file>
+
+<file path=ppt/theme/theme6.xml><?xml version="1.0" encoding="utf-8"?>
+<a:theme xmlns:a="http://schemas.openxmlformats.org/drawingml/2006/main" name="Larissa-Design">
+  <a:themeElements>
+    <a:clrScheme name="">
+      <a:dk1>
+        <a:srgbClr val="000000"/>
+      </a:dk1>
+      <a:lt1>
+        <a:srgbClr val="FFFFFF"/>
+      </a:lt1>
+      <a:dk2>
+        <a:srgbClr val="000000"/>
+      </a:dk2>
+      <a:lt2>
+        <a:srgbClr val="808080"/>
+      </a:lt2>
+      <a:accent1>
+        <a:srgbClr val="BBE0E3"/>
+      </a:accent1>
+      <a:accent2>
+        <a:srgbClr val="333399"/>
+      </a:accent2>
+      <a:accent3>
+        <a:srgbClr val="FFFFFF"/>
+      </a:accent3>
+      <a:accent4>
+        <a:srgbClr val="000000"/>
+      </a:accent4>
+      <a:accent5>
+        <a:srgbClr val="DAEDEF"/>
+      </a:accent5>
+      <a:accent6>
+        <a:srgbClr val="2D2D8A"/>
+      </a:accent6>
+      <a:hlink>
+        <a:srgbClr val="009999"/>
+      </a:hlink>
+      <a:folHlink>
+        <a:srgbClr val="99CC00"/>
+      </a:folHlink>
+    </a:clrScheme>
+    <a:fontScheme name="Larissa">
+      <a:majorFont>
+        <a:latin typeface="Calibri"/>
+        <a:ea typeface=""/>
+        <a:cs typeface=""/>
+        <a:font script="Jpan" typeface="ＭＳ Ｐゴシック"/>
+        <a:font script="Hang" typeface="맑은 고딕"/>
+        <a:font script="Hans" typeface="宋体"/>
+        <a:font script="Hant" typeface="新細明體"/>
+        <a:font script="Arab" typeface="Times New Roman"/>
+        <a:font script="Hebr" typeface="Times New Roman"/>
+        <a:font script="Thai" typeface="Angsana New"/>
+        <a:font script="Ethi" typeface="Nyala"/>
+        <a:font script="Beng" typeface="Vrinda"/>
+        <a:font script="Gujr" typeface="Shruti"/>
+        <a:font script="Khmr" typeface="MoolBoran"/>
+        <a:font script="Knda" typeface="Tunga"/>
+        <a:font script="Guru" typeface="Raavi"/>
+        <a:font script="Cans" typeface="Euphemia"/>
+        <a:font script="Cher" typeface="Plantagenet Cherokee"/>
+        <a:font script="Yiii" typeface="Microsoft Yi Baiti"/>
+        <a:font script="Tibt" typeface="Microsoft Himalaya"/>
+        <a:font script="Thaa" typeface="MV Boli"/>
+        <a:font script="Deva" typeface="Mangal"/>
+        <a:font script="Telu" typeface="Gautami"/>
+        <a:font script="Taml" typeface="Latha"/>
+        <a:font script="Syrc" typeface="Estrangelo Edessa"/>
+        <a:font script="Orya" typeface="Kalinga"/>
+        <a:font script="Mlym" typeface="Kartika"/>
+        <a:font script="Laoo" typeface="DokChampa"/>
+        <a:font script="Sinh" typeface="Iskoola Pota"/>
+        <a:font script="Mong" typeface="Mongolian Baiti"/>
+        <a:font script="Viet" typeface="Times New Roman"/>
+        <a:font script="Uigh" typeface="Microsoft Uighur"/>
+      </a:majorFont>
+      <a:minorFont>
+        <a:latin typeface="Calibri"/>
+        <a:ea typeface=""/>
+        <a:cs typeface=""/>
+        <a:font script="Jpan" typeface="ＭＳ Ｐゴシック"/>
+        <a:font script="Hang" typeface="맑은 고딕"/>
+        <a:font script="Hans" typeface="宋体"/>
+        <a:font script="Hant" typeface="新細明體"/>
+        <a:font script="Arab" typeface="Arial"/>
+        <a:font script="Hebr" typeface="Arial"/>
+        <a:font script="Thai" typeface="Cordia New"/>
+        <a:font script="Ethi" typeface="Nyala"/>
+        <a:font script="Beng" typeface="Vrinda"/>
+        <a:font script="Gujr" typeface="Shruti"/>
+        <a:font script="Khmr" typeface="DaunPenh"/>
+        <a:font script="Knda" typeface="Tunga"/>
+        <a:font script="Guru" typeface="Raavi"/>
+        <a:font script="Cans" typeface="Euphemia"/>
+        <a:font script="Cher" typeface="Plantagenet Cherokee"/>
+        <a:font script="Yiii" typeface="Microsoft Yi Baiti"/>
+        <a:font script="Tibt" typeface="Microsoft Himalaya"/>
+        <a:font script="Thaa" typeface="MV Boli"/>
+        <a:font script="Deva" typeface="Mangal"/>
+        <a:font script="Telu" typeface="Gautami"/>
+        <a:font script="Taml" typeface="Latha"/>
+        <a:font script="Syrc" typeface="Estrangelo Edessa"/>
+        <a:font script="Orya" typeface="Kalinga"/>
+        <a:font script="Mlym" typeface="Kartika"/>
+        <a:font script="Laoo" typeface="DokChampa"/>
+        <a:font script="Sinh" typeface="Iskoola Pota"/>
+        <a:font script="Mong" typeface="Mongolian Baiti"/>
+        <a:font script="Viet" typeface="Arial"/>
+        <a:font script="Uigh" typeface="Microsoft Uighur"/>
+      </a:minorFont>
+    </a:fontScheme>
+    <a:fmtScheme name="Larissa">
+      <a:fillStyleLst>
+        <a:solidFill>
+          <a:schemeClr val="phClr"/>
+        </a:solidFill>
+        <a:gradFill rotWithShape="1">
+          <a:gsLst>
+            <a:gs pos="0">
+              <a:schemeClr val="phClr">
+                <a:tint val="50000"/>
+                <a:satMod val="300000"/>
+              </a:schemeClr>
+            </a:gs>
+            <a:gs pos="35000">
+              <a:schemeClr val="phClr">
+                <a:tint val="37000"/>
+                <a:satMod val="300000"/>
+              </a:schemeClr>
+            </a:gs>
+            <a:gs pos="100000">
+              <a:schemeClr val="phClr">
+                <a:tint val="15000"/>
+                <a:satMod val="350000"/>
+              </a:schemeClr>
+            </a:gs>
+          </a:gsLst>
+          <a:lin ang="16200000" scaled="1"/>
+        </a:gradFill>
+        <a:gradFill rotWithShape="1">
+          <a:gsLst>
+            <a:gs pos="0">
+              <a:schemeClr val="phClr">
+                <a:shade val="51000"/>
+                <a:satMod val="130000"/>
+              </a:schemeClr>
+            </a:gs>
+            <a:gs pos="80000">
+              <a:schemeClr val="phClr">
+                <a:shade val="93000"/>
+                <a:satMod val="130000"/>
+              </a:schemeClr>
+            </a:gs>
+            <a:gs pos="100000">
+              <a:schemeClr val="phClr">
+                <a:shade val="94000"/>
+                <a:satMod val="135000"/>
+              </a:schemeClr>
+            </a:gs>
+          </a:gsLst>
+          <a:lin ang="16200000" scaled="0"/>
+        </a:gradFill>
+      </a:fillStyleLst>
+      <a:lnStyleLst>
+        <a:ln w="9525" cap="flat" cmpd="sng" algn="ctr">
+          <a:solidFill>
+            <a:schemeClr val="phClr">
+              <a:shade val="95000"/>
+              <a:satMod val="105000"/>
+            </a:schemeClr>
+          </a:solidFill>
+          <a:prstDash val="solid"/>
+        </a:ln>
+        <a:ln w="25400" cap="flat" cmpd="sng" algn="ctr">
+          <a:solidFill>
+            <a:schemeClr val="phClr"/>
+          </a:solidFill>
+          <a:prstDash val="solid"/>
+        </a:ln>
+        <a:ln w="38100" cap="flat" cmpd="sng" algn="ctr">
+          <a:solidFill>
+            <a:schemeClr val="phClr"/>
+          </a:solidFill>
+          <a:prstDash val="solid"/>
+        </a:ln>
+      </a:lnStyleLst>
+      <a:effectStyleLst>
+        <a:effectStyle>
+          <a:effectLst>
+            <a:outerShdw blurRad="40000" dist="20000" dir="5400000" rotWithShape="0">
+              <a:srgbClr val="000000">
+                <a:alpha val="38000"/>
+              </a:srgbClr>
+            </a:outerShdw>
+          </a:effectLst>
+        </a:effectStyle>
+        <a:effectStyle>
+          <a:effectLst>
+            <a:outerShdw blurRad="40000" dist="23000" dir="5400000" rotWithShape="0">
+              <a:srgbClr val="000000">
+                <a:alpha val="35000"/>
+              </a:srgbClr>
+            </a:outerShdw>
+          </a:effectLst>
+        </a:effectStyle>
+        <a:effectStyle>
+          <a:effectLst>
+            <a:outerShdw blurRad="40000" dist="23000" dir="5400000" rotWithShape="0">
+              <a:srgbClr val="000000">
+                <a:alpha val="35000"/>
+              </a:srgbClr>
+            </a:outerShdw>
+          </a:effectLst>
+          <a:scene3d>
+            <a:camera prst="orthographicFront">
+              <a:rot lat="0" lon="0" rev="0"/>
+            </a:camera>
+            <a:lightRig rig="threePt" dir="t">
+              <a:rot lat="0" lon="0" rev="1200000"/>
+            </a:lightRig>
+          </a:scene3d>
+          <a:sp3d>
+            <a:bevelT w="63500" h="25400"/>
+          </a:sp3d>
+        </a:effectStyle>
+      </a:effectStyleLst>
+      <a:bgFillStyleLst>
+        <a:solidFill>
+          <a:schemeClr val="phClr"/>
+        </a:solidFill>
+        <a:gradFill rotWithShape="1">
+          <a:gsLst>
+            <a:gs pos="0">
+              <a:schemeClr val="phClr">
+                <a:tint val="40000"/>
+                <a:satMod val="350000"/>
+              </a:schemeClr>
+            </a:gs>
+            <a:gs pos="40000">
+              <a:schemeClr val="phClr">
+                <a:tint val="45000"/>
+                <a:shade val="99000"/>
+                <a:satMod val="350000"/>
+              </a:schemeClr>
+            </a:gs>
+            <a:gs pos="100000">
+              <a:schemeClr val="phClr">
+                <a:shade val="20000"/>
+                <a:satMod val="255000"/>
+              </a:schemeClr>
+            </a:gs>
+          </a:gsLst>
+          <a:path path="circle">
+            <a:fillToRect l="50000" t="-80000" r="50000" b="180000"/>
+          </a:path>
+        </a:gradFill>
+        <a:gradFill rotWithShape="1">
+          <a:gsLst>
+            <a:gs pos="0">
+              <a:schemeClr val="phClr">
+                <a:tint val="80000"/>
+                <a:satMod val="300000"/>
+              </a:schemeClr>
+            </a:gs>
+            <a:gs pos="100000">
+              <a:schemeClr val="phClr">
+                <a:shade val="30000"/>
+                <a:satMod val="200000"/>
+              </a:schemeClr>
+            </a:gs>
+          </a:gsLst>
+          <a:path path="circle">
+            <a:fillToRect l="50000" t="50000" r="50000" b="50000"/>
+          </a:path>
+        </a:gradFill>
+      </a:bgFillStyleLst>
+    </a:fmtScheme>
+  </a:themeElements>
+  <a:objectDefaults/>
+  <a:extraClrSchemeLst/>
+</a:theme>
 </file>
--- a/presentation/Jan Egil Ring & Øyvind Kallstad - Containers - Where is my PowerShell.pptx
+++ b/presentation/Jan Egil Ring & Øyvind Kallstad - Containers - Where is my PowerShell.pptx
@@ -8,10 +8,10 @@
     <p:sldMasterId id="2147483814" r:id="rId4"/>
   </p:sldMasterIdLst>
   <p:notesMasterIdLst>
-    <p:notesMasterId r:id="rId12"/>
+    <p:notesMasterId r:id="rId14"/>
   </p:notesMasterIdLst>
   <p:handoutMasterIdLst>
-    <p:handoutMasterId r:id="rId13"/>
+    <p:handoutMasterId r:id="rId15"/>
   </p:handoutMasterIdLst>
   <p:sldIdLst>
     <p:sldId id="320" r:id="rId5"/>
@@ -21,6 +21,8 @@
     <p:sldId id="321" r:id="rId9"/>
     <p:sldId id="313" r:id="rId10"/>
     <p:sldId id="314" r:id="rId11"/>
+    <p:sldId id="322" r:id="rId12"/>
+    <p:sldId id="323" r:id="rId13"/>
   </p:sldIdLst>
   <p:sldSz cx="9144000" cy="6858000" type="screen4x3"/>
   <p:notesSz cx="7099300" cy="10234613"/>
@@ -1473,6 +1475,96 @@
 </p:notes>
 </file>
 
+<file path=ppt/notesSlides/notesSlide3.xml><?xml version="1.0" encoding="utf-8"?>
+<p:notes xmlns:a="http://schemas.openxmlformats.org/drawingml/2006/main" xmlns:r="http://schemas.openxmlformats.org/officeDocument/2006/relationships" xmlns:p="http://schemas.openxmlformats.org/presentationml/2006/main">
+  <p:cSld>
+    <p:spTree>
+      <p:nvGrpSpPr>
+        <p:cNvPr id="1" name=""/>
+        <p:cNvGrpSpPr/>
+        <p:nvPr/>
+      </p:nvGrpSpPr>
+      <p:grpSpPr>
+        <a:xfrm>
+          <a:off x="0" y="0"/>
+          <a:ext cx="0" cy="0"/>
+          <a:chOff x="0" y="0"/>
+          <a:chExt cx="0" cy="0"/>
+        </a:xfrm>
+      </p:grpSpPr>
+      <p:sp>
+        <p:nvSpPr>
+          <p:cNvPr id="2" name="Slide Image Placeholder 1"/>
+          <p:cNvSpPr>
+            <a:spLocks noGrp="1" noRot="1" noChangeAspect="1"/>
+          </p:cNvSpPr>
+          <p:nvPr>
+            <p:ph type="sldImg"/>
+          </p:nvPr>
+        </p:nvSpPr>
+        <p:spPr/>
+      </p:sp>
+      <p:sp>
+        <p:nvSpPr>
+          <p:cNvPr id="3" name="Notes Placeholder 2"/>
+          <p:cNvSpPr>
+            <a:spLocks noGrp="1"/>
+          </p:cNvSpPr>
+          <p:nvPr>
+            <p:ph type="body" idx="1"/>
+          </p:nvPr>
+        </p:nvSpPr>
+        <p:spPr/>
+        <p:txBody>
+          <a:bodyPr/>
+          <a:lstStyle/>
+          <a:p>
+            <a:endParaRPr lang="nb-NO" dirty="0"/>
+          </a:p>
+        </p:txBody>
+      </p:sp>
+      <p:sp>
+        <p:nvSpPr>
+          <p:cNvPr id="4" name="Slide Number Placeholder 3"/>
+          <p:cNvSpPr>
+            <a:spLocks noGrp="1"/>
+          </p:cNvSpPr>
+          <p:nvPr>
+            <p:ph type="sldNum" sz="quarter" idx="10"/>
+          </p:nvPr>
+        </p:nvSpPr>
+        <p:spPr/>
+        <p:txBody>
+          <a:bodyPr/>
+          <a:lstStyle/>
+          <a:p>
+            <a:pPr>
+              <a:defRPr/>
+            </a:pPr>
+            <a:fld id="{0C6D6275-D5B4-459A-B2A3-212CA60D2300}" type="slidenum">
+              <a:rPr lang="de-DE" smtClean="0"/>
+              <a:pPr>
+                <a:defRPr/>
+              </a:pPr>
+              <a:t>9</a:t>
+            </a:fld>
+            <a:endParaRPr lang="de-DE"/>
+          </a:p>
+        </p:txBody>
+      </p:sp>
+    </p:spTree>
+    <p:extLst>
+      <p:ext uri="{BB962C8B-B14F-4D97-AF65-F5344CB8AC3E}">
+        <p14:creationId xmlns:p14="http://schemas.microsoft.com/office/powerpoint/2010/main" val="2658013310"/>
+      </p:ext>
+    </p:extLst>
+  </p:cSld>
+  <p:clrMapOvr>
+    <a:masterClrMapping/>
+  </p:clrMapOvr>
+</p:notes>
+</file>
+
 <file path=ppt/slideLayouts/slideLayout1.xml><?xml version="1.0" encoding="utf-8"?>
 <p:sldLayout xmlns:a="http://schemas.openxmlformats.org/drawingml/2006/main" xmlns:r="http://schemas.openxmlformats.org/officeDocument/2006/relationships" xmlns:p="http://schemas.openxmlformats.org/presentationml/2006/main" showMasterSp="0" preserve="1" userDrawn="1">
   <p:cSld name="Presentation Start">
@@ -6504,7 +6596,7 @@
         </p:blipFill>
         <p:spPr>
           <a:xfrm>
-            <a:off x="5292080" y="2814110"/>
+            <a:off x="4932040" y="3284984"/>
             <a:ext cx="2523809" cy="1600000"/>
           </a:xfrm>
           <a:prstGeom prst="rect">
@@ -6534,7 +6626,7 @@
         </p:blipFill>
         <p:spPr>
           <a:xfrm>
-            <a:off x="971600" y="2890301"/>
+            <a:off x="1259632" y="2561174"/>
             <a:ext cx="2857143" cy="1447619"/>
           </a:xfrm>
           <a:prstGeom prst="rect">
@@ -6935,6 +7027,216 @@
       </p:transition>
     </mc:Fallback>
   </mc:AlternateContent>
+</p:sld>
+</file>
+
+<file path=ppt/slides/slide8.xml><?xml version="1.0" encoding="utf-8"?>
+<p:sld xmlns:a="http://schemas.openxmlformats.org/drawingml/2006/main" xmlns:r="http://schemas.openxmlformats.org/officeDocument/2006/relationships" xmlns:p="http://schemas.openxmlformats.org/presentationml/2006/main">
+  <p:cSld>
+    <p:spTree>
+      <p:nvGrpSpPr>
+        <p:cNvPr id="1" name=""/>
+        <p:cNvGrpSpPr/>
+        <p:nvPr/>
+      </p:nvGrpSpPr>
+      <p:grpSpPr>
+        <a:xfrm>
+          <a:off x="0" y="0"/>
+          <a:ext cx="0" cy="0"/>
+          <a:chOff x="0" y="0"/>
+          <a:chExt cx="0" cy="0"/>
+        </a:xfrm>
+      </p:grpSpPr>
+      <p:sp>
+        <p:nvSpPr>
+          <p:cNvPr id="4" name="Title 3">
+            <a:extLst>
+              <a:ext uri="{FF2B5EF4-FFF2-40B4-BE49-F238E27FC236}">
+                <a16:creationId xmlns:a16="http://schemas.microsoft.com/office/drawing/2014/main" id="{5B3791DC-CC8E-4BAB-AD42-092137756F12}"/>
+              </a:ext>
+            </a:extLst>
+          </p:cNvPr>
+          <p:cNvSpPr>
+            <a:spLocks noGrp="1"/>
+          </p:cNvSpPr>
+          <p:nvPr>
+            <p:ph type="title"/>
+          </p:nvPr>
+        </p:nvSpPr>
+        <p:spPr/>
+        <p:txBody>
+          <a:bodyPr/>
+          <a:lstStyle/>
+          <a:p>
+            <a:r>
+              <a:rPr lang="nb-NO" dirty="0"/>
+              <a:t>Bonus </a:t>
+            </a:r>
+            <a:r>
+              <a:rPr lang="nb-NO" dirty="0" err="1"/>
+              <a:t>tip</a:t>
+            </a:r>
+            <a:r>
+              <a:rPr lang="nb-NO" dirty="0"/>
+              <a:t>: VS Code </a:t>
+            </a:r>
+            <a:r>
+              <a:rPr lang="nb-NO" dirty="0" err="1"/>
+              <a:t>Extension</a:t>
+            </a:r>
+            <a:r>
+              <a:rPr lang="nb-NO" dirty="0"/>
+              <a:t> for </a:t>
+            </a:r>
+            <a:r>
+              <a:rPr lang="nb-NO" dirty="0" err="1"/>
+              <a:t>Docker</a:t>
+            </a:r>
+            <a:endParaRPr lang="nb-NO" dirty="0"/>
+          </a:p>
+        </p:txBody>
+      </p:sp>
+      <p:pic>
+        <p:nvPicPr>
+          <p:cNvPr id="5" name="Picture 4">
+            <a:extLst>
+              <a:ext uri="{FF2B5EF4-FFF2-40B4-BE49-F238E27FC236}">
+                <a16:creationId xmlns:a16="http://schemas.microsoft.com/office/drawing/2014/main" id="{25C2959F-B91E-42E1-A91F-4A5AFE476845}"/>
+              </a:ext>
+            </a:extLst>
+          </p:cNvPr>
+          <p:cNvPicPr>
+            <a:picLocks noChangeAspect="1"/>
+          </p:cNvPicPr>
+          <p:nvPr/>
+        </p:nvPicPr>
+        <p:blipFill>
+          <a:blip r:embed="rId2"/>
+          <a:stretch>
+            <a:fillRect/>
+          </a:stretch>
+        </p:blipFill>
+        <p:spPr>
+          <a:xfrm>
+            <a:off x="971600" y="1988840"/>
+            <a:ext cx="6561905" cy="3990476"/>
+          </a:xfrm>
+          <a:prstGeom prst="rect">
+            <a:avLst/>
+          </a:prstGeom>
+        </p:spPr>
+      </p:pic>
+    </p:spTree>
+    <p:extLst>
+      <p:ext uri="{BB962C8B-B14F-4D97-AF65-F5344CB8AC3E}">
+        <p14:creationId xmlns:p14="http://schemas.microsoft.com/office/powerpoint/2010/main" val="3101990871"/>
+      </p:ext>
+    </p:extLst>
+  </p:cSld>
+  <p:clrMapOvr>
+    <a:masterClrMapping/>
+  </p:clrMapOvr>
+</p:sld>
+</file>
+
+<file path=ppt/slides/slide9.xml><?xml version="1.0" encoding="utf-8"?>
+<p:sld xmlns:a="http://schemas.openxmlformats.org/drawingml/2006/main" xmlns:r="http://schemas.openxmlformats.org/officeDocument/2006/relationships" xmlns:p="http://schemas.openxmlformats.org/presentationml/2006/main">
+  <p:cSld>
+    <p:spTree>
+      <p:nvGrpSpPr>
+        <p:cNvPr id="1" name=""/>
+        <p:cNvGrpSpPr/>
+        <p:nvPr/>
+      </p:nvGrpSpPr>
+      <p:grpSpPr>
+        <a:xfrm>
+          <a:off x="0" y="0"/>
+          <a:ext cx="0" cy="0"/>
+          <a:chOff x="0" y="0"/>
+          <a:chExt cx="0" cy="0"/>
+        </a:xfrm>
+      </p:grpSpPr>
+      <p:sp>
+        <p:nvSpPr>
+          <p:cNvPr id="2" name="Title 1">
+            <a:extLst>
+              <a:ext uri="{FF2B5EF4-FFF2-40B4-BE49-F238E27FC236}">
+                <a16:creationId xmlns:a16="http://schemas.microsoft.com/office/drawing/2014/main" id="{EB1673A5-9906-4874-913C-0D8CCBCBE0BD}"/>
+              </a:ext>
+            </a:extLst>
+          </p:cNvPr>
+          <p:cNvSpPr>
+            <a:spLocks noGrp="1"/>
+          </p:cNvSpPr>
+          <p:nvPr>
+            <p:ph type="title"/>
+          </p:nvPr>
+        </p:nvSpPr>
+        <p:spPr/>
+        <p:txBody>
+          <a:bodyPr/>
+          <a:lstStyle/>
+          <a:p>
+            <a:r>
+              <a:rPr lang="nb-NO" dirty="0"/>
+              <a:t>VS Code </a:t>
+            </a:r>
+            <a:r>
+              <a:rPr lang="nb-NO" dirty="0" err="1"/>
+              <a:t>Extension</a:t>
+            </a:r>
+            <a:r>
+              <a:rPr lang="nb-NO" dirty="0"/>
+              <a:t> for </a:t>
+            </a:r>
+            <a:r>
+              <a:rPr lang="nb-NO" dirty="0" err="1"/>
+              <a:t>Docker</a:t>
+            </a:r>
+            <a:endParaRPr lang="nb-NO" dirty="0"/>
+          </a:p>
+        </p:txBody>
+      </p:sp>
+      <p:pic>
+        <p:nvPicPr>
+          <p:cNvPr id="3" name="Picture 2">
+            <a:extLst>
+              <a:ext uri="{FF2B5EF4-FFF2-40B4-BE49-F238E27FC236}">
+                <a16:creationId xmlns:a16="http://schemas.microsoft.com/office/drawing/2014/main" id="{C18D52DD-5CB6-49D8-A55F-61CB6B8100AC}"/>
+              </a:ext>
+            </a:extLst>
+          </p:cNvPr>
+          <p:cNvPicPr>
+            <a:picLocks noChangeAspect="1"/>
+          </p:cNvPicPr>
+          <p:nvPr/>
+        </p:nvPicPr>
+        <p:blipFill>
+          <a:blip r:embed="rId3"/>
+          <a:stretch>
+            <a:fillRect/>
+          </a:stretch>
+        </p:blipFill>
+        <p:spPr>
+          <a:xfrm>
+            <a:off x="683568" y="1844824"/>
+            <a:ext cx="7400000" cy="4219048"/>
+          </a:xfrm>
+          <a:prstGeom prst="rect">
+            <a:avLst/>
+          </a:prstGeom>
+        </p:spPr>
+      </p:pic>
+    </p:spTree>
+    <p:extLst>
+      <p:ext uri="{BB962C8B-B14F-4D97-AF65-F5344CB8AC3E}">
+        <p14:creationId xmlns:p14="http://schemas.microsoft.com/office/powerpoint/2010/main" val="29313995"/>
+      </p:ext>
+    </p:extLst>
+  </p:cSld>
+  <p:clrMapOvr>
+    <a:masterClrMapping/>
+  </p:clrMapOvr>
 </p:sld>
 </file>
 

--- a/presentation/Jan Egil Ring & Øyvind Kallstad - Containers - Where is my PowerShell.pptx
+++ b/presentation/Jan Egil Ring & Øyvind Kallstad - Containers - Where is my PowerShell.pptx
@@ -8,21 +8,22 @@
     <p:sldMasterId id="2147483814" r:id="rId4"/>
   </p:sldMasterIdLst>
   <p:notesMasterIdLst>
-    <p:notesMasterId r:id="rId14"/>
+    <p:notesMasterId r:id="rId15"/>
   </p:notesMasterIdLst>
   <p:handoutMasterIdLst>
-    <p:handoutMasterId r:id="rId15"/>
+    <p:handoutMasterId r:id="rId16"/>
   </p:handoutMasterIdLst>
   <p:sldIdLst>
     <p:sldId id="320" r:id="rId5"/>
     <p:sldId id="305" r:id="rId6"/>
     <p:sldId id="310" r:id="rId7"/>
-    <p:sldId id="302" r:id="rId8"/>
-    <p:sldId id="321" r:id="rId9"/>
-    <p:sldId id="313" r:id="rId10"/>
-    <p:sldId id="314" r:id="rId11"/>
-    <p:sldId id="322" r:id="rId12"/>
-    <p:sldId id="323" r:id="rId13"/>
+    <p:sldId id="324" r:id="rId8"/>
+    <p:sldId id="302" r:id="rId9"/>
+    <p:sldId id="321" r:id="rId10"/>
+    <p:sldId id="313" r:id="rId11"/>
+    <p:sldId id="314" r:id="rId12"/>
+    <p:sldId id="322" r:id="rId13"/>
+    <p:sldId id="323" r:id="rId14"/>
   </p:sldIdLst>
   <p:sldSz cx="9144000" cy="6858000" type="screen4x3"/>
   <p:notesSz cx="7099300" cy="10234613"/>
@@ -1296,140 +1297,8 @@
           <a:p>
             <a:r>
               <a:rPr lang="nb-NO" dirty="0"/>
-              <a:t>function Get-ContactInfo {</a:t>
-            </a:r>
-          </a:p>
-          <a:p>
-            <a:endParaRPr lang="nb-NO" dirty="0"/>
-          </a:p>
-          <a:p>
-            <a:r>
-              <a:rPr lang="nb-NO" dirty="0"/>
-              <a:t>[pscustomobject] @{</a:t>
-            </a:r>
-          </a:p>
-          <a:p>
-            <a:r>
-              <a:rPr lang="nb-NO" dirty="0"/>
-              <a:t>Name = ' Jan Egil Ring '</a:t>
-            </a:r>
-          </a:p>
-          <a:p>
-            <a:r>
-              <a:rPr lang="nb-NO" dirty="0"/>
-              <a:t>'E-mail ' = ' jan.egil.ring@crayon.com'</a:t>
-            </a:r>
-          </a:p>
-          <a:p>
-            <a:r>
-              <a:rPr lang="nb-NO" dirty="0"/>
-              <a:t>Twitter = ' @JanEgilRing '</a:t>
-            </a:r>
-          </a:p>
-          <a:p>
-            <a:r>
-              <a:rPr lang="nb-NO" dirty="0"/>
-              <a:t>Website = @('www.powershell.no’)  </a:t>
-            </a:r>
-          </a:p>
-          <a:p>
-            <a:r>
-              <a:rPr lang="nb-NO" dirty="0"/>
-              <a:t>  } | Format-List</a:t>
-            </a:r>
-          </a:p>
-          <a:p>
-            <a:endParaRPr lang="nb-NO" dirty="0"/>
-          </a:p>
-          <a:p>
-            <a:endParaRPr lang="nb-NO" dirty="0"/>
-          </a:p>
-          <a:p>
-            <a:r>
-              <a:rPr lang="nb-NO" dirty="0"/>
-              <a:t>} </a:t>
-            </a:r>
-          </a:p>
-          <a:p>
-            <a:endParaRPr lang="nb-NO" dirty="0"/>
-          </a:p>
-          <a:p>
-            <a:r>
-              <a:rPr lang="nb-NO" dirty="0"/>
-              <a:t>function Get-ContactInfo {</a:t>
-            </a:r>
-          </a:p>
-          <a:p>
-            <a:endParaRPr lang="nb-NO" dirty="0"/>
-          </a:p>
-          <a:p>
-            <a:r>
-              <a:rPr lang="nb-NO" dirty="0"/>
-              <a:t>[pscustomobject] @{</a:t>
-            </a:r>
-          </a:p>
-          <a:p>
-            <a:r>
-              <a:rPr lang="nb-NO" dirty="0"/>
-              <a:t>Name = ‘ Øyvind Kallstad'</a:t>
-            </a:r>
-          </a:p>
-          <a:p>
-            <a:r>
-              <a:rPr lang="nb-NO" dirty="0"/>
-              <a:t>'E-mail ' = ‘ okallstad@gmail.com'</a:t>
-            </a:r>
-          </a:p>
-          <a:p>
-            <a:r>
-              <a:rPr lang="nb-NO" dirty="0"/>
-              <a:t>Twitter = ‘ @OKallstad'</a:t>
-            </a:r>
-          </a:p>
-          <a:p>
-            <a:r>
-              <a:rPr lang="nb-NO" dirty="0"/>
-              <a:t>Website = @(‘communary.net’)  </a:t>
-            </a:r>
-          </a:p>
-          <a:p>
-            <a:r>
-              <a:rPr lang="nb-NO" dirty="0"/>
-              <a:t>  } | Format-List</a:t>
-            </a:r>
-          </a:p>
-          <a:p>
-            <a:endParaRPr lang="nb-NO" dirty="0"/>
-          </a:p>
-          <a:p>
-            <a:endParaRPr lang="nb-NO" dirty="0"/>
-          </a:p>
-          <a:p>
-            <a:r>
-              <a:rPr lang="nb-NO" dirty="0"/>
-              <a:t>} </a:t>
-            </a:r>
-          </a:p>
-          <a:p>
-            <a:endParaRPr lang="nb-NO" dirty="0"/>
-          </a:p>
-          <a:p>
-            <a:endParaRPr lang="nb-NO" dirty="0"/>
-          </a:p>
-          <a:p>
-            <a:endParaRPr lang="nb-NO" dirty="0"/>
-          </a:p>
-          <a:p>
-            <a:r>
-              <a:rPr lang="nb-NO" dirty="0"/>
-              <a:t>Get-ContactInfo</a:t>
-            </a:r>
-          </a:p>
-          <a:p>
-            <a:endParaRPr lang="nb-NO" dirty="0"/>
-          </a:p>
-          <a:p>
-            <a:endParaRPr lang="nb-NO" dirty="0"/>
+              <a:t>PowerShell inside containers, exception: GUI-based cmdlets such as Out-GridView won`t work since containers is headless.</a:t>
+            </a:r>
           </a:p>
         </p:txBody>
       </p:sp>
@@ -1465,7 +1334,7 @@
     </p:spTree>
     <p:extLst>
       <p:ext uri="{BB962C8B-B14F-4D97-AF65-F5344CB8AC3E}">
-        <p14:creationId xmlns:p14="http://schemas.microsoft.com/office/powerpoint/2010/main" val="3419093838"/>
+        <p14:creationId xmlns:p14="http://schemas.microsoft.com/office/powerpoint/2010/main" val="1760773078"/>
       </p:ext>
     </p:extLst>
   </p:cSld>
@@ -1519,6 +1388,141 @@
           <a:bodyPr/>
           <a:lstStyle/>
           <a:p>
+            <a:r>
+              <a:rPr lang="nb-NO" dirty="0"/>
+              <a:t>function Get-ContactInfo {</a:t>
+            </a:r>
+          </a:p>
+          <a:p>
+            <a:endParaRPr lang="nb-NO" dirty="0"/>
+          </a:p>
+          <a:p>
+            <a:r>
+              <a:rPr lang="nb-NO" dirty="0"/>
+              <a:t>[pscustomobject] @{</a:t>
+            </a:r>
+          </a:p>
+          <a:p>
+            <a:r>
+              <a:rPr lang="nb-NO" dirty="0"/>
+              <a:t>Name = ' Jan Egil Ring '</a:t>
+            </a:r>
+          </a:p>
+          <a:p>
+            <a:r>
+              <a:rPr lang="nb-NO" dirty="0"/>
+              <a:t>'E-mail ' = ' jan.egil.ring@crayon.com'</a:t>
+            </a:r>
+          </a:p>
+          <a:p>
+            <a:r>
+              <a:rPr lang="nb-NO" dirty="0"/>
+              <a:t>Twitter = ' @JanEgilRing '</a:t>
+            </a:r>
+          </a:p>
+          <a:p>
+            <a:r>
+              <a:rPr lang="nb-NO" dirty="0"/>
+              <a:t>Website = @('www.powershell.no’)  </a:t>
+            </a:r>
+          </a:p>
+          <a:p>
+            <a:r>
+              <a:rPr lang="nb-NO" dirty="0"/>
+              <a:t>  } | Format-List</a:t>
+            </a:r>
+          </a:p>
+          <a:p>
+            <a:endParaRPr lang="nb-NO" dirty="0"/>
+          </a:p>
+          <a:p>
+            <a:endParaRPr lang="nb-NO" dirty="0"/>
+          </a:p>
+          <a:p>
+            <a:r>
+              <a:rPr lang="nb-NO" dirty="0"/>
+              <a:t>} </a:t>
+            </a:r>
+          </a:p>
+          <a:p>
+            <a:endParaRPr lang="nb-NO" dirty="0"/>
+          </a:p>
+          <a:p>
+            <a:r>
+              <a:rPr lang="nb-NO" dirty="0"/>
+              <a:t>function Get-ContactInfo {</a:t>
+            </a:r>
+          </a:p>
+          <a:p>
+            <a:endParaRPr lang="nb-NO" dirty="0"/>
+          </a:p>
+          <a:p>
+            <a:r>
+              <a:rPr lang="nb-NO" dirty="0"/>
+              <a:t>[pscustomobject] @{</a:t>
+            </a:r>
+          </a:p>
+          <a:p>
+            <a:r>
+              <a:rPr lang="nb-NO" dirty="0"/>
+              <a:t>Name = ‘ Øyvind Kallstad'</a:t>
+            </a:r>
+          </a:p>
+          <a:p>
+            <a:r>
+              <a:rPr lang="nb-NO" dirty="0"/>
+              <a:t>'E-mail ' = ‘ okallstad@gmail.com'</a:t>
+            </a:r>
+          </a:p>
+          <a:p>
+            <a:r>
+              <a:rPr lang="nb-NO" dirty="0"/>
+              <a:t>Twitter = ‘ @OKallstad'</a:t>
+            </a:r>
+          </a:p>
+          <a:p>
+            <a:r>
+              <a:rPr lang="nb-NO" dirty="0"/>
+              <a:t>Website = @(‘communary.net’)  </a:t>
+            </a:r>
+          </a:p>
+          <a:p>
+            <a:r>
+              <a:rPr lang="nb-NO" dirty="0"/>
+              <a:t>  } | Format-List</a:t>
+            </a:r>
+          </a:p>
+          <a:p>
+            <a:endParaRPr lang="nb-NO" dirty="0"/>
+          </a:p>
+          <a:p>
+            <a:endParaRPr lang="nb-NO" dirty="0"/>
+          </a:p>
+          <a:p>
+            <a:r>
+              <a:rPr lang="nb-NO" dirty="0"/>
+              <a:t>} </a:t>
+            </a:r>
+          </a:p>
+          <a:p>
+            <a:endParaRPr lang="nb-NO" dirty="0"/>
+          </a:p>
+          <a:p>
+            <a:endParaRPr lang="nb-NO" dirty="0"/>
+          </a:p>
+          <a:p>
+            <a:endParaRPr lang="nb-NO" dirty="0"/>
+          </a:p>
+          <a:p>
+            <a:r>
+              <a:rPr lang="nb-NO" dirty="0"/>
+              <a:t>Get-ContactInfo</a:t>
+            </a:r>
+          </a:p>
+          <a:p>
+            <a:endParaRPr lang="nb-NO" dirty="0"/>
+          </a:p>
+          <a:p>
             <a:endParaRPr lang="nb-NO" dirty="0"/>
           </a:p>
         </p:txBody>
@@ -1546,7 +1550,97 @@
               <a:pPr>
                 <a:defRPr/>
               </a:pPr>
-              <a:t>9</a:t>
+              <a:t>6</a:t>
+            </a:fld>
+            <a:endParaRPr lang="de-DE"/>
+          </a:p>
+        </p:txBody>
+      </p:sp>
+    </p:spTree>
+    <p:extLst>
+      <p:ext uri="{BB962C8B-B14F-4D97-AF65-F5344CB8AC3E}">
+        <p14:creationId xmlns:p14="http://schemas.microsoft.com/office/powerpoint/2010/main" val="3419093838"/>
+      </p:ext>
+    </p:extLst>
+  </p:cSld>
+  <p:clrMapOvr>
+    <a:masterClrMapping/>
+  </p:clrMapOvr>
+</p:notes>
+</file>
+
+<file path=ppt/notesSlides/notesSlide4.xml><?xml version="1.0" encoding="utf-8"?>
+<p:notes xmlns:a="http://schemas.openxmlformats.org/drawingml/2006/main" xmlns:r="http://schemas.openxmlformats.org/officeDocument/2006/relationships" xmlns:p="http://schemas.openxmlformats.org/presentationml/2006/main">
+  <p:cSld>
+    <p:spTree>
+      <p:nvGrpSpPr>
+        <p:cNvPr id="1" name=""/>
+        <p:cNvGrpSpPr/>
+        <p:nvPr/>
+      </p:nvGrpSpPr>
+      <p:grpSpPr>
+        <a:xfrm>
+          <a:off x="0" y="0"/>
+          <a:ext cx="0" cy="0"/>
+          <a:chOff x="0" y="0"/>
+          <a:chExt cx="0" cy="0"/>
+        </a:xfrm>
+      </p:grpSpPr>
+      <p:sp>
+        <p:nvSpPr>
+          <p:cNvPr id="2" name="Slide Image Placeholder 1"/>
+          <p:cNvSpPr>
+            <a:spLocks noGrp="1" noRot="1" noChangeAspect="1"/>
+          </p:cNvSpPr>
+          <p:nvPr>
+            <p:ph type="sldImg"/>
+          </p:nvPr>
+        </p:nvSpPr>
+        <p:spPr/>
+      </p:sp>
+      <p:sp>
+        <p:nvSpPr>
+          <p:cNvPr id="3" name="Notes Placeholder 2"/>
+          <p:cNvSpPr>
+            <a:spLocks noGrp="1"/>
+          </p:cNvSpPr>
+          <p:nvPr>
+            <p:ph type="body" idx="1"/>
+          </p:nvPr>
+        </p:nvSpPr>
+        <p:spPr/>
+        <p:txBody>
+          <a:bodyPr/>
+          <a:lstStyle/>
+          <a:p>
+            <a:endParaRPr lang="nb-NO" dirty="0"/>
+          </a:p>
+        </p:txBody>
+      </p:sp>
+      <p:sp>
+        <p:nvSpPr>
+          <p:cNvPr id="4" name="Slide Number Placeholder 3"/>
+          <p:cNvSpPr>
+            <a:spLocks noGrp="1"/>
+          </p:cNvSpPr>
+          <p:nvPr>
+            <p:ph type="sldNum" sz="quarter" idx="10"/>
+          </p:nvPr>
+        </p:nvSpPr>
+        <p:spPr/>
+        <p:txBody>
+          <a:bodyPr/>
+          <a:lstStyle/>
+          <a:p>
+            <a:pPr>
+              <a:defRPr/>
+            </a:pPr>
+            <a:fld id="{0C6D6275-D5B4-459A-B2A3-212CA60D2300}" type="slidenum">
+              <a:rPr lang="de-DE" smtClean="0"/>
+              <a:pPr>
+                <a:defRPr/>
+              </a:pPr>
+              <a:t>10</a:t>
             </a:fld>
             <a:endParaRPr lang="de-DE"/>
           </a:p>
@@ -6220,6 +6314,107 @@
 </p:sld>
 </file>
 
+<file path=ppt/slides/slide10.xml><?xml version="1.0" encoding="utf-8"?>
+<p:sld xmlns:a="http://schemas.openxmlformats.org/drawingml/2006/main" xmlns:r="http://schemas.openxmlformats.org/officeDocument/2006/relationships" xmlns:p="http://schemas.openxmlformats.org/presentationml/2006/main">
+  <p:cSld>
+    <p:spTree>
+      <p:nvGrpSpPr>
+        <p:cNvPr id="1" name=""/>
+        <p:cNvGrpSpPr/>
+        <p:nvPr/>
+      </p:nvGrpSpPr>
+      <p:grpSpPr>
+        <a:xfrm>
+          <a:off x="0" y="0"/>
+          <a:ext cx="0" cy="0"/>
+          <a:chOff x="0" y="0"/>
+          <a:chExt cx="0" cy="0"/>
+        </a:xfrm>
+      </p:grpSpPr>
+      <p:sp>
+        <p:nvSpPr>
+          <p:cNvPr id="2" name="Title 1">
+            <a:extLst>
+              <a:ext uri="{FF2B5EF4-FFF2-40B4-BE49-F238E27FC236}">
+                <a16:creationId xmlns:a16="http://schemas.microsoft.com/office/drawing/2014/main" id="{EB1673A5-9906-4874-913C-0D8CCBCBE0BD}"/>
+              </a:ext>
+            </a:extLst>
+          </p:cNvPr>
+          <p:cNvSpPr>
+            <a:spLocks noGrp="1"/>
+          </p:cNvSpPr>
+          <p:nvPr>
+            <p:ph type="title"/>
+          </p:nvPr>
+        </p:nvSpPr>
+        <p:spPr/>
+        <p:txBody>
+          <a:bodyPr/>
+          <a:lstStyle/>
+          <a:p>
+            <a:r>
+              <a:rPr lang="nb-NO" dirty="0"/>
+              <a:t>VS Code </a:t>
+            </a:r>
+            <a:r>
+              <a:rPr lang="nb-NO" dirty="0" err="1"/>
+              <a:t>Extension</a:t>
+            </a:r>
+            <a:r>
+              <a:rPr lang="nb-NO" dirty="0"/>
+              <a:t> for </a:t>
+            </a:r>
+            <a:r>
+              <a:rPr lang="nb-NO" dirty="0" err="1"/>
+              <a:t>Docker</a:t>
+            </a:r>
+            <a:endParaRPr lang="nb-NO" dirty="0"/>
+          </a:p>
+        </p:txBody>
+      </p:sp>
+      <p:pic>
+        <p:nvPicPr>
+          <p:cNvPr id="3" name="Picture 2">
+            <a:extLst>
+              <a:ext uri="{FF2B5EF4-FFF2-40B4-BE49-F238E27FC236}">
+                <a16:creationId xmlns:a16="http://schemas.microsoft.com/office/drawing/2014/main" id="{C18D52DD-5CB6-49D8-A55F-61CB6B8100AC}"/>
+              </a:ext>
+            </a:extLst>
+          </p:cNvPr>
+          <p:cNvPicPr>
+            <a:picLocks noChangeAspect="1"/>
+          </p:cNvPicPr>
+          <p:nvPr/>
+        </p:nvPicPr>
+        <p:blipFill>
+          <a:blip r:embed="rId3"/>
+          <a:stretch>
+            <a:fillRect/>
+          </a:stretch>
+        </p:blipFill>
+        <p:spPr>
+          <a:xfrm>
+            <a:off x="683568" y="1844824"/>
+            <a:ext cx="7400000" cy="4219048"/>
+          </a:xfrm>
+          <a:prstGeom prst="rect">
+            <a:avLst/>
+          </a:prstGeom>
+        </p:spPr>
+      </p:pic>
+    </p:spTree>
+    <p:extLst>
+      <p:ext uri="{BB962C8B-B14F-4D97-AF65-F5344CB8AC3E}">
+        <p14:creationId xmlns:p14="http://schemas.microsoft.com/office/powerpoint/2010/main" val="29313995"/>
+      </p:ext>
+    </p:extLst>
+  </p:cSld>
+  <p:clrMapOvr>
+    <a:masterClrMapping/>
+  </p:clrMapOvr>
+</p:sld>
+</file>
+
 <file path=ppt/slides/slide2.xml><?xml version="1.0" encoding="utf-8"?>
 <p:sld xmlns:a="http://schemas.openxmlformats.org/drawingml/2006/main" xmlns:r="http://schemas.openxmlformats.org/officeDocument/2006/relationships" xmlns:p="http://schemas.openxmlformats.org/presentationml/2006/main">
   <p:cSld>
@@ -6440,37 +6635,13 @@
       </p:grpSpPr>
       <p:sp>
         <p:nvSpPr>
-          <p:cNvPr id="2" name="Titel 1"/>
-          <p:cNvSpPr>
-            <a:spLocks noGrp="1"/>
-          </p:cNvSpPr>
-          <p:nvPr>
-            <p:ph type="title"/>
-          </p:nvPr>
-        </p:nvSpPr>
-        <p:spPr>
-          <a:xfrm>
-            <a:off x="0" y="908720"/>
-            <a:ext cx="9144000" cy="792088"/>
-          </a:xfrm>
-          <a:prstGeom prst="rect">
-            <a:avLst/>
-          </a:prstGeom>
-        </p:spPr>
-        <p:txBody>
-          <a:bodyPr/>
-          <a:lstStyle/>
-          <a:p>
-            <a:r>
-              <a:rPr lang="de-DE" dirty="0"/>
-              <a:t>Summary</a:t>
-            </a:r>
-          </a:p>
-        </p:txBody>
-      </p:sp>
-      <p:sp>
-        <p:nvSpPr>
-          <p:cNvPr id="3" name="Inhaltsplatzhalter 2"/>
+          <p:cNvPr id="2" name="Content Placeholder 1">
+            <a:extLst>
+              <a:ext uri="{FF2B5EF4-FFF2-40B4-BE49-F238E27FC236}">
+                <a16:creationId xmlns:a16="http://schemas.microsoft.com/office/drawing/2014/main" id="{B072218A-73DC-4F2A-A7FE-C25C2A27822F}"/>
+              </a:ext>
+            </a:extLst>
+          </p:cNvPr>
           <p:cNvSpPr>
             <a:spLocks noGrp="1"/>
           </p:cNvSpPr>
@@ -6485,27 +6656,49 @@
           <a:p>
             <a:r>
               <a:rPr lang="de-DE" dirty="0"/>
-              <a:t>PowerShell is great for managing containers</a:t>
+              <a:t>PSDockerTools – new community-based module</a:t>
             </a:r>
           </a:p>
           <a:p>
             <a:pPr lvl="1"/>
             <a:r>
-              <a:rPr lang="de-DE" dirty="0"/>
-              <a:t>PSDockerTools – new community-based module</a:t>
-            </a:r>
-          </a:p>
-          <a:p>
-            <a:r>
-              <a:rPr lang="de-DE" dirty="0"/>
-              <a:t>PowerShell can be used inside containers</a:t>
+              <a:rPr lang="nb-NO" dirty="0"/>
+              <a:t>Go or no-go?</a:t>
             </a:r>
           </a:p>
           <a:p>
             <a:pPr lvl="1"/>
             <a:r>
-              <a:rPr lang="de-DE" dirty="0"/>
-              <a:t>Use PowerShell Core to also be able to leverage PowerShell inside Linux and Nano Server containers</a:t>
+              <a:rPr lang="nb-NO" dirty="0"/>
+              <a:t>Are there any value in creating a «proper» Docker module for PowerShell, or will most people use the native Docker CLI (docker.exe) anyway?</a:t>
+            </a:r>
+          </a:p>
+        </p:txBody>
+      </p:sp>
+      <p:sp>
+        <p:nvSpPr>
+          <p:cNvPr id="3" name="Title 2">
+            <a:extLst>
+              <a:ext uri="{FF2B5EF4-FFF2-40B4-BE49-F238E27FC236}">
+                <a16:creationId xmlns:a16="http://schemas.microsoft.com/office/drawing/2014/main" id="{B4491BC5-6A93-47B1-87E9-1ABFD684BC40}"/>
+              </a:ext>
+            </a:extLst>
+          </p:cNvPr>
+          <p:cNvSpPr>
+            <a:spLocks noGrp="1"/>
+          </p:cNvSpPr>
+          <p:nvPr>
+            <p:ph type="title"/>
+          </p:nvPr>
+        </p:nvSpPr>
+        <p:spPr/>
+        <p:txBody>
+          <a:bodyPr/>
+          <a:lstStyle/>
+          <a:p>
+            <a:r>
+              <a:rPr lang="nb-NO" dirty="0"/>
+              <a:t>Discussion point</a:t>
             </a:r>
           </a:p>
         </p:txBody>
@@ -6513,7 +6706,7 @@
     </p:spTree>
     <p:extLst>
       <p:ext uri="{BB962C8B-B14F-4D97-AF65-F5344CB8AC3E}">
-        <p14:creationId xmlns:p14="http://schemas.microsoft.com/office/powerpoint/2010/main" val="3109724331"/>
+        <p14:creationId xmlns:p14="http://schemas.microsoft.com/office/powerpoint/2010/main" val="1768448564"/>
       </p:ext>
     </p:extLst>
   </p:cSld>
@@ -6522,12 +6715,12 @@
   </p:clrMapOvr>
   <mc:AlternateContent xmlns:mc="http://schemas.openxmlformats.org/markup-compatibility/2006" xmlns:p14="http://schemas.microsoft.com/office/powerpoint/2010/main">
     <mc:Choice Requires="p14">
-      <p:transition spd="med" p14:dur="700">
-        <p:fade/>
+      <p:transition spd="slow" p14:dur="1300">
+        <p14:pan dir="u"/>
       </p:transition>
     </mc:Choice>
     <mc:Fallback xmlns="">
-      <p:transition spd="med">
+      <p:transition spd="slow">
         <p:fade/>
       </p:transition>
     </mc:Fallback>
@@ -6554,7 +6747,7 @@
       </p:grpSpPr>
       <p:sp>
         <p:nvSpPr>
-          <p:cNvPr id="3" name="Titel 2"/>
+          <p:cNvPr id="2" name="Titel 1"/>
           <p:cNvSpPr>
             <a:spLocks noGrp="1"/>
           </p:cNvSpPr>
@@ -6562,82 +6755,86 @@
             <p:ph type="title"/>
           </p:nvPr>
         </p:nvSpPr>
-        <p:spPr/>
-        <p:txBody>
-          <a:bodyPr/>
-          <a:lstStyle/>
-          <a:p>
-            <a:r>
-              <a:rPr lang="de-DE" dirty="0"/>
-              <a:t>about_Author</a:t>
-            </a:r>
-          </a:p>
-        </p:txBody>
-      </p:sp>
-      <p:pic>
-        <p:nvPicPr>
-          <p:cNvPr id="2" name="Picture 1">
-            <a:extLst>
-              <a:ext uri="{FF2B5EF4-FFF2-40B4-BE49-F238E27FC236}">
-                <a16:creationId xmlns:a16="http://schemas.microsoft.com/office/drawing/2014/main" id="{630BA343-5889-45F5-985A-BD2B11F86064}"/>
-              </a:ext>
-            </a:extLst>
-          </p:cNvPr>
-          <p:cNvPicPr>
-            <a:picLocks noChangeAspect="1"/>
-          </p:cNvPicPr>
-          <p:nvPr/>
-        </p:nvPicPr>
-        <p:blipFill>
-          <a:blip r:embed="rId3"/>
-          <a:stretch>
-            <a:fillRect/>
-          </a:stretch>
-        </p:blipFill>
         <p:spPr>
           <a:xfrm>
-            <a:off x="4932040" y="3284984"/>
-            <a:ext cx="2523809" cy="1600000"/>
+            <a:off x="0" y="908720"/>
+            <a:ext cx="9144000" cy="792088"/>
           </a:xfrm>
           <a:prstGeom prst="rect">
             <a:avLst/>
           </a:prstGeom>
         </p:spPr>
-      </p:pic>
-      <p:pic>
-        <p:nvPicPr>
-          <p:cNvPr id="7" name="Picture 6">
-            <a:extLst>
-              <a:ext uri="{FF2B5EF4-FFF2-40B4-BE49-F238E27FC236}">
-                <a16:creationId xmlns:a16="http://schemas.microsoft.com/office/drawing/2014/main" id="{083999F6-60D7-4146-A6FB-69525AC2A831}"/>
-              </a:ext>
-            </a:extLst>
-          </p:cNvPr>
-          <p:cNvPicPr>
-            <a:picLocks noChangeAspect="1"/>
-          </p:cNvPicPr>
-          <p:nvPr/>
-        </p:nvPicPr>
-        <p:blipFill>
-          <a:blip r:embed="rId4"/>
-          <a:stretch>
-            <a:fillRect/>
-          </a:stretch>
-        </p:blipFill>
-        <p:spPr>
-          <a:xfrm>
-            <a:off x="1259632" y="2561174"/>
-            <a:ext cx="2857143" cy="1447619"/>
-          </a:xfrm>
-          <a:prstGeom prst="rect">
-            <a:avLst/>
-          </a:prstGeom>
-        </p:spPr>
-      </p:pic>
+        <p:txBody>
+          <a:bodyPr/>
+          <a:lstStyle/>
+          <a:p>
+            <a:r>
+              <a:rPr lang="de-DE" dirty="0"/>
+              <a:t>Summary</a:t>
+            </a:r>
+          </a:p>
+        </p:txBody>
+      </p:sp>
+      <p:sp>
+        <p:nvSpPr>
+          <p:cNvPr id="3" name="Inhaltsplatzhalter 2"/>
+          <p:cNvSpPr>
+            <a:spLocks noGrp="1"/>
+          </p:cNvSpPr>
+          <p:nvPr>
+            <p:ph idx="1"/>
+          </p:nvPr>
+        </p:nvSpPr>
+        <p:spPr/>
+        <p:txBody>
+          <a:bodyPr/>
+          <a:lstStyle/>
+          <a:p>
+            <a:r>
+              <a:rPr lang="de-DE" dirty="0"/>
+              <a:t>PowerShell is great for managing containers</a:t>
+            </a:r>
+          </a:p>
+          <a:p>
+            <a:pPr lvl="1"/>
+            <a:r>
+              <a:rPr lang="de-DE" dirty="0"/>
+              <a:t>ConvertFrom-Json is your friend</a:t>
+            </a:r>
+          </a:p>
+          <a:p>
+            <a:pPr lvl="1"/>
+            <a:r>
+              <a:rPr lang="de-DE" dirty="0"/>
+              <a:t>PowerShell can be the glue for integrations</a:t>
+            </a:r>
+          </a:p>
+          <a:p>
+            <a:r>
+              <a:rPr lang="de-DE" dirty="0"/>
+              <a:t>PowerShell can be used inside containers</a:t>
+            </a:r>
+          </a:p>
+          <a:p>
+            <a:pPr lvl="1"/>
+            <a:r>
+              <a:rPr lang="de-DE" dirty="0"/>
+              <a:t>“ Business as usual“ – can be used like we are used to</a:t>
+            </a:r>
+          </a:p>
+          <a:p>
+            <a:pPr lvl="1"/>
+            <a:r>
+              <a:rPr lang="de-DE" dirty="0"/>
+              <a:t>With PowerShell Core, it is also possible to leverage PowerShell inside Linux and Nano Server containers</a:t>
+            </a:r>
+          </a:p>
+        </p:txBody>
+      </p:sp>
     </p:spTree>
     <p:extLst>
       <p:ext uri="{BB962C8B-B14F-4D97-AF65-F5344CB8AC3E}">
-        <p14:creationId xmlns:p14="http://schemas.microsoft.com/office/powerpoint/2010/main" val="4266886937"/>
+        <p14:creationId xmlns:p14="http://schemas.microsoft.com/office/powerpoint/2010/main" val="3109724331"/>
       </p:ext>
     </p:extLst>
   </p:cSld>
@@ -6678,226 +6875,6 @@
       </p:grpSpPr>
       <p:sp>
         <p:nvSpPr>
-          <p:cNvPr id="2" name="Inhaltsplatzhalter 1"/>
-          <p:cNvSpPr>
-            <a:spLocks noGrp="1"/>
-          </p:cNvSpPr>
-          <p:nvPr>
-            <p:ph idx="1"/>
-          </p:nvPr>
-        </p:nvSpPr>
-        <p:spPr/>
-        <p:txBody>
-          <a:bodyPr/>
-          <a:lstStyle/>
-          <a:p>
-            <a:r>
-              <a:rPr lang="de-DE" dirty="0" err="1"/>
-              <a:t>Now</a:t>
-            </a:r>
-            <a:r>
-              <a:rPr lang="de-DE" dirty="0"/>
-              <a:t>: 15 min break</a:t>
-            </a:r>
-          </a:p>
-          <a:p>
-            <a:endParaRPr lang="de-DE" dirty="0"/>
-          </a:p>
-          <a:p>
-            <a:r>
-              <a:rPr lang="de-DE" dirty="0"/>
-              <a:t>Grab a </a:t>
-            </a:r>
-            <a:r>
-              <a:rPr lang="de-DE" dirty="0" err="1"/>
-              <a:t>coffee</a:t>
-            </a:r>
-            <a:endParaRPr lang="de-DE" dirty="0"/>
-          </a:p>
-          <a:p>
-            <a:r>
-              <a:rPr lang="de-DE" dirty="0" err="1"/>
-              <a:t>Stay</a:t>
-            </a:r>
-            <a:r>
-              <a:rPr lang="de-DE" dirty="0"/>
-              <a:t> </a:t>
-            </a:r>
-            <a:r>
-              <a:rPr lang="de-DE" dirty="0" err="1"/>
-              <a:t>here</a:t>
-            </a:r>
-            <a:r>
-              <a:rPr lang="de-DE" dirty="0"/>
-              <a:t> </a:t>
-            </a:r>
-            <a:r>
-              <a:rPr lang="de-DE" dirty="0" err="1"/>
-              <a:t>to</a:t>
-            </a:r>
-            <a:r>
-              <a:rPr lang="de-DE" dirty="0"/>
-              <a:t> </a:t>
-            </a:r>
-            <a:r>
-              <a:rPr lang="de-DE" dirty="0" err="1"/>
-              <a:t>enjoy</a:t>
-            </a:r>
-            <a:r>
-              <a:rPr lang="de-DE" dirty="0"/>
-              <a:t> </a:t>
-            </a:r>
-            <a:r>
-              <a:rPr lang="de-DE" dirty="0" err="1"/>
-              <a:t>next</a:t>
-            </a:r>
-            <a:r>
-              <a:rPr lang="de-DE" dirty="0"/>
-              <a:t> </a:t>
-            </a:r>
-            <a:r>
-              <a:rPr lang="de-DE" dirty="0" err="1"/>
-              <a:t>presentation</a:t>
-            </a:r>
-            <a:endParaRPr lang="de-DE" dirty="0"/>
-          </a:p>
-          <a:p>
-            <a:r>
-              <a:rPr lang="de-DE" dirty="0"/>
-              <a:t>Change </a:t>
-            </a:r>
-            <a:r>
-              <a:rPr lang="de-DE" dirty="0" err="1"/>
-              <a:t>track</a:t>
-            </a:r>
-            <a:r>
-              <a:rPr lang="de-DE" dirty="0"/>
-              <a:t> </a:t>
-            </a:r>
-            <a:r>
-              <a:rPr lang="de-DE" dirty="0" err="1"/>
-              <a:t>and</a:t>
-            </a:r>
-            <a:r>
-              <a:rPr lang="de-DE" dirty="0"/>
-              <a:t> </a:t>
-            </a:r>
-            <a:r>
-              <a:rPr lang="de-DE" dirty="0" err="1"/>
-              <a:t>switch</a:t>
-            </a:r>
-            <a:r>
-              <a:rPr lang="de-DE" dirty="0"/>
-              <a:t> </a:t>
-            </a:r>
-            <a:r>
-              <a:rPr lang="de-DE" dirty="0" err="1"/>
-              <a:t>to</a:t>
-            </a:r>
-            <a:r>
-              <a:rPr lang="de-DE" dirty="0"/>
-              <a:t> </a:t>
-            </a:r>
-            <a:r>
-              <a:rPr lang="de-DE" dirty="0" err="1"/>
-              <a:t>another</a:t>
-            </a:r>
-            <a:r>
-              <a:rPr lang="de-DE" dirty="0"/>
-              <a:t> </a:t>
-            </a:r>
-            <a:r>
-              <a:rPr lang="de-DE" dirty="0" err="1"/>
-              <a:t>room</a:t>
-            </a:r>
-            <a:endParaRPr lang="de-DE" dirty="0"/>
-          </a:p>
-          <a:p>
-            <a:endParaRPr lang="de-DE" dirty="0"/>
-          </a:p>
-          <a:p>
-            <a:r>
-              <a:rPr lang="de-DE" dirty="0" err="1"/>
-              <a:t>Ask</a:t>
-            </a:r>
-            <a:r>
-              <a:rPr lang="de-DE" dirty="0"/>
-              <a:t> </a:t>
-            </a:r>
-            <a:r>
-              <a:rPr lang="de-DE" dirty="0" err="1"/>
-              <a:t>me</a:t>
-            </a:r>
-            <a:r>
-              <a:rPr lang="de-DE" dirty="0"/>
-              <a:t> </a:t>
-            </a:r>
-            <a:r>
-              <a:rPr lang="de-DE" dirty="0" err="1"/>
-              <a:t>questions</a:t>
-            </a:r>
-            <a:r>
-              <a:rPr lang="de-DE" dirty="0"/>
-              <a:t> </a:t>
-            </a:r>
-            <a:r>
-              <a:rPr lang="de-DE" dirty="0" err="1"/>
-              <a:t>or</a:t>
-            </a:r>
-            <a:r>
-              <a:rPr lang="de-DE" dirty="0"/>
-              <a:t> </a:t>
-            </a:r>
-            <a:r>
-              <a:rPr lang="de-DE" dirty="0" err="1"/>
-              <a:t>meet</a:t>
-            </a:r>
-            <a:r>
-              <a:rPr lang="de-DE" dirty="0"/>
-              <a:t> </a:t>
-            </a:r>
-            <a:r>
-              <a:rPr lang="de-DE" dirty="0" err="1"/>
-              <a:t>me</a:t>
-            </a:r>
-            <a:r>
-              <a:rPr lang="de-DE" dirty="0"/>
-              <a:t> in a </a:t>
-            </a:r>
-            <a:r>
-              <a:rPr lang="de-DE" dirty="0" err="1"/>
-              <a:t>breakout</a:t>
-            </a:r>
-            <a:r>
-              <a:rPr lang="de-DE" dirty="0"/>
-              <a:t> </a:t>
-            </a:r>
-            <a:r>
-              <a:rPr lang="de-DE" dirty="0" err="1"/>
-              <a:t>session</a:t>
-            </a:r>
-            <a:r>
-              <a:rPr lang="de-DE" dirty="0"/>
-              <a:t> </a:t>
-            </a:r>
-            <a:r>
-              <a:rPr lang="de-DE" dirty="0" err="1"/>
-              <a:t>room</a:t>
-            </a:r>
-            <a:r>
-              <a:rPr lang="de-DE" dirty="0"/>
-              <a:t> </a:t>
-            </a:r>
-            <a:r>
-              <a:rPr lang="de-DE" dirty="0" err="1"/>
-              <a:t>afterwards</a:t>
-            </a:r>
-            <a:endParaRPr lang="de-DE" dirty="0"/>
-          </a:p>
-        </p:txBody>
-      </p:sp>
-      <p:sp>
-        <p:nvSpPr>
           <p:cNvPr id="3" name="Titel 2"/>
           <p:cNvSpPr>
             <a:spLocks noGrp="1"/>
@@ -6913,15 +6890,75 @@
           <a:p>
             <a:r>
               <a:rPr lang="de-DE" dirty="0"/>
-              <a:t>Next Steps</a:t>
+              <a:t>about_Author</a:t>
             </a:r>
           </a:p>
         </p:txBody>
       </p:sp>
+      <p:pic>
+        <p:nvPicPr>
+          <p:cNvPr id="2" name="Picture 1">
+            <a:extLst>
+              <a:ext uri="{FF2B5EF4-FFF2-40B4-BE49-F238E27FC236}">
+                <a16:creationId xmlns:a16="http://schemas.microsoft.com/office/drawing/2014/main" id="{630BA343-5889-45F5-985A-BD2B11F86064}"/>
+              </a:ext>
+            </a:extLst>
+          </p:cNvPr>
+          <p:cNvPicPr>
+            <a:picLocks noChangeAspect="1"/>
+          </p:cNvPicPr>
+          <p:nvPr/>
+        </p:nvPicPr>
+        <p:blipFill>
+          <a:blip r:embed="rId3"/>
+          <a:stretch>
+            <a:fillRect/>
+          </a:stretch>
+        </p:blipFill>
+        <p:spPr>
+          <a:xfrm>
+            <a:off x="5004048" y="3573016"/>
+            <a:ext cx="3024336" cy="1917315"/>
+          </a:xfrm>
+          <a:prstGeom prst="rect">
+            <a:avLst/>
+          </a:prstGeom>
+        </p:spPr>
+      </p:pic>
+      <p:pic>
+        <p:nvPicPr>
+          <p:cNvPr id="7" name="Picture 6">
+            <a:extLst>
+              <a:ext uri="{FF2B5EF4-FFF2-40B4-BE49-F238E27FC236}">
+                <a16:creationId xmlns:a16="http://schemas.microsoft.com/office/drawing/2014/main" id="{083999F6-60D7-4146-A6FB-69525AC2A831}"/>
+              </a:ext>
+            </a:extLst>
+          </p:cNvPr>
+          <p:cNvPicPr>
+            <a:picLocks noChangeAspect="1"/>
+          </p:cNvPicPr>
+          <p:nvPr/>
+        </p:nvPicPr>
+        <p:blipFill>
+          <a:blip r:embed="rId4"/>
+          <a:stretch>
+            <a:fillRect/>
+          </a:stretch>
+        </p:blipFill>
+        <p:spPr>
+          <a:xfrm>
+            <a:off x="683568" y="2060848"/>
+            <a:ext cx="3553027" cy="1800200"/>
+          </a:xfrm>
+          <a:prstGeom prst="rect">
+            <a:avLst/>
+          </a:prstGeom>
+        </p:spPr>
+      </p:pic>
     </p:spTree>
     <p:extLst>
       <p:ext uri="{BB962C8B-B14F-4D97-AF65-F5344CB8AC3E}">
-        <p14:creationId xmlns:p14="http://schemas.microsoft.com/office/powerpoint/2010/main" val="3397310615"/>
+        <p14:creationId xmlns:p14="http://schemas.microsoft.com/office/powerpoint/2010/main" val="4266886937"/>
       </p:ext>
     </p:extLst>
   </p:cSld>
@@ -6962,7 +6999,227 @@
       </p:grpSpPr>
       <p:sp>
         <p:nvSpPr>
-          <p:cNvPr id="2" name="Titel 1"/>
+          <p:cNvPr id="2" name="Inhaltsplatzhalter 1"/>
+          <p:cNvSpPr>
+            <a:spLocks noGrp="1"/>
+          </p:cNvSpPr>
+          <p:nvPr>
+            <p:ph idx="1"/>
+          </p:nvPr>
+        </p:nvSpPr>
+        <p:spPr/>
+        <p:txBody>
+          <a:bodyPr/>
+          <a:lstStyle/>
+          <a:p>
+            <a:r>
+              <a:rPr lang="de-DE" dirty="0" err="1"/>
+              <a:t>Now</a:t>
+            </a:r>
+            <a:r>
+              <a:rPr lang="de-DE" dirty="0"/>
+              <a:t>: 15 min break</a:t>
+            </a:r>
+          </a:p>
+          <a:p>
+            <a:endParaRPr lang="de-DE" dirty="0"/>
+          </a:p>
+          <a:p>
+            <a:r>
+              <a:rPr lang="de-DE" dirty="0"/>
+              <a:t>Grab a </a:t>
+            </a:r>
+            <a:r>
+              <a:rPr lang="de-DE" dirty="0" err="1"/>
+              <a:t>coffee</a:t>
+            </a:r>
+            <a:endParaRPr lang="de-DE" dirty="0"/>
+          </a:p>
+          <a:p>
+            <a:r>
+              <a:rPr lang="de-DE" dirty="0" err="1"/>
+              <a:t>Stay</a:t>
+            </a:r>
+            <a:r>
+              <a:rPr lang="de-DE" dirty="0"/>
+              <a:t> </a:t>
+            </a:r>
+            <a:r>
+              <a:rPr lang="de-DE" dirty="0" err="1"/>
+              <a:t>here</a:t>
+            </a:r>
+            <a:r>
+              <a:rPr lang="de-DE" dirty="0"/>
+              <a:t> </a:t>
+            </a:r>
+            <a:r>
+              <a:rPr lang="de-DE" dirty="0" err="1"/>
+              <a:t>to</a:t>
+            </a:r>
+            <a:r>
+              <a:rPr lang="de-DE" dirty="0"/>
+              <a:t> </a:t>
+            </a:r>
+            <a:r>
+              <a:rPr lang="de-DE" dirty="0" err="1"/>
+              <a:t>enjoy</a:t>
+            </a:r>
+            <a:r>
+              <a:rPr lang="de-DE" dirty="0"/>
+              <a:t> </a:t>
+            </a:r>
+            <a:r>
+              <a:rPr lang="de-DE" dirty="0" err="1"/>
+              <a:t>next</a:t>
+            </a:r>
+            <a:r>
+              <a:rPr lang="de-DE" dirty="0"/>
+              <a:t> </a:t>
+            </a:r>
+            <a:r>
+              <a:rPr lang="de-DE" dirty="0" err="1"/>
+              <a:t>presentation</a:t>
+            </a:r>
+            <a:endParaRPr lang="de-DE" dirty="0"/>
+          </a:p>
+          <a:p>
+            <a:r>
+              <a:rPr lang="de-DE" dirty="0"/>
+              <a:t>Change </a:t>
+            </a:r>
+            <a:r>
+              <a:rPr lang="de-DE" dirty="0" err="1"/>
+              <a:t>track</a:t>
+            </a:r>
+            <a:r>
+              <a:rPr lang="de-DE" dirty="0"/>
+              <a:t> </a:t>
+            </a:r>
+            <a:r>
+              <a:rPr lang="de-DE" dirty="0" err="1"/>
+              <a:t>and</a:t>
+            </a:r>
+            <a:r>
+              <a:rPr lang="de-DE" dirty="0"/>
+              <a:t> </a:t>
+            </a:r>
+            <a:r>
+              <a:rPr lang="de-DE" dirty="0" err="1"/>
+              <a:t>switch</a:t>
+            </a:r>
+            <a:r>
+              <a:rPr lang="de-DE" dirty="0"/>
+              <a:t> </a:t>
+            </a:r>
+            <a:r>
+              <a:rPr lang="de-DE" dirty="0" err="1"/>
+              <a:t>to</a:t>
+            </a:r>
+            <a:r>
+              <a:rPr lang="de-DE" dirty="0"/>
+              <a:t> </a:t>
+            </a:r>
+            <a:r>
+              <a:rPr lang="de-DE" dirty="0" err="1"/>
+              <a:t>another</a:t>
+            </a:r>
+            <a:r>
+              <a:rPr lang="de-DE" dirty="0"/>
+              <a:t> </a:t>
+            </a:r>
+            <a:r>
+              <a:rPr lang="de-DE" dirty="0" err="1"/>
+              <a:t>room</a:t>
+            </a:r>
+            <a:endParaRPr lang="de-DE" dirty="0"/>
+          </a:p>
+          <a:p>
+            <a:endParaRPr lang="de-DE" dirty="0"/>
+          </a:p>
+          <a:p>
+            <a:r>
+              <a:rPr lang="de-DE" dirty="0" err="1"/>
+              <a:t>Ask</a:t>
+            </a:r>
+            <a:r>
+              <a:rPr lang="de-DE" dirty="0"/>
+              <a:t> </a:t>
+            </a:r>
+            <a:r>
+              <a:rPr lang="de-DE" dirty="0" err="1"/>
+              <a:t>me</a:t>
+            </a:r>
+            <a:r>
+              <a:rPr lang="de-DE" dirty="0"/>
+              <a:t> </a:t>
+            </a:r>
+            <a:r>
+              <a:rPr lang="de-DE" dirty="0" err="1"/>
+              <a:t>questions</a:t>
+            </a:r>
+            <a:r>
+              <a:rPr lang="de-DE" dirty="0"/>
+              <a:t> </a:t>
+            </a:r>
+            <a:r>
+              <a:rPr lang="de-DE" dirty="0" err="1"/>
+              <a:t>or</a:t>
+            </a:r>
+            <a:r>
+              <a:rPr lang="de-DE" dirty="0"/>
+              <a:t> </a:t>
+            </a:r>
+            <a:r>
+              <a:rPr lang="de-DE" dirty="0" err="1"/>
+              <a:t>meet</a:t>
+            </a:r>
+            <a:r>
+              <a:rPr lang="de-DE" dirty="0"/>
+              <a:t> </a:t>
+            </a:r>
+            <a:r>
+              <a:rPr lang="de-DE" dirty="0" err="1"/>
+              <a:t>me</a:t>
+            </a:r>
+            <a:r>
+              <a:rPr lang="de-DE" dirty="0"/>
+              <a:t> in a </a:t>
+            </a:r>
+            <a:r>
+              <a:rPr lang="de-DE" dirty="0" err="1"/>
+              <a:t>breakout</a:t>
+            </a:r>
+            <a:r>
+              <a:rPr lang="de-DE" dirty="0"/>
+              <a:t> </a:t>
+            </a:r>
+            <a:r>
+              <a:rPr lang="de-DE" dirty="0" err="1"/>
+              <a:t>session</a:t>
+            </a:r>
+            <a:r>
+              <a:rPr lang="de-DE" dirty="0"/>
+              <a:t> </a:t>
+            </a:r>
+            <a:r>
+              <a:rPr lang="de-DE" dirty="0" err="1"/>
+              <a:t>room</a:t>
+            </a:r>
+            <a:r>
+              <a:rPr lang="de-DE" dirty="0"/>
+              <a:t> </a:t>
+            </a:r>
+            <a:r>
+              <a:rPr lang="de-DE" dirty="0" err="1"/>
+              <a:t>afterwards</a:t>
+            </a:r>
+            <a:endParaRPr lang="de-DE" dirty="0"/>
+          </a:p>
+        </p:txBody>
+      </p:sp>
+      <p:sp>
+        <p:nvSpPr>
+          <p:cNvPr id="3" name="Titel 2"/>
           <p:cNvSpPr>
             <a:spLocks noGrp="1"/>
           </p:cNvSpPr>
@@ -6976,39 +7233,16 @@
           <a:lstStyle/>
           <a:p>
             <a:r>
-              <a:rPr lang="de-DE" dirty="0" err="1"/>
-              <a:t>Questions</a:t>
-            </a:r>
-            <a:r>
               <a:rPr lang="de-DE" dirty="0"/>
-              <a:t>?</a:t>
-            </a:r>
-          </a:p>
-        </p:txBody>
-      </p:sp>
-      <p:sp>
-        <p:nvSpPr>
-          <p:cNvPr id="3" name="Textplatzhalter 2"/>
-          <p:cNvSpPr>
-            <a:spLocks noGrp="1"/>
-          </p:cNvSpPr>
-          <p:nvPr>
-            <p:ph type="body" idx="1"/>
-          </p:nvPr>
-        </p:nvSpPr>
-        <p:spPr/>
-        <p:txBody>
-          <a:bodyPr/>
-          <a:lstStyle/>
-          <a:p>
-            <a:endParaRPr lang="de-DE" dirty="0"/>
+              <a:t>Next Steps</a:t>
+            </a:r>
           </a:p>
         </p:txBody>
       </p:sp>
     </p:spTree>
     <p:extLst>
       <p:ext uri="{BB962C8B-B14F-4D97-AF65-F5344CB8AC3E}">
-        <p14:creationId xmlns:p14="http://schemas.microsoft.com/office/powerpoint/2010/main" val="4184402693"/>
+        <p14:creationId xmlns:p14="http://schemas.microsoft.com/office/powerpoint/2010/main" val="3397310615"/>
       </p:ext>
     </p:extLst>
   </p:cSld>
@@ -7049,6 +7283,93 @@
       </p:grpSpPr>
       <p:sp>
         <p:nvSpPr>
+          <p:cNvPr id="2" name="Titel 1"/>
+          <p:cNvSpPr>
+            <a:spLocks noGrp="1"/>
+          </p:cNvSpPr>
+          <p:nvPr>
+            <p:ph type="title"/>
+          </p:nvPr>
+        </p:nvSpPr>
+        <p:spPr/>
+        <p:txBody>
+          <a:bodyPr/>
+          <a:lstStyle/>
+          <a:p>
+            <a:r>
+              <a:rPr lang="de-DE" dirty="0" err="1"/>
+              <a:t>Questions</a:t>
+            </a:r>
+            <a:r>
+              <a:rPr lang="de-DE" dirty="0"/>
+              <a:t>?</a:t>
+            </a:r>
+          </a:p>
+        </p:txBody>
+      </p:sp>
+      <p:sp>
+        <p:nvSpPr>
+          <p:cNvPr id="3" name="Textplatzhalter 2"/>
+          <p:cNvSpPr>
+            <a:spLocks noGrp="1"/>
+          </p:cNvSpPr>
+          <p:nvPr>
+            <p:ph type="body" idx="1"/>
+          </p:nvPr>
+        </p:nvSpPr>
+        <p:spPr/>
+        <p:txBody>
+          <a:bodyPr/>
+          <a:lstStyle/>
+          <a:p>
+            <a:endParaRPr lang="de-DE" dirty="0"/>
+          </a:p>
+        </p:txBody>
+      </p:sp>
+    </p:spTree>
+    <p:extLst>
+      <p:ext uri="{BB962C8B-B14F-4D97-AF65-F5344CB8AC3E}">
+        <p14:creationId xmlns:p14="http://schemas.microsoft.com/office/powerpoint/2010/main" val="4184402693"/>
+      </p:ext>
+    </p:extLst>
+  </p:cSld>
+  <p:clrMapOvr>
+    <a:masterClrMapping/>
+  </p:clrMapOvr>
+  <mc:AlternateContent xmlns:mc="http://schemas.openxmlformats.org/markup-compatibility/2006" xmlns:p14="http://schemas.microsoft.com/office/powerpoint/2010/main">
+    <mc:Choice Requires="p14">
+      <p:transition spd="med" p14:dur="700">
+        <p:fade/>
+      </p:transition>
+    </mc:Choice>
+    <mc:Fallback xmlns="">
+      <p:transition spd="med">
+        <p:fade/>
+      </p:transition>
+    </mc:Fallback>
+  </mc:AlternateContent>
+</p:sld>
+</file>
+
+<file path=ppt/slides/slide9.xml><?xml version="1.0" encoding="utf-8"?>
+<p:sld xmlns:a="http://schemas.openxmlformats.org/drawingml/2006/main" xmlns:r="http://schemas.openxmlformats.org/officeDocument/2006/relationships" xmlns:p="http://schemas.openxmlformats.org/presentationml/2006/main">
+  <p:cSld>
+    <p:spTree>
+      <p:nvGrpSpPr>
+        <p:cNvPr id="1" name=""/>
+        <p:cNvGrpSpPr/>
+        <p:nvPr/>
+      </p:nvGrpSpPr>
+      <p:grpSpPr>
+        <a:xfrm>
+          <a:off x="0" y="0"/>
+          <a:ext cx="0" cy="0"/>
+          <a:chOff x="0" y="0"/>
+          <a:chExt cx="0" cy="0"/>
+        </a:xfrm>
+      </p:grpSpPr>
+      <p:sp>
+        <p:nvSpPr>
           <p:cNvPr id="4" name="Title 3">
             <a:extLst>
               <a:ext uri="{FF2B5EF4-FFF2-40B4-BE49-F238E27FC236}">
@@ -7130,107 +7451,6 @@
     <p:extLst>
       <p:ext uri="{BB962C8B-B14F-4D97-AF65-F5344CB8AC3E}">
         <p14:creationId xmlns:p14="http://schemas.microsoft.com/office/powerpoint/2010/main" val="3101990871"/>
-      </p:ext>
-    </p:extLst>
-  </p:cSld>
-  <p:clrMapOvr>
-    <a:masterClrMapping/>
-  </p:clrMapOvr>
-</p:sld>
-</file>
-
-<file path=ppt/slides/slide9.xml><?xml version="1.0" encoding="utf-8"?>
-<p:sld xmlns:a="http://schemas.openxmlformats.org/drawingml/2006/main" xmlns:r="http://schemas.openxmlformats.org/officeDocument/2006/relationships" xmlns:p="http://schemas.openxmlformats.org/presentationml/2006/main">
-  <p:cSld>
-    <p:spTree>
-      <p:nvGrpSpPr>
-        <p:cNvPr id="1" name=""/>
-        <p:cNvGrpSpPr/>
-        <p:nvPr/>
-      </p:nvGrpSpPr>
-      <p:grpSpPr>
-        <a:xfrm>
-          <a:off x="0" y="0"/>
-          <a:ext cx="0" cy="0"/>
-          <a:chOff x="0" y="0"/>
-          <a:chExt cx="0" cy="0"/>
-        </a:xfrm>
-      </p:grpSpPr>
-      <p:sp>
-        <p:nvSpPr>
-          <p:cNvPr id="2" name="Title 1">
-            <a:extLst>
-              <a:ext uri="{FF2B5EF4-FFF2-40B4-BE49-F238E27FC236}">
-                <a16:creationId xmlns:a16="http://schemas.microsoft.com/office/drawing/2014/main" id="{EB1673A5-9906-4874-913C-0D8CCBCBE0BD}"/>
-              </a:ext>
-            </a:extLst>
-          </p:cNvPr>
-          <p:cNvSpPr>
-            <a:spLocks noGrp="1"/>
-          </p:cNvSpPr>
-          <p:nvPr>
-            <p:ph type="title"/>
-          </p:nvPr>
-        </p:nvSpPr>
-        <p:spPr/>
-        <p:txBody>
-          <a:bodyPr/>
-          <a:lstStyle/>
-          <a:p>
-            <a:r>
-              <a:rPr lang="nb-NO" dirty="0"/>
-              <a:t>VS Code </a:t>
-            </a:r>
-            <a:r>
-              <a:rPr lang="nb-NO" dirty="0" err="1"/>
-              <a:t>Extension</a:t>
-            </a:r>
-            <a:r>
-              <a:rPr lang="nb-NO" dirty="0"/>
-              <a:t> for </a:t>
-            </a:r>
-            <a:r>
-              <a:rPr lang="nb-NO" dirty="0" err="1"/>
-              <a:t>Docker</a:t>
-            </a:r>
-            <a:endParaRPr lang="nb-NO" dirty="0"/>
-          </a:p>
-        </p:txBody>
-      </p:sp>
-      <p:pic>
-        <p:nvPicPr>
-          <p:cNvPr id="3" name="Picture 2">
-            <a:extLst>
-              <a:ext uri="{FF2B5EF4-FFF2-40B4-BE49-F238E27FC236}">
-                <a16:creationId xmlns:a16="http://schemas.microsoft.com/office/drawing/2014/main" id="{C18D52DD-5CB6-49D8-A55F-61CB6B8100AC}"/>
-              </a:ext>
-            </a:extLst>
-          </p:cNvPr>
-          <p:cNvPicPr>
-            <a:picLocks noChangeAspect="1"/>
-          </p:cNvPicPr>
-          <p:nvPr/>
-        </p:nvPicPr>
-        <p:blipFill>
-          <a:blip r:embed="rId3"/>
-          <a:stretch>
-            <a:fillRect/>
-          </a:stretch>
-        </p:blipFill>
-        <p:spPr>
-          <a:xfrm>
-            <a:off x="683568" y="1844824"/>
-            <a:ext cx="7400000" cy="4219048"/>
-          </a:xfrm>
-          <a:prstGeom prst="rect">
-            <a:avLst/>
-          </a:prstGeom>
-        </p:spPr>
-      </p:pic>
-    </p:spTree>
-    <p:extLst>
-      <p:ext uri="{BB962C8B-B14F-4D97-AF65-F5344CB8AC3E}">
-        <p14:creationId xmlns:p14="http://schemas.microsoft.com/office/powerpoint/2010/main" val="29313995"/>
       </p:ext>
     </p:extLst>
   </p:cSld>
